--- a/Lesson15 HW/otus_diplom_presentation.pptx
+++ b/Lesson15 HW/otus_diplom_presentation.pptx
@@ -5,26 +5,25 @@
     <p:sldMasterId id="2147483725" r:id="rId1"/>
   </p:sldMasterIdLst>
   <p:notesMasterIdLst>
-    <p:notesMasterId r:id="rId19"/>
+    <p:notesMasterId r:id="rId18"/>
   </p:notesMasterIdLst>
   <p:sldIdLst>
     <p:sldId id="256" r:id="rId2"/>
     <p:sldId id="258" r:id="rId3"/>
-    <p:sldId id="259" r:id="rId4"/>
-    <p:sldId id="260" r:id="rId5"/>
-    <p:sldId id="261" r:id="rId6"/>
-    <p:sldId id="263" r:id="rId7"/>
-    <p:sldId id="275" r:id="rId8"/>
-    <p:sldId id="274" r:id="rId9"/>
-    <p:sldId id="265" r:id="rId10"/>
-    <p:sldId id="276" r:id="rId11"/>
-    <p:sldId id="277" r:id="rId12"/>
-    <p:sldId id="278" r:id="rId13"/>
-    <p:sldId id="279" r:id="rId14"/>
-    <p:sldId id="280" r:id="rId15"/>
-    <p:sldId id="281" r:id="rId16"/>
-    <p:sldId id="282" r:id="rId17"/>
-    <p:sldId id="266" r:id="rId18"/>
+    <p:sldId id="260" r:id="rId4"/>
+    <p:sldId id="261" r:id="rId5"/>
+    <p:sldId id="263" r:id="rId6"/>
+    <p:sldId id="275" r:id="rId7"/>
+    <p:sldId id="274" r:id="rId8"/>
+    <p:sldId id="265" r:id="rId9"/>
+    <p:sldId id="276" r:id="rId10"/>
+    <p:sldId id="277" r:id="rId11"/>
+    <p:sldId id="278" r:id="rId12"/>
+    <p:sldId id="279" r:id="rId13"/>
+    <p:sldId id="280" r:id="rId14"/>
+    <p:sldId id="281" r:id="rId15"/>
+    <p:sldId id="282" r:id="rId16"/>
+    <p:sldId id="266" r:id="rId17"/>
   </p:sldIdLst>
   <p:sldSz cx="9144000" cy="5143500" type="screen16x9"/>
   <p:notesSz cx="6858000" cy="9144000"/>
@@ -2806,133 +2805,6 @@
   <p:cSld>
     <p:spTree>
       <p:nvGrpSpPr>
-        <p:cNvPr id="1" name="Shape 137">
-          <a:extLst>
-            <a:ext uri="{FF2B5EF4-FFF2-40B4-BE49-F238E27FC236}">
-              <a16:creationId xmlns:a16="http://schemas.microsoft.com/office/drawing/2014/main" id="{542E8823-EA6E-9046-C3EC-1222607C99BA}"/>
-            </a:ext>
-          </a:extLst>
-        </p:cNvPr>
-        <p:cNvGrpSpPr/>
-        <p:nvPr/>
-      </p:nvGrpSpPr>
-      <p:grpSpPr>
-        <a:xfrm>
-          <a:off x="0" y="0"/>
-          <a:ext cx="0" cy="0"/>
-          <a:chOff x="0" y="0"/>
-          <a:chExt cx="0" cy="0"/>
-        </a:xfrm>
-      </p:grpSpPr>
-      <p:sp>
-        <p:nvSpPr>
-          <p:cNvPr id="138" name="Google Shape;138;gf98075b259_0_51:notes">
-            <a:extLst>
-              <a:ext uri="{FF2B5EF4-FFF2-40B4-BE49-F238E27FC236}">
-                <a16:creationId xmlns:a16="http://schemas.microsoft.com/office/drawing/2014/main" id="{2A61D354-F80A-5058-F4BB-207C8D159009}"/>
-              </a:ext>
-            </a:extLst>
-          </p:cNvPr>
-          <p:cNvSpPr>
-            <a:spLocks noGrp="1" noRot="1" noChangeAspect="1"/>
-          </p:cNvSpPr>
-          <p:nvPr>
-            <p:ph type="sldImg" idx="2"/>
-          </p:nvPr>
-        </p:nvSpPr>
-        <p:spPr>
-          <a:xfrm>
-            <a:off x="381000" y="685800"/>
-            <a:ext cx="6096000" cy="3429000"/>
-          </a:xfrm>
-          <a:custGeom>
-            <a:avLst/>
-            <a:gdLst/>
-            <a:ahLst/>
-            <a:cxnLst/>
-            <a:rect l="l" t="t" r="r" b="b"/>
-            <a:pathLst>
-              <a:path w="120000" h="120000" extrusionOk="0">
-                <a:moveTo>
-                  <a:pt x="0" y="0"/>
-                </a:moveTo>
-                <a:lnTo>
-                  <a:pt x="120000" y="0"/>
-                </a:lnTo>
-                <a:lnTo>
-                  <a:pt x="120000" y="120000"/>
-                </a:lnTo>
-                <a:lnTo>
-                  <a:pt x="0" y="120000"/>
-                </a:lnTo>
-                <a:close/>
-              </a:path>
-            </a:pathLst>
-          </a:custGeom>
-        </p:spPr>
-      </p:sp>
-      <p:sp>
-        <p:nvSpPr>
-          <p:cNvPr id="139" name="Google Shape;139;gf98075b259_0_51:notes">
-            <a:extLst>
-              <a:ext uri="{FF2B5EF4-FFF2-40B4-BE49-F238E27FC236}">
-                <a16:creationId xmlns:a16="http://schemas.microsoft.com/office/drawing/2014/main" id="{29B445B6-84F1-B635-BB44-7DAE6A7AE87C}"/>
-              </a:ext>
-            </a:extLst>
-          </p:cNvPr>
-          <p:cNvSpPr txBox="1">
-            <a:spLocks noGrp="1"/>
-          </p:cNvSpPr>
-          <p:nvPr>
-            <p:ph type="body" idx="1"/>
-          </p:nvPr>
-        </p:nvSpPr>
-        <p:spPr>
-          <a:xfrm>
-            <a:off x="685800" y="4343400"/>
-            <a:ext cx="5486400" cy="4114800"/>
-          </a:xfrm>
-          <a:prstGeom prst="rect">
-            <a:avLst/>
-          </a:prstGeom>
-        </p:spPr>
-        <p:txBody>
-          <a:bodyPr spcFirstLastPara="1" wrap="square" lIns="91425" tIns="91425" rIns="91425" bIns="91425" anchor="t" anchorCtr="0">
-            <a:noAutofit/>
-          </a:bodyPr>
-          <a:lstStyle/>
-          <a:p>
-            <a:pPr marL="0" lvl="0" indent="0" algn="l" rtl="0">
-              <a:spcBef>
-                <a:spcPts val="0"/>
-              </a:spcBef>
-              <a:spcAft>
-                <a:spcPts val="0"/>
-              </a:spcAft>
-              <a:buNone/>
-            </a:pPr>
-            <a:endParaRPr/>
-          </a:p>
-        </p:txBody>
-      </p:sp>
-    </p:spTree>
-    <p:extLst>
-      <p:ext uri="{BB962C8B-B14F-4D97-AF65-F5344CB8AC3E}">
-        <p14:creationId xmlns:p14="http://schemas.microsoft.com/office/powerpoint/2010/main" val="4195789569"/>
-      </p:ext>
-    </p:extLst>
-  </p:cSld>
-  <p:clrMapOvr>
-    <a:masterClrMapping/>
-  </p:clrMapOvr>
-</p:notes>
-</file>
-
-<file path=ppt/notesSlides/notesSlide11.xml><?xml version="1.0" encoding="utf-8"?>
-<p:notes xmlns:a="http://schemas.openxmlformats.org/drawingml/2006/main" xmlns:r="http://schemas.openxmlformats.org/officeDocument/2006/relationships" xmlns:p="http://schemas.openxmlformats.org/presentationml/2006/main" showMasterSp="0" showMasterPhAnim="0">
-  <p:cSld>
-    <p:spTree>
-      <p:nvGrpSpPr>
         <p:cNvPr id="1" name="Shape 124">
           <a:extLst>
             <a:ext uri="{FF2B5EF4-FFF2-40B4-BE49-F238E27FC236}">
@@ -3055,7 +2927,7 @@
 </p:notes>
 </file>
 
-<file path=ppt/notesSlides/notesSlide12.xml><?xml version="1.0" encoding="utf-8"?>
+<file path=ppt/notesSlides/notesSlide11.xml><?xml version="1.0" encoding="utf-8"?>
 <p:notes xmlns:a="http://schemas.openxmlformats.org/drawingml/2006/main" xmlns:r="http://schemas.openxmlformats.org/officeDocument/2006/relationships" xmlns:p="http://schemas.openxmlformats.org/presentationml/2006/main" showMasterSp="0" showMasterPhAnim="0">
   <p:cSld>
     <p:spTree>
@@ -3182,7 +3054,7 @@
 </p:notes>
 </file>
 
-<file path=ppt/notesSlides/notesSlide13.xml><?xml version="1.0" encoding="utf-8"?>
+<file path=ppt/notesSlides/notesSlide12.xml><?xml version="1.0" encoding="utf-8"?>
 <p:notes xmlns:a="http://schemas.openxmlformats.org/drawingml/2006/main" xmlns:r="http://schemas.openxmlformats.org/officeDocument/2006/relationships" xmlns:p="http://schemas.openxmlformats.org/presentationml/2006/main" showMasterSp="0" showMasterPhAnim="0">
   <p:cSld>
     <p:spTree>
@@ -3309,7 +3181,7 @@
 </p:notes>
 </file>
 
-<file path=ppt/notesSlides/notesSlide14.xml><?xml version="1.0" encoding="utf-8"?>
+<file path=ppt/notesSlides/notesSlide13.xml><?xml version="1.0" encoding="utf-8"?>
 <p:notes xmlns:a="http://schemas.openxmlformats.org/drawingml/2006/main" xmlns:r="http://schemas.openxmlformats.org/officeDocument/2006/relationships" xmlns:p="http://schemas.openxmlformats.org/presentationml/2006/main" showMasterSp="0" showMasterPhAnim="0">
   <p:cSld>
     <p:spTree>
@@ -3436,7 +3308,7 @@
 </p:notes>
 </file>
 
-<file path=ppt/notesSlides/notesSlide15.xml><?xml version="1.0" encoding="utf-8"?>
+<file path=ppt/notesSlides/notesSlide14.xml><?xml version="1.0" encoding="utf-8"?>
 <p:notes xmlns:a="http://schemas.openxmlformats.org/drawingml/2006/main" xmlns:r="http://schemas.openxmlformats.org/officeDocument/2006/relationships" xmlns:p="http://schemas.openxmlformats.org/presentationml/2006/main" showMasterSp="0" showMasterPhAnim="0">
   <p:cSld>
     <p:spTree>
@@ -3563,7 +3435,7 @@
 </p:notes>
 </file>
 
-<file path=ppt/notesSlides/notesSlide16.xml><?xml version="1.0" encoding="utf-8"?>
+<file path=ppt/notesSlides/notesSlide15.xml><?xml version="1.0" encoding="utf-8"?>
 <p:notes xmlns:a="http://schemas.openxmlformats.org/drawingml/2006/main" xmlns:r="http://schemas.openxmlformats.org/officeDocument/2006/relationships" xmlns:p="http://schemas.openxmlformats.org/presentationml/2006/main" showMasterSp="0" showMasterPhAnim="0">
   <p:cSld>
     <p:spTree>
@@ -3690,7 +3562,7 @@
 </p:notes>
 </file>
 
-<file path=ppt/notesSlides/notesSlide17.xml><?xml version="1.0" encoding="utf-8"?>
+<file path=ppt/notesSlides/notesSlide16.xml><?xml version="1.0" encoding="utf-8"?>
 <p:notes xmlns:a="http://schemas.openxmlformats.org/drawingml/2006/main" xmlns:r="http://schemas.openxmlformats.org/officeDocument/2006/relationships" xmlns:p="http://schemas.openxmlformats.org/presentationml/2006/main" showMasterSp="0" showMasterPhAnim="0">
   <p:cSld>
     <p:spTree>
@@ -3903,110 +3775,6 @@
   <p:cSld>
     <p:spTree>
       <p:nvGrpSpPr>
-        <p:cNvPr id="1" name="Shape 87"/>
-        <p:cNvGrpSpPr/>
-        <p:nvPr/>
-      </p:nvGrpSpPr>
-      <p:grpSpPr>
-        <a:xfrm>
-          <a:off x="0" y="0"/>
-          <a:ext cx="0" cy="0"/>
-          <a:chOff x="0" y="0"/>
-          <a:chExt cx="0" cy="0"/>
-        </a:xfrm>
-      </p:grpSpPr>
-      <p:sp>
-        <p:nvSpPr>
-          <p:cNvPr id="88" name="Google Shape;88;gf98075b259_0_0:notes"/>
-          <p:cNvSpPr>
-            <a:spLocks noGrp="1" noRot="1" noChangeAspect="1"/>
-          </p:cNvSpPr>
-          <p:nvPr>
-            <p:ph type="sldImg" idx="2"/>
-          </p:nvPr>
-        </p:nvSpPr>
-        <p:spPr>
-          <a:xfrm>
-            <a:off x="381000" y="685800"/>
-            <a:ext cx="6096000" cy="3429000"/>
-          </a:xfrm>
-          <a:custGeom>
-            <a:avLst/>
-            <a:gdLst/>
-            <a:ahLst/>
-            <a:cxnLst/>
-            <a:rect l="l" t="t" r="r" b="b"/>
-            <a:pathLst>
-              <a:path w="120000" h="120000" extrusionOk="0">
-                <a:moveTo>
-                  <a:pt x="0" y="0"/>
-                </a:moveTo>
-                <a:lnTo>
-                  <a:pt x="120000" y="0"/>
-                </a:lnTo>
-                <a:lnTo>
-                  <a:pt x="120000" y="120000"/>
-                </a:lnTo>
-                <a:lnTo>
-                  <a:pt x="0" y="120000"/>
-                </a:lnTo>
-                <a:close/>
-              </a:path>
-            </a:pathLst>
-          </a:custGeom>
-        </p:spPr>
-      </p:sp>
-      <p:sp>
-        <p:nvSpPr>
-          <p:cNvPr id="89" name="Google Shape;89;gf98075b259_0_0:notes"/>
-          <p:cNvSpPr txBox="1">
-            <a:spLocks noGrp="1"/>
-          </p:cNvSpPr>
-          <p:nvPr>
-            <p:ph type="body" idx="1"/>
-          </p:nvPr>
-        </p:nvSpPr>
-        <p:spPr>
-          <a:xfrm>
-            <a:off x="685800" y="4343400"/>
-            <a:ext cx="5486400" cy="4114800"/>
-          </a:xfrm>
-          <a:prstGeom prst="rect">
-            <a:avLst/>
-          </a:prstGeom>
-        </p:spPr>
-        <p:txBody>
-          <a:bodyPr spcFirstLastPara="1" wrap="square" lIns="91425" tIns="91425" rIns="91425" bIns="91425" anchor="t" anchorCtr="0">
-            <a:noAutofit/>
-          </a:bodyPr>
-          <a:lstStyle/>
-          <a:p>
-            <a:pPr marL="0" lvl="0" indent="0" algn="l" rtl="0">
-              <a:spcBef>
-                <a:spcPts val="0"/>
-              </a:spcBef>
-              <a:spcAft>
-                <a:spcPts val="0"/>
-              </a:spcAft>
-              <a:buNone/>
-            </a:pPr>
-            <a:endParaRPr/>
-          </a:p>
-        </p:txBody>
-      </p:sp>
-    </p:spTree>
-  </p:cSld>
-  <p:clrMapOvr>
-    <a:masterClrMapping/>
-  </p:clrMapOvr>
-</p:notes>
-</file>
-
-<file path=ppt/notesSlides/notesSlide4.xml><?xml version="1.0" encoding="utf-8"?>
-<p:notes xmlns:a="http://schemas.openxmlformats.org/drawingml/2006/main" xmlns:r="http://schemas.openxmlformats.org/officeDocument/2006/relationships" xmlns:p="http://schemas.openxmlformats.org/presentationml/2006/main" showMasterSp="0" showMasterPhAnim="0">
-  <p:cSld>
-    <p:spTree>
-      <p:nvGrpSpPr>
         <p:cNvPr id="1" name="Shape 103"/>
         <p:cNvGrpSpPr/>
         <p:nvPr/>
@@ -4106,7 +3874,7 @@
 </p:notes>
 </file>
 
-<file path=ppt/notesSlides/notesSlide5.xml><?xml version="1.0" encoding="utf-8"?>
+<file path=ppt/notesSlides/notesSlide4.xml><?xml version="1.0" encoding="utf-8"?>
 <p:notes xmlns:a="http://schemas.openxmlformats.org/drawingml/2006/main" xmlns:r="http://schemas.openxmlformats.org/officeDocument/2006/relationships" xmlns:p="http://schemas.openxmlformats.org/presentationml/2006/main" showMasterSp="0" showMasterPhAnim="0">
   <p:cSld>
     <p:spTree>
@@ -4167,6 +3935,110 @@
       <p:sp>
         <p:nvSpPr>
           <p:cNvPr id="112" name="Google Shape;112;gdf29b9fb24_0_61:notes"/>
+          <p:cNvSpPr txBox="1">
+            <a:spLocks noGrp="1"/>
+          </p:cNvSpPr>
+          <p:nvPr>
+            <p:ph type="body" idx="1"/>
+          </p:nvPr>
+        </p:nvSpPr>
+        <p:spPr>
+          <a:xfrm>
+            <a:off x="685800" y="4343400"/>
+            <a:ext cx="5486400" cy="4114800"/>
+          </a:xfrm>
+          <a:prstGeom prst="rect">
+            <a:avLst/>
+          </a:prstGeom>
+        </p:spPr>
+        <p:txBody>
+          <a:bodyPr spcFirstLastPara="1" wrap="square" lIns="91425" tIns="91425" rIns="91425" bIns="91425" anchor="t" anchorCtr="0">
+            <a:noAutofit/>
+          </a:bodyPr>
+          <a:lstStyle/>
+          <a:p>
+            <a:pPr marL="0" lvl="0" indent="0" algn="l" rtl="0">
+              <a:spcBef>
+                <a:spcPts val="0"/>
+              </a:spcBef>
+              <a:spcAft>
+                <a:spcPts val="0"/>
+              </a:spcAft>
+              <a:buNone/>
+            </a:pPr>
+            <a:endParaRPr/>
+          </a:p>
+        </p:txBody>
+      </p:sp>
+    </p:spTree>
+  </p:cSld>
+  <p:clrMapOvr>
+    <a:masterClrMapping/>
+  </p:clrMapOvr>
+</p:notes>
+</file>
+
+<file path=ppt/notesSlides/notesSlide5.xml><?xml version="1.0" encoding="utf-8"?>
+<p:notes xmlns:a="http://schemas.openxmlformats.org/drawingml/2006/main" xmlns:r="http://schemas.openxmlformats.org/officeDocument/2006/relationships" xmlns:p="http://schemas.openxmlformats.org/presentationml/2006/main" showMasterSp="0" showMasterPhAnim="0">
+  <p:cSld>
+    <p:spTree>
+      <p:nvGrpSpPr>
+        <p:cNvPr id="1" name="Shape 124"/>
+        <p:cNvGrpSpPr/>
+        <p:nvPr/>
+      </p:nvGrpSpPr>
+      <p:grpSpPr>
+        <a:xfrm>
+          <a:off x="0" y="0"/>
+          <a:ext cx="0" cy="0"/>
+          <a:chOff x="0" y="0"/>
+          <a:chExt cx="0" cy="0"/>
+        </a:xfrm>
+      </p:grpSpPr>
+      <p:sp>
+        <p:nvSpPr>
+          <p:cNvPr id="125" name="Google Shape;125;gdf29b9fb24_0_69:notes"/>
+          <p:cNvSpPr>
+            <a:spLocks noGrp="1" noRot="1" noChangeAspect="1"/>
+          </p:cNvSpPr>
+          <p:nvPr>
+            <p:ph type="sldImg" idx="2"/>
+          </p:nvPr>
+        </p:nvSpPr>
+        <p:spPr>
+          <a:xfrm>
+            <a:off x="381000" y="685800"/>
+            <a:ext cx="6096000" cy="3429000"/>
+          </a:xfrm>
+          <a:custGeom>
+            <a:avLst/>
+            <a:gdLst/>
+            <a:ahLst/>
+            <a:cxnLst/>
+            <a:rect l="l" t="t" r="r" b="b"/>
+            <a:pathLst>
+              <a:path w="120000" h="120000" extrusionOk="0">
+                <a:moveTo>
+                  <a:pt x="0" y="0"/>
+                </a:moveTo>
+                <a:lnTo>
+                  <a:pt x="120000" y="0"/>
+                </a:lnTo>
+                <a:lnTo>
+                  <a:pt x="120000" y="120000"/>
+                </a:lnTo>
+                <a:lnTo>
+                  <a:pt x="0" y="120000"/>
+                </a:lnTo>
+                <a:close/>
+              </a:path>
+            </a:pathLst>
+          </a:custGeom>
+        </p:spPr>
+      </p:sp>
+      <p:sp>
+        <p:nvSpPr>
+          <p:cNvPr id="126" name="Google Shape;126;gdf29b9fb24_0_69:notes"/>
           <p:cNvSpPr txBox="1">
             <a:spLocks noGrp="1"/>
           </p:cNvSpPr>
@@ -4307,6 +4179,11 @@
         </p:txBody>
       </p:sp>
     </p:spTree>
+    <p:extLst>
+      <p:ext uri="{BB962C8B-B14F-4D97-AF65-F5344CB8AC3E}">
+        <p14:creationId xmlns:p14="http://schemas.microsoft.com/office/powerpoint/2010/main" val="1032148330"/>
+      </p:ext>
+    </p:extLst>
   </p:cSld>
   <p:clrMapOvr>
     <a:masterClrMapping/>
@@ -4413,7 +4290,7 @@
     </p:spTree>
     <p:extLst>
       <p:ext uri="{BB962C8B-B14F-4D97-AF65-F5344CB8AC3E}">
-        <p14:creationId xmlns:p14="http://schemas.microsoft.com/office/powerpoint/2010/main" val="1032148330"/>
+        <p14:creationId xmlns:p14="http://schemas.microsoft.com/office/powerpoint/2010/main" val="3957739024"/>
       </p:ext>
     </p:extLst>
   </p:cSld>
@@ -4424,115 +4301,6 @@
 </file>
 
 <file path=ppt/notesSlides/notesSlide8.xml><?xml version="1.0" encoding="utf-8"?>
-<p:notes xmlns:a="http://schemas.openxmlformats.org/drawingml/2006/main" xmlns:r="http://schemas.openxmlformats.org/officeDocument/2006/relationships" xmlns:p="http://schemas.openxmlformats.org/presentationml/2006/main" showMasterSp="0" showMasterPhAnim="0">
-  <p:cSld>
-    <p:spTree>
-      <p:nvGrpSpPr>
-        <p:cNvPr id="1" name="Shape 124"/>
-        <p:cNvGrpSpPr/>
-        <p:nvPr/>
-      </p:nvGrpSpPr>
-      <p:grpSpPr>
-        <a:xfrm>
-          <a:off x="0" y="0"/>
-          <a:ext cx="0" cy="0"/>
-          <a:chOff x="0" y="0"/>
-          <a:chExt cx="0" cy="0"/>
-        </a:xfrm>
-      </p:grpSpPr>
-      <p:sp>
-        <p:nvSpPr>
-          <p:cNvPr id="125" name="Google Shape;125;gdf29b9fb24_0_69:notes"/>
-          <p:cNvSpPr>
-            <a:spLocks noGrp="1" noRot="1" noChangeAspect="1"/>
-          </p:cNvSpPr>
-          <p:nvPr>
-            <p:ph type="sldImg" idx="2"/>
-          </p:nvPr>
-        </p:nvSpPr>
-        <p:spPr>
-          <a:xfrm>
-            <a:off x="381000" y="685800"/>
-            <a:ext cx="6096000" cy="3429000"/>
-          </a:xfrm>
-          <a:custGeom>
-            <a:avLst/>
-            <a:gdLst/>
-            <a:ahLst/>
-            <a:cxnLst/>
-            <a:rect l="l" t="t" r="r" b="b"/>
-            <a:pathLst>
-              <a:path w="120000" h="120000" extrusionOk="0">
-                <a:moveTo>
-                  <a:pt x="0" y="0"/>
-                </a:moveTo>
-                <a:lnTo>
-                  <a:pt x="120000" y="0"/>
-                </a:lnTo>
-                <a:lnTo>
-                  <a:pt x="120000" y="120000"/>
-                </a:lnTo>
-                <a:lnTo>
-                  <a:pt x="0" y="120000"/>
-                </a:lnTo>
-                <a:close/>
-              </a:path>
-            </a:pathLst>
-          </a:custGeom>
-        </p:spPr>
-      </p:sp>
-      <p:sp>
-        <p:nvSpPr>
-          <p:cNvPr id="126" name="Google Shape;126;gdf29b9fb24_0_69:notes"/>
-          <p:cNvSpPr txBox="1">
-            <a:spLocks noGrp="1"/>
-          </p:cNvSpPr>
-          <p:nvPr>
-            <p:ph type="body" idx="1"/>
-          </p:nvPr>
-        </p:nvSpPr>
-        <p:spPr>
-          <a:xfrm>
-            <a:off x="685800" y="4343400"/>
-            <a:ext cx="5486400" cy="4114800"/>
-          </a:xfrm>
-          <a:prstGeom prst="rect">
-            <a:avLst/>
-          </a:prstGeom>
-        </p:spPr>
-        <p:txBody>
-          <a:bodyPr spcFirstLastPara="1" wrap="square" lIns="91425" tIns="91425" rIns="91425" bIns="91425" anchor="t" anchorCtr="0">
-            <a:noAutofit/>
-          </a:bodyPr>
-          <a:lstStyle/>
-          <a:p>
-            <a:pPr marL="0" lvl="0" indent="0" algn="l" rtl="0">
-              <a:spcBef>
-                <a:spcPts val="0"/>
-              </a:spcBef>
-              <a:spcAft>
-                <a:spcPts val="0"/>
-              </a:spcAft>
-              <a:buNone/>
-            </a:pPr>
-            <a:endParaRPr/>
-          </a:p>
-        </p:txBody>
-      </p:sp>
-    </p:spTree>
-    <p:extLst>
-      <p:ext uri="{BB962C8B-B14F-4D97-AF65-F5344CB8AC3E}">
-        <p14:creationId xmlns:p14="http://schemas.microsoft.com/office/powerpoint/2010/main" val="3957739024"/>
-      </p:ext>
-    </p:extLst>
-  </p:cSld>
-  <p:clrMapOvr>
-    <a:masterClrMapping/>
-  </p:clrMapOvr>
-</p:notes>
-</file>
-
-<file path=ppt/notesSlides/notesSlide9.xml><?xml version="1.0" encoding="utf-8"?>
 <p:notes xmlns:a="http://schemas.openxmlformats.org/drawingml/2006/main" xmlns:r="http://schemas.openxmlformats.org/officeDocument/2006/relationships" xmlns:p="http://schemas.openxmlformats.org/presentationml/2006/main" showMasterSp="0" showMasterPhAnim="0">
   <p:cSld>
     <p:spTree>
@@ -4636,6 +4404,133 @@
 </p:notes>
 </file>
 
+<file path=ppt/notesSlides/notesSlide9.xml><?xml version="1.0" encoding="utf-8"?>
+<p:notes xmlns:a="http://schemas.openxmlformats.org/drawingml/2006/main" xmlns:r="http://schemas.openxmlformats.org/officeDocument/2006/relationships" xmlns:p="http://schemas.openxmlformats.org/presentationml/2006/main" showMasterSp="0" showMasterPhAnim="0">
+  <p:cSld>
+    <p:spTree>
+      <p:nvGrpSpPr>
+        <p:cNvPr id="1" name="Shape 137">
+          <a:extLst>
+            <a:ext uri="{FF2B5EF4-FFF2-40B4-BE49-F238E27FC236}">
+              <a16:creationId xmlns:a16="http://schemas.microsoft.com/office/drawing/2014/main" id="{542E8823-EA6E-9046-C3EC-1222607C99BA}"/>
+            </a:ext>
+          </a:extLst>
+        </p:cNvPr>
+        <p:cNvGrpSpPr/>
+        <p:nvPr/>
+      </p:nvGrpSpPr>
+      <p:grpSpPr>
+        <a:xfrm>
+          <a:off x="0" y="0"/>
+          <a:ext cx="0" cy="0"/>
+          <a:chOff x="0" y="0"/>
+          <a:chExt cx="0" cy="0"/>
+        </a:xfrm>
+      </p:grpSpPr>
+      <p:sp>
+        <p:nvSpPr>
+          <p:cNvPr id="138" name="Google Shape;138;gf98075b259_0_51:notes">
+            <a:extLst>
+              <a:ext uri="{FF2B5EF4-FFF2-40B4-BE49-F238E27FC236}">
+                <a16:creationId xmlns:a16="http://schemas.microsoft.com/office/drawing/2014/main" id="{2A61D354-F80A-5058-F4BB-207C8D159009}"/>
+              </a:ext>
+            </a:extLst>
+          </p:cNvPr>
+          <p:cNvSpPr>
+            <a:spLocks noGrp="1" noRot="1" noChangeAspect="1"/>
+          </p:cNvSpPr>
+          <p:nvPr>
+            <p:ph type="sldImg" idx="2"/>
+          </p:nvPr>
+        </p:nvSpPr>
+        <p:spPr>
+          <a:xfrm>
+            <a:off x="381000" y="685800"/>
+            <a:ext cx="6096000" cy="3429000"/>
+          </a:xfrm>
+          <a:custGeom>
+            <a:avLst/>
+            <a:gdLst/>
+            <a:ahLst/>
+            <a:cxnLst/>
+            <a:rect l="l" t="t" r="r" b="b"/>
+            <a:pathLst>
+              <a:path w="120000" h="120000" extrusionOk="0">
+                <a:moveTo>
+                  <a:pt x="0" y="0"/>
+                </a:moveTo>
+                <a:lnTo>
+                  <a:pt x="120000" y="0"/>
+                </a:lnTo>
+                <a:lnTo>
+                  <a:pt x="120000" y="120000"/>
+                </a:lnTo>
+                <a:lnTo>
+                  <a:pt x="0" y="120000"/>
+                </a:lnTo>
+                <a:close/>
+              </a:path>
+            </a:pathLst>
+          </a:custGeom>
+        </p:spPr>
+      </p:sp>
+      <p:sp>
+        <p:nvSpPr>
+          <p:cNvPr id="139" name="Google Shape;139;gf98075b259_0_51:notes">
+            <a:extLst>
+              <a:ext uri="{FF2B5EF4-FFF2-40B4-BE49-F238E27FC236}">
+                <a16:creationId xmlns:a16="http://schemas.microsoft.com/office/drawing/2014/main" id="{29B445B6-84F1-B635-BB44-7DAE6A7AE87C}"/>
+              </a:ext>
+            </a:extLst>
+          </p:cNvPr>
+          <p:cNvSpPr txBox="1">
+            <a:spLocks noGrp="1"/>
+          </p:cNvSpPr>
+          <p:nvPr>
+            <p:ph type="body" idx="1"/>
+          </p:nvPr>
+        </p:nvSpPr>
+        <p:spPr>
+          <a:xfrm>
+            <a:off x="685800" y="4343400"/>
+            <a:ext cx="5486400" cy="4114800"/>
+          </a:xfrm>
+          <a:prstGeom prst="rect">
+            <a:avLst/>
+          </a:prstGeom>
+        </p:spPr>
+        <p:txBody>
+          <a:bodyPr spcFirstLastPara="1" wrap="square" lIns="91425" tIns="91425" rIns="91425" bIns="91425" anchor="t" anchorCtr="0">
+            <a:noAutofit/>
+          </a:bodyPr>
+          <a:lstStyle/>
+          <a:p>
+            <a:pPr marL="0" lvl="0" indent="0" algn="l" rtl="0">
+              <a:spcBef>
+                <a:spcPts val="0"/>
+              </a:spcBef>
+              <a:spcAft>
+                <a:spcPts val="0"/>
+              </a:spcAft>
+              <a:buNone/>
+            </a:pPr>
+            <a:endParaRPr/>
+          </a:p>
+        </p:txBody>
+      </p:sp>
+    </p:spTree>
+    <p:extLst>
+      <p:ext uri="{BB962C8B-B14F-4D97-AF65-F5344CB8AC3E}">
+        <p14:creationId xmlns:p14="http://schemas.microsoft.com/office/powerpoint/2010/main" val="4195789569"/>
+      </p:ext>
+    </p:extLst>
+  </p:cSld>
+  <p:clrMapOvr>
+    <a:masterClrMapping/>
+  </p:clrMapOvr>
+</p:notes>
+</file>
+
 <file path=ppt/slideLayouts/slideLayout1.xml><?xml version="1.0" encoding="utf-8"?>
 <p:sldLayout xmlns:a="http://schemas.openxmlformats.org/drawingml/2006/main" xmlns:r="http://schemas.openxmlformats.org/officeDocument/2006/relationships" xmlns:p="http://schemas.openxmlformats.org/presentationml/2006/main" showMasterSp="0" type="title" preserve="1">
   <p:cSld name="Титульный слайд">
@@ -4686,7 +4581,7 @@
           <a:noFill/>
           <a:extLst>
             <a:ext uri="{909E8E84-426E-40dd-AFC4-6F175D3DCCD1}">
-              <a14:hiddenFill xmlns="" xmlns:a14="http://schemas.microsoft.com/office/drawing/2010/main">
+              <a14:hiddenFill xmlns:a14="http://schemas.microsoft.com/office/drawing/2010/main" xmlns="">
                 <a:solidFill>
                   <a:srgbClr val="FFFFFF"/>
                 </a:solidFill>
@@ -4746,7 +4641,7 @@
             </a:ln>
             <a:extLst>
               <a:ext uri="{91240B29-F687-4f45-9708-019B960494DF}">
-                <a14:hiddenLine xmlns="" xmlns:a14="http://schemas.microsoft.com/office/drawing/2010/main" w="9525">
+                <a14:hiddenLine xmlns:a14="http://schemas.microsoft.com/office/drawing/2010/main" xmlns="" w="9525">
                   <a:solidFill>
                     <a:srgbClr val="000000"/>
                   </a:solidFill>
@@ -4836,7 +4731,7 @@
             </a:ln>
             <a:extLst>
               <a:ext uri="{91240B29-F687-4f45-9708-019B960494DF}">
-                <a14:hiddenLine xmlns="" xmlns:a14="http://schemas.microsoft.com/office/drawing/2010/main" w="9525">
+                <a14:hiddenLine xmlns:a14="http://schemas.microsoft.com/office/drawing/2010/main" xmlns="" w="9525">
                   <a:solidFill>
                     <a:srgbClr val="000000"/>
                   </a:solidFill>
@@ -4926,7 +4821,7 @@
             </a:ln>
             <a:extLst>
               <a:ext uri="{91240B29-F687-4f45-9708-019B960494DF}">
-                <a14:hiddenLine xmlns="" xmlns:a14="http://schemas.microsoft.com/office/drawing/2010/main" w="9525">
+                <a14:hiddenLine xmlns:a14="http://schemas.microsoft.com/office/drawing/2010/main" xmlns="" w="9525">
                   <a:solidFill>
                     <a:srgbClr val="000000"/>
                   </a:solidFill>
@@ -4960,7 +4855,7 @@
             </a:ln>
             <a:extLst>
               <a:ext uri="{91240B29-F687-4f45-9708-019B960494DF}">
-                <a14:hiddenLine xmlns="" xmlns:a14="http://schemas.microsoft.com/office/drawing/2010/main" w="9525">
+                <a14:hiddenLine xmlns:a14="http://schemas.microsoft.com/office/drawing/2010/main" xmlns="" w="9525">
                   <a:solidFill>
                     <a:srgbClr val="000000"/>
                   </a:solidFill>
@@ -5050,7 +4945,7 @@
             </a:ln>
             <a:extLst>
               <a:ext uri="{91240B29-F687-4f45-9708-019B960494DF}">
-                <a14:hiddenLine xmlns="" xmlns:a14="http://schemas.microsoft.com/office/drawing/2010/main" w="9525">
+                <a14:hiddenLine xmlns:a14="http://schemas.microsoft.com/office/drawing/2010/main" xmlns="" w="9525">
                   <a:solidFill>
                     <a:srgbClr val="000000"/>
                   </a:solidFill>
@@ -5112,7 +5007,7 @@
             </a:ln>
             <a:extLst>
               <a:ext uri="{91240B29-F687-4f45-9708-019B960494DF}">
-                <a14:hiddenLine xmlns="" xmlns:a14="http://schemas.microsoft.com/office/drawing/2010/main" w="9525">
+                <a14:hiddenLine xmlns:a14="http://schemas.microsoft.com/office/drawing/2010/main" xmlns="" w="9525">
                   <a:solidFill>
                     <a:srgbClr val="000000"/>
                   </a:solidFill>
@@ -5174,7 +5069,7 @@
             </a:ln>
             <a:extLst>
               <a:ext uri="{91240B29-F687-4f45-9708-019B960494DF}">
-                <a14:hiddenLine xmlns="" xmlns:a14="http://schemas.microsoft.com/office/drawing/2010/main" w="9525">
+                <a14:hiddenLine xmlns:a14="http://schemas.microsoft.com/office/drawing/2010/main" xmlns="" w="9525">
                   <a:solidFill>
                     <a:srgbClr val="000000"/>
                   </a:solidFill>
@@ -5264,7 +5159,7 @@
             </a:ln>
             <a:extLst>
               <a:ext uri="{91240B29-F687-4f45-9708-019B960494DF}">
-                <a14:hiddenLine xmlns="" xmlns:a14="http://schemas.microsoft.com/office/drawing/2010/main" w="9525">
+                <a14:hiddenLine xmlns:a14="http://schemas.microsoft.com/office/drawing/2010/main" xmlns="" w="9525">
                   <a:solidFill>
                     <a:srgbClr val="000000"/>
                   </a:solidFill>
@@ -5326,7 +5221,7 @@
             </a:ln>
             <a:extLst>
               <a:ext uri="{91240B29-F687-4f45-9708-019B960494DF}">
-                <a14:hiddenLine xmlns="" xmlns:a14="http://schemas.microsoft.com/office/drawing/2010/main" w="9525">
+                <a14:hiddenLine xmlns:a14="http://schemas.microsoft.com/office/drawing/2010/main" xmlns="" w="9525">
                   <a:solidFill>
                     <a:srgbClr val="000000"/>
                   </a:solidFill>
@@ -5388,7 +5283,7 @@
             </a:ln>
             <a:extLst>
               <a:ext uri="{91240B29-F687-4f45-9708-019B960494DF}">
-                <a14:hiddenLine xmlns="" xmlns:a14="http://schemas.microsoft.com/office/drawing/2010/main" w="9525">
+                <a14:hiddenLine xmlns:a14="http://schemas.microsoft.com/office/drawing/2010/main" xmlns="" w="9525">
                   <a:solidFill>
                     <a:srgbClr val="000000"/>
                   </a:solidFill>
@@ -5478,7 +5373,7 @@
             </a:ln>
             <a:extLst>
               <a:ext uri="{91240B29-F687-4f45-9708-019B960494DF}">
-                <a14:hiddenLine xmlns="" xmlns:a14="http://schemas.microsoft.com/office/drawing/2010/main" w="9525">
+                <a14:hiddenLine xmlns:a14="http://schemas.microsoft.com/office/drawing/2010/main" xmlns="" w="9525">
                   <a:solidFill>
                     <a:srgbClr val="000000"/>
                   </a:solidFill>
@@ -5568,7 +5463,7 @@
             </a:ln>
             <a:extLst>
               <a:ext uri="{91240B29-F687-4f45-9708-019B960494DF}">
-                <a14:hiddenLine xmlns="" xmlns:a14="http://schemas.microsoft.com/office/drawing/2010/main" w="9525">
+                <a14:hiddenLine xmlns:a14="http://schemas.microsoft.com/office/drawing/2010/main" xmlns="" w="9525">
                   <a:solidFill>
                     <a:srgbClr val="000000"/>
                   </a:solidFill>
@@ -5630,7 +5525,7 @@
             </a:ln>
             <a:extLst>
               <a:ext uri="{91240B29-F687-4f45-9708-019B960494DF}">
-                <a14:hiddenLine xmlns="" xmlns:a14="http://schemas.microsoft.com/office/drawing/2010/main" w="9525">
+                <a14:hiddenLine xmlns:a14="http://schemas.microsoft.com/office/drawing/2010/main" xmlns="" w="9525">
                   <a:solidFill>
                     <a:srgbClr val="000000"/>
                   </a:solidFill>
@@ -5740,7 +5635,7 @@
             </a:ln>
             <a:extLst>
               <a:ext uri="{91240B29-F687-4f45-9708-019B960494DF}">
-                <a14:hiddenLine xmlns="" xmlns:a14="http://schemas.microsoft.com/office/drawing/2010/main" w="9525">
+                <a14:hiddenLine xmlns:a14="http://schemas.microsoft.com/office/drawing/2010/main" xmlns="" w="9525">
                   <a:solidFill>
                     <a:srgbClr val="000000"/>
                   </a:solidFill>
@@ -5802,7 +5697,7 @@
             </a:ln>
             <a:extLst>
               <a:ext uri="{91240B29-F687-4f45-9708-019B960494DF}">
-                <a14:hiddenLine xmlns="" xmlns:a14="http://schemas.microsoft.com/office/drawing/2010/main" w="9525">
+                <a14:hiddenLine xmlns:a14="http://schemas.microsoft.com/office/drawing/2010/main" xmlns="" w="9525">
                   <a:solidFill>
                     <a:srgbClr val="000000"/>
                   </a:solidFill>
@@ -5892,7 +5787,7 @@
             </a:ln>
             <a:extLst>
               <a:ext uri="{91240B29-F687-4f45-9708-019B960494DF}">
-                <a14:hiddenLine xmlns="" xmlns:a14="http://schemas.microsoft.com/office/drawing/2010/main" w="9525">
+                <a14:hiddenLine xmlns:a14="http://schemas.microsoft.com/office/drawing/2010/main" xmlns="" w="9525">
                   <a:solidFill>
                     <a:srgbClr val="000000"/>
                   </a:solidFill>
@@ -5982,7 +5877,7 @@
             </a:ln>
             <a:extLst>
               <a:ext uri="{91240B29-F687-4f45-9708-019B960494DF}">
-                <a14:hiddenLine xmlns="" xmlns:a14="http://schemas.microsoft.com/office/drawing/2010/main" w="9525">
+                <a14:hiddenLine xmlns:a14="http://schemas.microsoft.com/office/drawing/2010/main" xmlns="" w="9525">
                   <a:solidFill>
                     <a:srgbClr val="000000"/>
                   </a:solidFill>
@@ -6044,7 +5939,7 @@
             </a:ln>
             <a:extLst>
               <a:ext uri="{91240B29-F687-4f45-9708-019B960494DF}">
-                <a14:hiddenLine xmlns="" xmlns:a14="http://schemas.microsoft.com/office/drawing/2010/main" w="9525">
+                <a14:hiddenLine xmlns:a14="http://schemas.microsoft.com/office/drawing/2010/main" xmlns="" w="9525">
                   <a:solidFill>
                     <a:srgbClr val="000000"/>
                   </a:solidFill>
@@ -6134,7 +6029,7 @@
             </a:ln>
             <a:extLst>
               <a:ext uri="{91240B29-F687-4f45-9708-019B960494DF}">
-                <a14:hiddenLine xmlns="" xmlns:a14="http://schemas.microsoft.com/office/drawing/2010/main" w="9525">
+                <a14:hiddenLine xmlns:a14="http://schemas.microsoft.com/office/drawing/2010/main" xmlns="" w="9525">
                   <a:solidFill>
                     <a:srgbClr val="000000"/>
                   </a:solidFill>
@@ -6224,7 +6119,7 @@
             </a:ln>
             <a:extLst>
               <a:ext uri="{91240B29-F687-4f45-9708-019B960494DF}">
-                <a14:hiddenLine xmlns="" xmlns:a14="http://schemas.microsoft.com/office/drawing/2010/main" w="9525">
+                <a14:hiddenLine xmlns:a14="http://schemas.microsoft.com/office/drawing/2010/main" xmlns="" w="9525">
                   <a:solidFill>
                     <a:srgbClr val="000000"/>
                   </a:solidFill>
@@ -6280,7 +6175,7 @@
             </a:ln>
             <a:extLst>
               <a:ext uri="{91240B29-F687-4f45-9708-019B960494DF}">
-                <a14:hiddenLine xmlns="" xmlns:a14="http://schemas.microsoft.com/office/drawing/2010/main" w="9525">
+                <a14:hiddenLine xmlns:a14="http://schemas.microsoft.com/office/drawing/2010/main" xmlns="" w="9525">
                   <a:solidFill>
                     <a:srgbClr val="000000"/>
                   </a:solidFill>
@@ -6370,7 +6265,7 @@
             </a:ln>
             <a:extLst>
               <a:ext uri="{91240B29-F687-4f45-9708-019B960494DF}">
-                <a14:hiddenLine xmlns="" xmlns:a14="http://schemas.microsoft.com/office/drawing/2010/main" w="9525">
+                <a14:hiddenLine xmlns:a14="http://schemas.microsoft.com/office/drawing/2010/main" xmlns="" w="9525">
                   <a:solidFill>
                     <a:srgbClr val="000000"/>
                   </a:solidFill>
@@ -6426,7 +6321,7 @@
             </a:ln>
             <a:extLst>
               <a:ext uri="{91240B29-F687-4f45-9708-019B960494DF}">
-                <a14:hiddenLine xmlns="" xmlns:a14="http://schemas.microsoft.com/office/drawing/2010/main" w="9525">
+                <a14:hiddenLine xmlns:a14="http://schemas.microsoft.com/office/drawing/2010/main" xmlns="" w="9525">
                   <a:solidFill>
                     <a:srgbClr val="000000"/>
                   </a:solidFill>
@@ -6516,7 +6411,7 @@
             </a:ln>
             <a:extLst>
               <a:ext uri="{91240B29-F687-4f45-9708-019B960494DF}">
-                <a14:hiddenLine xmlns="" xmlns:a14="http://schemas.microsoft.com/office/drawing/2010/main" w="9525">
+                <a14:hiddenLine xmlns:a14="http://schemas.microsoft.com/office/drawing/2010/main" xmlns="" w="9525">
                   <a:solidFill>
                     <a:srgbClr val="000000"/>
                   </a:solidFill>
@@ -6584,7 +6479,7 @@
             </a:ln>
             <a:extLst>
               <a:ext uri="{91240B29-F687-4f45-9708-019B960494DF}">
-                <a14:hiddenLine xmlns="" xmlns:a14="http://schemas.microsoft.com/office/drawing/2010/main" w="9525">
+                <a14:hiddenLine xmlns:a14="http://schemas.microsoft.com/office/drawing/2010/main" xmlns="" w="9525">
                   <a:solidFill>
                     <a:srgbClr val="000000"/>
                   </a:solidFill>
@@ -6674,7 +6569,7 @@
             </a:ln>
             <a:extLst>
               <a:ext uri="{91240B29-F687-4f45-9708-019B960494DF}">
-                <a14:hiddenLine xmlns="" xmlns:a14="http://schemas.microsoft.com/office/drawing/2010/main" w="9525">
+                <a14:hiddenLine xmlns:a14="http://schemas.microsoft.com/office/drawing/2010/main" xmlns="" w="9525">
                   <a:solidFill>
                     <a:srgbClr val="000000"/>
                   </a:solidFill>
@@ -6742,7 +6637,7 @@
             </a:ln>
             <a:extLst>
               <a:ext uri="{91240B29-F687-4f45-9708-019B960494DF}">
-                <a14:hiddenLine xmlns="" xmlns:a14="http://schemas.microsoft.com/office/drawing/2010/main" w="9525">
+                <a14:hiddenLine xmlns:a14="http://schemas.microsoft.com/office/drawing/2010/main" xmlns="" w="9525">
                   <a:solidFill>
                     <a:srgbClr val="000000"/>
                   </a:solidFill>
@@ -6832,7 +6727,7 @@
             </a:ln>
             <a:extLst>
               <a:ext uri="{91240B29-F687-4f45-9708-019B960494DF}">
-                <a14:hiddenLine xmlns="" xmlns:a14="http://schemas.microsoft.com/office/drawing/2010/main" w="9525">
+                <a14:hiddenLine xmlns:a14="http://schemas.microsoft.com/office/drawing/2010/main" xmlns="" w="9525">
                   <a:solidFill>
                     <a:srgbClr val="000000"/>
                   </a:solidFill>
@@ -6866,7 +6761,7 @@
             </a:ln>
             <a:extLst>
               <a:ext uri="{91240B29-F687-4f45-9708-019B960494DF}">
-                <a14:hiddenLine xmlns="" xmlns:a14="http://schemas.microsoft.com/office/drawing/2010/main" w="9525">
+                <a14:hiddenLine xmlns:a14="http://schemas.microsoft.com/office/drawing/2010/main" xmlns="" w="9525">
                   <a:solidFill>
                     <a:srgbClr val="000000"/>
                   </a:solidFill>
@@ -6956,7 +6851,7 @@
             </a:ln>
             <a:extLst>
               <a:ext uri="{91240B29-F687-4f45-9708-019B960494DF}">
-                <a14:hiddenLine xmlns="" xmlns:a14="http://schemas.microsoft.com/office/drawing/2010/main" w="9525">
+                <a14:hiddenLine xmlns:a14="http://schemas.microsoft.com/office/drawing/2010/main" xmlns="" w="9525">
                   <a:solidFill>
                     <a:srgbClr val="000000"/>
                   </a:solidFill>
@@ -7018,7 +6913,7 @@
             </a:ln>
             <a:extLst>
               <a:ext uri="{91240B29-F687-4f45-9708-019B960494DF}">
-                <a14:hiddenLine xmlns="" xmlns:a14="http://schemas.microsoft.com/office/drawing/2010/main" w="9525">
+                <a14:hiddenLine xmlns:a14="http://schemas.microsoft.com/office/drawing/2010/main" xmlns="" w="9525">
                   <a:solidFill>
                     <a:srgbClr val="000000"/>
                   </a:solidFill>
@@ -7080,7 +6975,7 @@
             </a:ln>
             <a:extLst>
               <a:ext uri="{91240B29-F687-4f45-9708-019B960494DF}">
-                <a14:hiddenLine xmlns="" xmlns:a14="http://schemas.microsoft.com/office/drawing/2010/main" w="9525">
+                <a14:hiddenLine xmlns:a14="http://schemas.microsoft.com/office/drawing/2010/main" xmlns="" w="9525">
                   <a:solidFill>
                     <a:srgbClr val="000000"/>
                   </a:solidFill>
@@ -7170,7 +7065,7 @@
             </a:ln>
             <a:extLst>
               <a:ext uri="{91240B29-F687-4f45-9708-019B960494DF}">
-                <a14:hiddenLine xmlns="" xmlns:a14="http://schemas.microsoft.com/office/drawing/2010/main" w="9525">
+                <a14:hiddenLine xmlns:a14="http://schemas.microsoft.com/office/drawing/2010/main" xmlns="" w="9525">
                   <a:solidFill>
                     <a:srgbClr val="000000"/>
                   </a:solidFill>
@@ -7238,7 +7133,7 @@
             </a:ln>
             <a:extLst>
               <a:ext uri="{91240B29-F687-4f45-9708-019B960494DF}">
-                <a14:hiddenLine xmlns="" xmlns:a14="http://schemas.microsoft.com/office/drawing/2010/main" w="9525">
+                <a14:hiddenLine xmlns:a14="http://schemas.microsoft.com/office/drawing/2010/main" xmlns="" w="9525">
                   <a:solidFill>
                     <a:srgbClr val="000000"/>
                   </a:solidFill>
@@ -7300,7 +7195,7 @@
             </a:ln>
             <a:extLst>
               <a:ext uri="{91240B29-F687-4f45-9708-019B960494DF}">
-                <a14:hiddenLine xmlns="" xmlns:a14="http://schemas.microsoft.com/office/drawing/2010/main" w="9525">
+                <a14:hiddenLine xmlns:a14="http://schemas.microsoft.com/office/drawing/2010/main" xmlns="" w="9525">
                   <a:solidFill>
                     <a:srgbClr val="000000"/>
                   </a:solidFill>
@@ -7390,7 +7285,7 @@
             </a:ln>
             <a:extLst>
               <a:ext uri="{91240B29-F687-4f45-9708-019B960494DF}">
-                <a14:hiddenLine xmlns="" xmlns:a14="http://schemas.microsoft.com/office/drawing/2010/main" w="9525">
+                <a14:hiddenLine xmlns:a14="http://schemas.microsoft.com/office/drawing/2010/main" xmlns="" w="9525">
                   <a:solidFill>
                     <a:srgbClr val="000000"/>
                   </a:solidFill>
@@ -7452,7 +7347,7 @@
             </a:ln>
             <a:extLst>
               <a:ext uri="{91240B29-F687-4f45-9708-019B960494DF}">
-                <a14:hiddenLine xmlns="" xmlns:a14="http://schemas.microsoft.com/office/drawing/2010/main" w="9525">
+                <a14:hiddenLine xmlns:a14="http://schemas.microsoft.com/office/drawing/2010/main" xmlns="" w="9525">
                   <a:solidFill>
                     <a:srgbClr val="000000"/>
                   </a:solidFill>
@@ -7542,7 +7437,7 @@
             </a:ln>
             <a:extLst>
               <a:ext uri="{91240B29-F687-4f45-9708-019B960494DF}">
-                <a14:hiddenLine xmlns="" xmlns:a14="http://schemas.microsoft.com/office/drawing/2010/main" w="9525">
+                <a14:hiddenLine xmlns:a14="http://schemas.microsoft.com/office/drawing/2010/main" xmlns="" w="9525">
                   <a:solidFill>
                     <a:srgbClr val="000000"/>
                   </a:solidFill>
@@ -7604,7 +7499,7 @@
             </a:ln>
             <a:extLst>
               <a:ext uri="{91240B29-F687-4f45-9708-019B960494DF}">
-                <a14:hiddenLine xmlns="" xmlns:a14="http://schemas.microsoft.com/office/drawing/2010/main" w="9525">
+                <a14:hiddenLine xmlns:a14="http://schemas.microsoft.com/office/drawing/2010/main" xmlns="" w="9525">
                   <a:solidFill>
                     <a:srgbClr val="000000"/>
                   </a:solidFill>
@@ -7694,7 +7589,7 @@
             </a:ln>
             <a:extLst>
               <a:ext uri="{91240B29-F687-4f45-9708-019B960494DF}">
-                <a14:hiddenLine xmlns="" xmlns:a14="http://schemas.microsoft.com/office/drawing/2010/main" w="9525">
+                <a14:hiddenLine xmlns:a14="http://schemas.microsoft.com/office/drawing/2010/main" xmlns="" w="9525">
                   <a:solidFill>
                     <a:srgbClr val="000000"/>
                   </a:solidFill>
@@ -7728,7 +7623,7 @@
             </a:ln>
             <a:extLst>
               <a:ext uri="{91240B29-F687-4f45-9708-019B960494DF}">
-                <a14:hiddenLine xmlns="" xmlns:a14="http://schemas.microsoft.com/office/drawing/2010/main" w="9525">
+                <a14:hiddenLine xmlns:a14="http://schemas.microsoft.com/office/drawing/2010/main" xmlns="" w="9525">
                   <a:solidFill>
                     <a:srgbClr val="000000"/>
                   </a:solidFill>
@@ -7793,7 +7688,7 @@
             </a:ln>
             <a:extLst>
               <a:ext uri="{91240B29-F687-4f45-9708-019B960494DF}">
-                <a14:hiddenLine xmlns="" xmlns:a14="http://schemas.microsoft.com/office/drawing/2010/main" w="9525">
+                <a14:hiddenLine xmlns:a14="http://schemas.microsoft.com/office/drawing/2010/main" xmlns="" w="9525">
                   <a:solidFill>
                     <a:srgbClr val="000000"/>
                   </a:solidFill>
@@ -7883,7 +7778,7 @@
             </a:ln>
             <a:extLst>
               <a:ext uri="{91240B29-F687-4f45-9708-019B960494DF}">
-                <a14:hiddenLine xmlns="" xmlns:a14="http://schemas.microsoft.com/office/drawing/2010/main" w="9525">
+                <a14:hiddenLine xmlns:a14="http://schemas.microsoft.com/office/drawing/2010/main" xmlns="" w="9525">
                   <a:solidFill>
                     <a:srgbClr val="000000"/>
                   </a:solidFill>
@@ -7945,7 +7840,7 @@
             </a:ln>
             <a:extLst>
               <a:ext uri="{91240B29-F687-4f45-9708-019B960494DF}">
-                <a14:hiddenLine xmlns="" xmlns:a14="http://schemas.microsoft.com/office/drawing/2010/main" w="9525">
+                <a14:hiddenLine xmlns:a14="http://schemas.microsoft.com/office/drawing/2010/main" xmlns="" w="9525">
                   <a:solidFill>
                     <a:srgbClr val="000000"/>
                   </a:solidFill>
@@ -8035,7 +7930,7 @@
             </a:ln>
             <a:extLst>
               <a:ext uri="{91240B29-F687-4f45-9708-019B960494DF}">
-                <a14:hiddenLine xmlns="" xmlns:a14="http://schemas.microsoft.com/office/drawing/2010/main" w="9525">
+                <a14:hiddenLine xmlns:a14="http://schemas.microsoft.com/office/drawing/2010/main" xmlns="" w="9525">
                   <a:solidFill>
                     <a:srgbClr val="000000"/>
                   </a:solidFill>
@@ -8125,7 +8020,7 @@
             </a:ln>
             <a:extLst>
               <a:ext uri="{91240B29-F687-4f45-9708-019B960494DF}">
-                <a14:hiddenLine xmlns="" xmlns:a14="http://schemas.microsoft.com/office/drawing/2010/main" w="9525">
+                <a14:hiddenLine xmlns:a14="http://schemas.microsoft.com/office/drawing/2010/main" xmlns="" w="9525">
                   <a:solidFill>
                     <a:srgbClr val="000000"/>
                   </a:solidFill>
@@ -8190,7 +8085,7 @@
             </a:ln>
             <a:extLst>
               <a:ext uri="{91240B29-F687-4f45-9708-019B960494DF}">
-                <a14:hiddenLine xmlns="" xmlns:a14="http://schemas.microsoft.com/office/drawing/2010/main" w="9525">
+                <a14:hiddenLine xmlns:a14="http://schemas.microsoft.com/office/drawing/2010/main" xmlns="" w="9525">
                   <a:solidFill>
                     <a:srgbClr val="000000"/>
                   </a:solidFill>
@@ -8252,7 +8147,7 @@
             </a:ln>
             <a:extLst>
               <a:ext uri="{91240B29-F687-4f45-9708-019B960494DF}">
-                <a14:hiddenLine xmlns="" xmlns:a14="http://schemas.microsoft.com/office/drawing/2010/main" w="9525">
+                <a14:hiddenLine xmlns:a14="http://schemas.microsoft.com/office/drawing/2010/main" xmlns="" w="9525">
                   <a:solidFill>
                     <a:srgbClr val="000000"/>
                   </a:solidFill>
@@ -8342,7 +8237,7 @@
             </a:ln>
             <a:extLst>
               <a:ext uri="{91240B29-F687-4f45-9708-019B960494DF}">
-                <a14:hiddenLine xmlns="" xmlns:a14="http://schemas.microsoft.com/office/drawing/2010/main" w="9525">
+                <a14:hiddenLine xmlns:a14="http://schemas.microsoft.com/office/drawing/2010/main" xmlns="" w="9525">
                   <a:solidFill>
                     <a:srgbClr val="000000"/>
                   </a:solidFill>
@@ -8432,7 +8327,7 @@
             </a:ln>
             <a:extLst>
               <a:ext uri="{91240B29-F687-4f45-9708-019B960494DF}">
-                <a14:hiddenLine xmlns="" xmlns:a14="http://schemas.microsoft.com/office/drawing/2010/main" w="9525">
+                <a14:hiddenLine xmlns:a14="http://schemas.microsoft.com/office/drawing/2010/main" xmlns="" w="9525">
                   <a:solidFill>
                     <a:srgbClr val="000000"/>
                   </a:solidFill>
@@ -8494,7 +8389,7 @@
             </a:ln>
             <a:extLst>
               <a:ext uri="{91240B29-F687-4f45-9708-019B960494DF}">
-                <a14:hiddenLine xmlns="" xmlns:a14="http://schemas.microsoft.com/office/drawing/2010/main" w="9525">
+                <a14:hiddenLine xmlns:a14="http://schemas.microsoft.com/office/drawing/2010/main" xmlns="" w="9525">
                   <a:solidFill>
                     <a:srgbClr val="000000"/>
                   </a:solidFill>
@@ -8614,7 +8509,7 @@
             </a:ln>
             <a:extLst>
               <a:ext uri="{91240B29-F687-4f45-9708-019B960494DF}">
-                <a14:hiddenLine xmlns="" xmlns:a14="http://schemas.microsoft.com/office/drawing/2010/main" w="9525">
+                <a14:hiddenLine xmlns:a14="http://schemas.microsoft.com/office/drawing/2010/main" xmlns="" w="9525">
                   <a:solidFill>
                     <a:srgbClr val="000000"/>
                   </a:solidFill>
@@ -8682,7 +8577,7 @@
             </a:ln>
             <a:extLst>
               <a:ext uri="{91240B29-F687-4f45-9708-019B960494DF}">
-                <a14:hiddenLine xmlns="" xmlns:a14="http://schemas.microsoft.com/office/drawing/2010/main" w="9525">
+                <a14:hiddenLine xmlns:a14="http://schemas.microsoft.com/office/drawing/2010/main" xmlns="" w="9525">
                   <a:solidFill>
                     <a:srgbClr val="000000"/>
                   </a:solidFill>
@@ -8772,7 +8667,7 @@
             </a:ln>
             <a:extLst>
               <a:ext uri="{91240B29-F687-4f45-9708-019B960494DF}">
-                <a14:hiddenLine xmlns="" xmlns:a14="http://schemas.microsoft.com/office/drawing/2010/main" w="9525">
+                <a14:hiddenLine xmlns:a14="http://schemas.microsoft.com/office/drawing/2010/main" xmlns="" w="9525">
                   <a:solidFill>
                     <a:srgbClr val="000000"/>
                   </a:solidFill>
@@ -15666,7 +15561,7 @@
           <a:noFill/>
           <a:extLst>
             <a:ext uri="{909E8E84-426E-40dd-AFC4-6F175D3DCCD1}">
-              <a14:hiddenFill xmlns="" xmlns:a14="http://schemas.microsoft.com/office/drawing/2010/main">
+              <a14:hiddenFill xmlns:a14="http://schemas.microsoft.com/office/drawing/2010/main" xmlns="">
                 <a:solidFill>
                   <a:srgbClr val="FFFFFF"/>
                 </a:solidFill>
@@ -15740,7 +15635,7 @@
               </a:ln>
               <a:extLst>
                 <a:ext uri="{91240B29-F687-4f45-9708-019B960494DF}">
-                  <a14:hiddenLine xmlns="" xmlns:a14="http://schemas.microsoft.com/office/drawing/2010/main" w="9525">
+                  <a14:hiddenLine xmlns:a14="http://schemas.microsoft.com/office/drawing/2010/main" xmlns="" w="9525">
                     <a:solidFill>
                       <a:srgbClr val="000000"/>
                     </a:solidFill>
@@ -15830,7 +15725,7 @@
               </a:ln>
               <a:extLst>
                 <a:ext uri="{91240B29-F687-4f45-9708-019B960494DF}">
-                  <a14:hiddenLine xmlns="" xmlns:a14="http://schemas.microsoft.com/office/drawing/2010/main" w="9525">
+                  <a14:hiddenLine xmlns:a14="http://schemas.microsoft.com/office/drawing/2010/main" xmlns="" w="9525">
                     <a:solidFill>
                       <a:srgbClr val="000000"/>
                     </a:solidFill>
@@ -15920,7 +15815,7 @@
               </a:ln>
               <a:extLst>
                 <a:ext uri="{91240B29-F687-4f45-9708-019B960494DF}">
-                  <a14:hiddenLine xmlns="" xmlns:a14="http://schemas.microsoft.com/office/drawing/2010/main" w="9525">
+                  <a14:hiddenLine xmlns:a14="http://schemas.microsoft.com/office/drawing/2010/main" xmlns="" w="9525">
                     <a:solidFill>
                       <a:srgbClr val="000000"/>
                     </a:solidFill>
@@ -15982,7 +15877,7 @@
               </a:ln>
               <a:extLst>
                 <a:ext uri="{91240B29-F687-4f45-9708-019B960494DF}">
-                  <a14:hiddenLine xmlns="" xmlns:a14="http://schemas.microsoft.com/office/drawing/2010/main" w="9525">
+                  <a14:hiddenLine xmlns:a14="http://schemas.microsoft.com/office/drawing/2010/main" xmlns="" w="9525">
                     <a:solidFill>
                       <a:srgbClr val="000000"/>
                     </a:solidFill>
@@ -16072,7 +15967,7 @@
               </a:ln>
               <a:extLst>
                 <a:ext uri="{91240B29-F687-4f45-9708-019B960494DF}">
-                  <a14:hiddenLine xmlns="" xmlns:a14="http://schemas.microsoft.com/office/drawing/2010/main" w="9525">
+                  <a14:hiddenLine xmlns:a14="http://schemas.microsoft.com/office/drawing/2010/main" xmlns="" w="9525">
                     <a:solidFill>
                       <a:srgbClr val="000000"/>
                     </a:solidFill>
@@ -16134,7 +16029,7 @@
               </a:ln>
               <a:extLst>
                 <a:ext uri="{91240B29-F687-4f45-9708-019B960494DF}">
-                  <a14:hiddenLine xmlns="" xmlns:a14="http://schemas.microsoft.com/office/drawing/2010/main" w="9525">
+                  <a14:hiddenLine xmlns:a14="http://schemas.microsoft.com/office/drawing/2010/main" xmlns="" w="9525">
                     <a:solidFill>
                       <a:srgbClr val="000000"/>
                     </a:solidFill>
@@ -16196,7 +16091,7 @@
               </a:ln>
               <a:extLst>
                 <a:ext uri="{91240B29-F687-4f45-9708-019B960494DF}">
-                  <a14:hiddenLine xmlns="" xmlns:a14="http://schemas.microsoft.com/office/drawing/2010/main" w="9525">
+                  <a14:hiddenLine xmlns:a14="http://schemas.microsoft.com/office/drawing/2010/main" xmlns="" w="9525">
                     <a:solidFill>
                       <a:srgbClr val="000000"/>
                     </a:solidFill>
@@ -16286,7 +16181,7 @@
               </a:ln>
               <a:extLst>
                 <a:ext uri="{91240B29-F687-4f45-9708-019B960494DF}">
-                  <a14:hiddenLine xmlns="" xmlns:a14="http://schemas.microsoft.com/office/drawing/2010/main" w="9525">
+                  <a14:hiddenLine xmlns:a14="http://schemas.microsoft.com/office/drawing/2010/main" xmlns="" w="9525">
                     <a:solidFill>
                       <a:srgbClr val="000000"/>
                     </a:solidFill>
@@ -16376,7 +16271,7 @@
               </a:ln>
               <a:extLst>
                 <a:ext uri="{91240B29-F687-4f45-9708-019B960494DF}">
-                  <a14:hiddenLine xmlns="" xmlns:a14="http://schemas.microsoft.com/office/drawing/2010/main" w="9525">
+                  <a14:hiddenLine xmlns:a14="http://schemas.microsoft.com/office/drawing/2010/main" xmlns="" w="9525">
                     <a:solidFill>
                       <a:srgbClr val="000000"/>
                     </a:solidFill>
@@ -16438,7 +16333,7 @@
               </a:ln>
               <a:extLst>
                 <a:ext uri="{91240B29-F687-4f45-9708-019B960494DF}">
-                  <a14:hiddenLine xmlns="" xmlns:a14="http://schemas.microsoft.com/office/drawing/2010/main" w="9525">
+                  <a14:hiddenLine xmlns:a14="http://schemas.microsoft.com/office/drawing/2010/main" xmlns="" w="9525">
                     <a:solidFill>
                       <a:srgbClr val="000000"/>
                     </a:solidFill>
@@ -16548,7 +16443,7 @@
               </a:ln>
               <a:extLst>
                 <a:ext uri="{91240B29-F687-4f45-9708-019B960494DF}">
-                  <a14:hiddenLine xmlns="" xmlns:a14="http://schemas.microsoft.com/office/drawing/2010/main" w="9525">
+                  <a14:hiddenLine xmlns:a14="http://schemas.microsoft.com/office/drawing/2010/main" xmlns="" w="9525">
                     <a:solidFill>
                       <a:srgbClr val="000000"/>
                     </a:solidFill>
@@ -16632,7 +16527,7 @@
               </a:ln>
               <a:extLst>
                 <a:ext uri="{91240B29-F687-4f45-9708-019B960494DF}">
-                  <a14:hiddenLine xmlns="" xmlns:a14="http://schemas.microsoft.com/office/drawing/2010/main" w="9525">
+                  <a14:hiddenLine xmlns:a14="http://schemas.microsoft.com/office/drawing/2010/main" xmlns="" w="9525">
                     <a:solidFill>
                       <a:srgbClr val="000000"/>
                     </a:solidFill>
@@ -16694,7 +16589,7 @@
               </a:ln>
               <a:extLst>
                 <a:ext uri="{91240B29-F687-4f45-9708-019B960494DF}">
-                  <a14:hiddenLine xmlns="" xmlns:a14="http://schemas.microsoft.com/office/drawing/2010/main" w="9525">
+                  <a14:hiddenLine xmlns:a14="http://schemas.microsoft.com/office/drawing/2010/main" xmlns="" w="9525">
                     <a:solidFill>
                       <a:srgbClr val="000000"/>
                     </a:solidFill>
@@ -16756,7 +16651,7 @@
               </a:ln>
               <a:extLst>
                 <a:ext uri="{91240B29-F687-4f45-9708-019B960494DF}">
-                  <a14:hiddenLine xmlns="" xmlns:a14="http://schemas.microsoft.com/office/drawing/2010/main" w="9525">
+                  <a14:hiddenLine xmlns:a14="http://schemas.microsoft.com/office/drawing/2010/main" xmlns="" w="9525">
                     <a:solidFill>
                       <a:srgbClr val="000000"/>
                     </a:solidFill>
@@ -16846,7 +16741,7 @@
               </a:ln>
               <a:extLst>
                 <a:ext uri="{91240B29-F687-4f45-9708-019B960494DF}">
-                  <a14:hiddenLine xmlns="" xmlns:a14="http://schemas.microsoft.com/office/drawing/2010/main" w="9525">
+                  <a14:hiddenLine xmlns:a14="http://schemas.microsoft.com/office/drawing/2010/main" xmlns="" w="9525">
                     <a:solidFill>
                       <a:srgbClr val="000000"/>
                     </a:solidFill>
@@ -16880,7 +16775,7 @@
               </a:ln>
               <a:extLst>
                 <a:ext uri="{91240B29-F687-4f45-9708-019B960494DF}">
-                  <a14:hiddenLine xmlns="" xmlns:a14="http://schemas.microsoft.com/office/drawing/2010/main" w="9525">
+                  <a14:hiddenLine xmlns:a14="http://schemas.microsoft.com/office/drawing/2010/main" xmlns="" w="9525">
                     <a:solidFill>
                       <a:srgbClr val="000000"/>
                     </a:solidFill>
@@ -16945,7 +16840,7 @@
               </a:ln>
               <a:extLst>
                 <a:ext uri="{91240B29-F687-4f45-9708-019B960494DF}">
-                  <a14:hiddenLine xmlns="" xmlns:a14="http://schemas.microsoft.com/office/drawing/2010/main" w="9525">
+                  <a14:hiddenLine xmlns:a14="http://schemas.microsoft.com/office/drawing/2010/main" xmlns="" w="9525">
                     <a:solidFill>
                       <a:srgbClr val="000000"/>
                     </a:solidFill>
@@ -17035,7 +16930,7 @@
               </a:ln>
               <a:extLst>
                 <a:ext uri="{91240B29-F687-4f45-9708-019B960494DF}">
-                  <a14:hiddenLine xmlns="" xmlns:a14="http://schemas.microsoft.com/office/drawing/2010/main" w="9525">
+                  <a14:hiddenLine xmlns:a14="http://schemas.microsoft.com/office/drawing/2010/main" xmlns="" w="9525">
                     <a:solidFill>
                       <a:srgbClr val="000000"/>
                     </a:solidFill>
@@ -17097,7 +16992,7 @@
               </a:ln>
               <a:extLst>
                 <a:ext uri="{91240B29-F687-4f45-9708-019B960494DF}">
-                  <a14:hiddenLine xmlns="" xmlns:a14="http://schemas.microsoft.com/office/drawing/2010/main" w="9525">
+                  <a14:hiddenLine xmlns:a14="http://schemas.microsoft.com/office/drawing/2010/main" xmlns="" w="9525">
                     <a:solidFill>
                       <a:srgbClr val="000000"/>
                     </a:solidFill>
@@ -17187,7 +17082,7 @@
               </a:ln>
               <a:extLst>
                 <a:ext uri="{91240B29-F687-4f45-9708-019B960494DF}">
-                  <a14:hiddenLine xmlns="" xmlns:a14="http://schemas.microsoft.com/office/drawing/2010/main" w="9525">
+                  <a14:hiddenLine xmlns:a14="http://schemas.microsoft.com/office/drawing/2010/main" xmlns="" w="9525">
                     <a:solidFill>
                       <a:srgbClr val="000000"/>
                     </a:solidFill>
@@ -17252,7 +17147,7 @@
               </a:ln>
               <a:extLst>
                 <a:ext uri="{91240B29-F687-4f45-9708-019B960494DF}">
-                  <a14:hiddenLine xmlns="" xmlns:a14="http://schemas.microsoft.com/office/drawing/2010/main" w="9525">
+                  <a14:hiddenLine xmlns:a14="http://schemas.microsoft.com/office/drawing/2010/main" xmlns="" w="9525">
                     <a:solidFill>
                       <a:srgbClr val="000000"/>
                     </a:solidFill>
@@ -17314,7 +17209,7 @@
               </a:ln>
               <a:extLst>
                 <a:ext uri="{91240B29-F687-4f45-9708-019B960494DF}">
-                  <a14:hiddenLine xmlns="" xmlns:a14="http://schemas.microsoft.com/office/drawing/2010/main" w="9525">
+                  <a14:hiddenLine xmlns:a14="http://schemas.microsoft.com/office/drawing/2010/main" xmlns="" w="9525">
                     <a:solidFill>
                       <a:srgbClr val="000000"/>
                     </a:solidFill>
@@ -17404,7 +17299,7 @@
               </a:ln>
               <a:extLst>
                 <a:ext uri="{91240B29-F687-4f45-9708-019B960494DF}">
-                  <a14:hiddenLine xmlns="" xmlns:a14="http://schemas.microsoft.com/office/drawing/2010/main" w="9525">
+                  <a14:hiddenLine xmlns:a14="http://schemas.microsoft.com/office/drawing/2010/main" xmlns="" w="9525">
                     <a:solidFill>
                       <a:srgbClr val="000000"/>
                     </a:solidFill>
@@ -17494,7 +17389,7 @@
               </a:ln>
               <a:extLst>
                 <a:ext uri="{91240B29-F687-4f45-9708-019B960494DF}">
-                  <a14:hiddenLine xmlns="" xmlns:a14="http://schemas.microsoft.com/office/drawing/2010/main" w="9525">
+                  <a14:hiddenLine xmlns:a14="http://schemas.microsoft.com/office/drawing/2010/main" xmlns="" w="9525">
                     <a:solidFill>
                       <a:srgbClr val="000000"/>
                     </a:solidFill>
@@ -17559,7 +17454,7 @@
               </a:ln>
               <a:extLst>
                 <a:ext uri="{91240B29-F687-4f45-9708-019B960494DF}">
-                  <a14:hiddenLine xmlns="" xmlns:a14="http://schemas.microsoft.com/office/drawing/2010/main" w="9525">
+                  <a14:hiddenLine xmlns:a14="http://schemas.microsoft.com/office/drawing/2010/main" xmlns="" w="9525">
                     <a:solidFill>
                       <a:srgbClr val="000000"/>
                     </a:solidFill>
@@ -17679,7 +17574,7 @@
               </a:ln>
               <a:extLst>
                 <a:ext uri="{91240B29-F687-4f45-9708-019B960494DF}">
-                  <a14:hiddenLine xmlns="" xmlns:a14="http://schemas.microsoft.com/office/drawing/2010/main" w="9525">
+                  <a14:hiddenLine xmlns:a14="http://schemas.microsoft.com/office/drawing/2010/main" xmlns="" w="9525">
                     <a:solidFill>
                       <a:srgbClr val="000000"/>
                     </a:solidFill>
@@ -17777,7 +17672,7 @@
               </a:ln>
               <a:extLst>
                 <a:ext uri="{91240B29-F687-4f45-9708-019B960494DF}">
-                  <a14:hiddenLine xmlns="" xmlns:a14="http://schemas.microsoft.com/office/drawing/2010/main" w="9525">
+                  <a14:hiddenLine xmlns:a14="http://schemas.microsoft.com/office/drawing/2010/main" xmlns="" w="9525">
                     <a:solidFill>
                       <a:srgbClr val="000000"/>
                     </a:solidFill>
@@ -17892,7 +17787,7 @@
               </a:ln>
               <a:extLst>
                 <a:ext uri="{91240B29-F687-4f45-9708-019B960494DF}">
-                  <a14:hiddenLine xmlns="" xmlns:a14="http://schemas.microsoft.com/office/drawing/2010/main" w="9525">
+                  <a14:hiddenLine xmlns:a14="http://schemas.microsoft.com/office/drawing/2010/main" xmlns="" w="9525">
                     <a:solidFill>
                       <a:srgbClr val="000000"/>
                     </a:solidFill>
@@ -17982,7 +17877,7 @@
               </a:ln>
               <a:extLst>
                 <a:ext uri="{91240B29-F687-4f45-9708-019B960494DF}">
-                  <a14:hiddenLine xmlns="" xmlns:a14="http://schemas.microsoft.com/office/drawing/2010/main" w="9525">
+                  <a14:hiddenLine xmlns:a14="http://schemas.microsoft.com/office/drawing/2010/main" xmlns="" w="9525">
                     <a:solidFill>
                       <a:srgbClr val="000000"/>
                     </a:solidFill>
@@ -18047,7 +17942,7 @@
               </a:ln>
               <a:extLst>
                 <a:ext uri="{91240B29-F687-4f45-9708-019B960494DF}">
-                  <a14:hiddenLine xmlns="" xmlns:a14="http://schemas.microsoft.com/office/drawing/2010/main" w="9525">
+                  <a14:hiddenLine xmlns:a14="http://schemas.microsoft.com/office/drawing/2010/main" xmlns="" w="9525">
                     <a:solidFill>
                       <a:srgbClr val="000000"/>
                     </a:solidFill>
@@ -18137,7 +18032,7 @@
               </a:ln>
               <a:extLst>
                 <a:ext uri="{91240B29-F687-4f45-9708-019B960494DF}">
-                  <a14:hiddenLine xmlns="" xmlns:a14="http://schemas.microsoft.com/office/drawing/2010/main" w="9525">
+                  <a14:hiddenLine xmlns:a14="http://schemas.microsoft.com/office/drawing/2010/main" xmlns="" w="9525">
                     <a:solidFill>
                       <a:srgbClr val="000000"/>
                     </a:solidFill>
@@ -18205,7 +18100,7 @@
               </a:ln>
               <a:extLst>
                 <a:ext uri="{91240B29-F687-4f45-9708-019B960494DF}">
-                  <a14:hiddenLine xmlns="" xmlns:a14="http://schemas.microsoft.com/office/drawing/2010/main" w="9525">
+                  <a14:hiddenLine xmlns:a14="http://schemas.microsoft.com/office/drawing/2010/main" xmlns="" w="9525">
                     <a:solidFill>
                       <a:srgbClr val="000000"/>
                     </a:solidFill>
@@ -18295,7 +18190,7 @@
               </a:ln>
               <a:extLst>
                 <a:ext uri="{91240B29-F687-4f45-9708-019B960494DF}">
-                  <a14:hiddenLine xmlns="" xmlns:a14="http://schemas.microsoft.com/office/drawing/2010/main" w="9525">
+                  <a14:hiddenLine xmlns:a14="http://schemas.microsoft.com/office/drawing/2010/main" xmlns="" w="9525">
                     <a:solidFill>
                       <a:srgbClr val="000000"/>
                     </a:solidFill>
@@ -18363,7 +18258,7 @@
               </a:ln>
               <a:extLst>
                 <a:ext uri="{91240B29-F687-4f45-9708-019B960494DF}">
-                  <a14:hiddenLine xmlns="" xmlns:a14="http://schemas.microsoft.com/office/drawing/2010/main" w="9525">
+                  <a14:hiddenLine xmlns:a14="http://schemas.microsoft.com/office/drawing/2010/main" xmlns="" w="9525">
                     <a:solidFill>
                       <a:srgbClr val="000000"/>
                     </a:solidFill>
@@ -18453,7 +18348,7 @@
               </a:ln>
               <a:extLst>
                 <a:ext uri="{91240B29-F687-4f45-9708-019B960494DF}">
-                  <a14:hiddenLine xmlns="" xmlns:a14="http://schemas.microsoft.com/office/drawing/2010/main" w="9525">
+                  <a14:hiddenLine xmlns:a14="http://schemas.microsoft.com/office/drawing/2010/main" xmlns="" w="9525">
                     <a:solidFill>
                       <a:srgbClr val="000000"/>
                     </a:solidFill>
@@ -18487,7 +18382,7 @@
               </a:ln>
               <a:extLst>
                 <a:ext uri="{91240B29-F687-4f45-9708-019B960494DF}">
-                  <a14:hiddenLine xmlns="" xmlns:a14="http://schemas.microsoft.com/office/drawing/2010/main" w="9525">
+                  <a14:hiddenLine xmlns:a14="http://schemas.microsoft.com/office/drawing/2010/main" xmlns="" w="9525">
                     <a:solidFill>
                       <a:srgbClr val="000000"/>
                     </a:solidFill>
@@ -19127,8 +19022,8 @@
         </p:nvSpPr>
         <p:spPr>
           <a:xfrm>
-            <a:off x="1730669" y="3523689"/>
-            <a:ext cx="6593681" cy="1241822"/>
+            <a:off x="1730670" y="3523689"/>
+            <a:ext cx="972484" cy="467634"/>
           </a:xfrm>
           <a:prstGeom prst="rect">
             <a:avLst/>
@@ -19218,895 +19113,6 @@
 </file>
 
 <file path=ppt/slides/slide10.xml><?xml version="1.0" encoding="utf-8"?>
-<p:sld xmlns:a="http://schemas.openxmlformats.org/drawingml/2006/main" xmlns:r="http://schemas.openxmlformats.org/officeDocument/2006/relationships" xmlns:p="http://schemas.openxmlformats.org/presentationml/2006/main">
-  <p:cSld>
-    <p:spTree>
-      <p:nvGrpSpPr>
-        <p:cNvPr id="1" name="Shape 140">
-          <a:extLst>
-            <a:ext uri="{FF2B5EF4-FFF2-40B4-BE49-F238E27FC236}">
-              <a16:creationId xmlns:a16="http://schemas.microsoft.com/office/drawing/2014/main" id="{FC11C428-A029-6201-5D6C-76E09FB01C6F}"/>
-            </a:ext>
-          </a:extLst>
-        </p:cNvPr>
-        <p:cNvGrpSpPr/>
-        <p:nvPr/>
-      </p:nvGrpSpPr>
-      <p:grpSpPr>
-        <a:xfrm>
-          <a:off x="0" y="0"/>
-          <a:ext cx="0" cy="0"/>
-          <a:chOff x="0" y="0"/>
-          <a:chExt cx="0" cy="0"/>
-        </a:xfrm>
-      </p:grpSpPr>
-      <p:sp>
-        <p:nvSpPr>
-          <p:cNvPr id="141" name="Google Shape;141;p25">
-            <a:extLst>
-              <a:ext uri="{FF2B5EF4-FFF2-40B4-BE49-F238E27FC236}">
-                <a16:creationId xmlns:a16="http://schemas.microsoft.com/office/drawing/2014/main" id="{D5B68C51-DF7A-58FE-3181-6C7B57EEF8E5}"/>
-              </a:ext>
-            </a:extLst>
-          </p:cNvPr>
-          <p:cNvSpPr txBox="1">
-            <a:spLocks noGrp="1"/>
-          </p:cNvSpPr>
-          <p:nvPr>
-            <p:ph type="title"/>
-          </p:nvPr>
-        </p:nvSpPr>
-        <p:spPr>
-          <a:prstGeom prst="rect">
-            <a:avLst/>
-          </a:prstGeom>
-        </p:spPr>
-        <p:txBody>
-          <a:bodyPr spcFirstLastPara="1" wrap="square" lIns="91425" tIns="91425" rIns="91425" bIns="91425" anchor="t" anchorCtr="0">
-            <a:noAutofit/>
-          </a:bodyPr>
-          <a:lstStyle/>
-          <a:p>
-            <a:pPr marL="0" lvl="0" indent="0" algn="l" rtl="0">
-              <a:spcBef>
-                <a:spcPts val="0"/>
-              </a:spcBef>
-              <a:spcAft>
-                <a:spcPts val="0"/>
-              </a:spcAft>
-              <a:buNone/>
-            </a:pPr>
-            <a:r>
-              <a:rPr lang="ru-RU" sz="3400" dirty="0"/>
-              <a:t>Проработка конфигурации </a:t>
-            </a:r>
-            <a:br>
-              <a:rPr lang="en-US" sz="3400" dirty="0"/>
-            </a:br>
-            <a:r>
-              <a:rPr lang="ru-RU" sz="3400" dirty="0"/>
-              <a:t>для среды </a:t>
-            </a:r>
-            <a:r>
-              <a:rPr lang="en-US" sz="3400" dirty="0"/>
-              <a:t>Stage</a:t>
-            </a:r>
-            <a:endParaRPr sz="3000" dirty="0"/>
-          </a:p>
-          <a:p>
-            <a:pPr marL="0" lvl="0" indent="0" algn="l" rtl="0">
-              <a:spcBef>
-                <a:spcPts val="0"/>
-              </a:spcBef>
-              <a:spcAft>
-                <a:spcPts val="0"/>
-              </a:spcAft>
-              <a:buNone/>
-            </a:pPr>
-            <a:endParaRPr sz="3000" dirty="0"/>
-          </a:p>
-        </p:txBody>
-      </p:sp>
-      <p:graphicFrame>
-        <p:nvGraphicFramePr>
-          <p:cNvPr id="142" name="Google Shape;142;p25">
-            <a:extLst>
-              <a:ext uri="{FF2B5EF4-FFF2-40B4-BE49-F238E27FC236}">
-                <a16:creationId xmlns:a16="http://schemas.microsoft.com/office/drawing/2014/main" id="{4EF9AF74-6840-94AE-4449-C2CF144BA99B}"/>
-              </a:ext>
-            </a:extLst>
-          </p:cNvPr>
-          <p:cNvGraphicFramePr/>
-          <p:nvPr>
-            <p:extLst>
-              <p:ext uri="{D42A27DB-BD31-4B8C-83A1-F6EECF244321}">
-                <p14:modId xmlns:p14="http://schemas.microsoft.com/office/powerpoint/2010/main" val="1524208607"/>
-              </p:ext>
-            </p:extLst>
-          </p:nvPr>
-        </p:nvGraphicFramePr>
-        <p:xfrm>
-          <a:off x="952500" y="1544194"/>
-          <a:ext cx="7239000" cy="1640548"/>
-        </p:xfrm>
-        <a:graphic>
-          <a:graphicData uri="http://schemas.openxmlformats.org/drawingml/2006/table">
-            <a:tbl>
-              <a:tblPr>
-                <a:noFill/>
-                <a:tableStyleId>{EC9CA412-B8C5-42E1-A6F7-76260C2D6D12}</a:tableStyleId>
-              </a:tblPr>
-              <a:tblGrid>
-                <a:gridCol w="489425">
-                  <a:extLst>
-                    <a:ext uri="{9D8B030D-6E8A-4147-A177-3AD203B41FA5}">
-                      <a16:colId xmlns:a16="http://schemas.microsoft.com/office/drawing/2014/main" val="20000"/>
-                    </a:ext>
-                  </a:extLst>
-                </a:gridCol>
-                <a:gridCol w="6749575">
-                  <a:extLst>
-                    <a:ext uri="{9D8B030D-6E8A-4147-A177-3AD203B41FA5}">
-                      <a16:colId xmlns:a16="http://schemas.microsoft.com/office/drawing/2014/main" val="20001"/>
-                    </a:ext>
-                  </a:extLst>
-                </a:gridCol>
-              </a:tblGrid>
-              <a:tr h="285750">
-                <a:tc>
-                  <a:txBody>
-                    <a:bodyPr/>
-                    <a:lstStyle/>
-                    <a:p>
-                      <a:pPr marL="0" lvl="0" indent="0" algn="l" rtl="0">
-                        <a:spcBef>
-                          <a:spcPts val="0"/>
-                        </a:spcBef>
-                        <a:spcAft>
-                          <a:spcPts val="0"/>
-                        </a:spcAft>
-                        <a:buNone/>
-                      </a:pPr>
-                      <a:r>
-                        <a:rPr lang="ru" sz="1300" b="1">
-                          <a:solidFill>
-                            <a:srgbClr val="013D85"/>
-                          </a:solidFill>
-                          <a:latin typeface="Roboto"/>
-                          <a:ea typeface="Roboto"/>
-                          <a:cs typeface="Roboto"/>
-                          <a:sym typeface="Roboto"/>
-                        </a:rPr>
-                        <a:t>1.</a:t>
-                      </a:r>
-                      <a:endParaRPr sz="1300" b="1">
-                        <a:solidFill>
-                          <a:srgbClr val="013D85"/>
-                        </a:solidFill>
-                        <a:latin typeface="Roboto"/>
-                        <a:ea typeface="Roboto"/>
-                        <a:cs typeface="Roboto"/>
-                        <a:sym typeface="Roboto"/>
-                      </a:endParaRPr>
-                    </a:p>
-                  </a:txBody>
-                  <a:tcPr marL="198000" marR="91425" marT="68575" marB="68575">
-                    <a:lnL w="9525" cap="flat" cmpd="sng">
-                      <a:solidFill>
-                        <a:srgbClr val="BFC1F0">
-                          <a:alpha val="0"/>
-                        </a:srgbClr>
-                      </a:solidFill>
-                      <a:prstDash val="solid"/>
-                      <a:round/>
-                      <a:headEnd type="none" w="sm" len="sm"/>
-                      <a:tailEnd type="none" w="sm" len="sm"/>
-                    </a:lnL>
-                    <a:lnR w="9525" cap="flat" cmpd="sng">
-                      <a:solidFill>
-                        <a:schemeClr val="lt1">
-                          <a:alpha val="0"/>
-                        </a:schemeClr>
-                      </a:solidFill>
-                      <a:prstDash val="solid"/>
-                      <a:round/>
-                      <a:headEnd type="none" w="sm" len="sm"/>
-                      <a:tailEnd type="none" w="sm" len="sm"/>
-                    </a:lnR>
-                    <a:lnT w="9525" cap="flat" cmpd="sng">
-                      <a:solidFill>
-                        <a:srgbClr val="BFC1F0">
-                          <a:alpha val="0"/>
-                        </a:srgbClr>
-                      </a:solidFill>
-                      <a:prstDash val="solid"/>
-                      <a:round/>
-                      <a:headEnd type="none" w="sm" len="sm"/>
-                      <a:tailEnd type="none" w="sm" len="sm"/>
-                    </a:lnT>
-                    <a:lnB w="9525" cap="flat" cmpd="sng">
-                      <a:solidFill>
-                        <a:srgbClr val="BFC1F0"/>
-                      </a:solidFill>
-                      <a:prstDash val="solid"/>
-                      <a:round/>
-                      <a:headEnd type="none" w="sm" len="sm"/>
-                      <a:tailEnd type="none" w="sm" len="sm"/>
-                    </a:lnB>
-                  </a:tcPr>
-                </a:tc>
-                <a:tc>
-                  <a:txBody>
-                    <a:bodyPr/>
-                    <a:lstStyle/>
-                    <a:p>
-                      <a:pPr marL="0" lvl="0" indent="0" algn="l" rtl="0">
-                        <a:lnSpc>
-                          <a:spcPct val="115000"/>
-                        </a:lnSpc>
-                        <a:spcBef>
-                          <a:spcPts val="0"/>
-                        </a:spcBef>
-                        <a:spcAft>
-                          <a:spcPts val="0"/>
-                        </a:spcAft>
-                        <a:buNone/>
-                      </a:pPr>
-                      <a:r>
-                        <a:rPr lang="ru-RU" sz="1300" dirty="0">
-                          <a:latin typeface="Roboto"/>
-                          <a:ea typeface="Roboto"/>
-                          <a:cs typeface="Roboto"/>
-                          <a:sym typeface="Roboto"/>
-                        </a:rPr>
-                        <a:t>В условиях ограниченных ресурсов избавляемся от лишних </a:t>
-                      </a:r>
-                      <a:r>
-                        <a:rPr lang="en-US" sz="1300" dirty="0">
-                          <a:latin typeface="Roboto"/>
-                          <a:ea typeface="Roboto"/>
-                          <a:cs typeface="Roboto"/>
-                          <a:sym typeface="Roboto"/>
-                        </a:rPr>
-                        <a:t>LB </a:t>
-                      </a:r>
-                      <a:r>
-                        <a:rPr lang="ru-RU" sz="1300" dirty="0">
-                          <a:latin typeface="Roboto"/>
-                          <a:ea typeface="Roboto"/>
-                          <a:cs typeface="Roboto"/>
-                          <a:sym typeface="Roboto"/>
-                        </a:rPr>
-                        <a:t>и </a:t>
-                      </a:r>
-                      <a:r>
-                        <a:rPr lang="en-US" sz="1300" dirty="0">
-                          <a:latin typeface="Roboto"/>
-                          <a:ea typeface="Roboto"/>
-                          <a:cs typeface="Roboto"/>
-                          <a:sym typeface="Roboto"/>
-                        </a:rPr>
-                        <a:t>VIP-</a:t>
-                      </a:r>
-                      <a:r>
-                        <a:rPr lang="ru-RU" sz="1300" dirty="0">
-                          <a:latin typeface="Roboto"/>
-                          <a:ea typeface="Roboto"/>
-                          <a:cs typeface="Roboto"/>
-                          <a:sym typeface="Roboto"/>
-                        </a:rPr>
-                        <a:t>мастера</a:t>
-                      </a:r>
-                    </a:p>
-                  </a:txBody>
-                  <a:tcPr marL="198000" marR="91425" marT="68575" marB="68575">
-                    <a:lnL w="9525" cap="flat" cmpd="sng">
-                      <a:solidFill>
-                        <a:schemeClr val="lt1">
-                          <a:alpha val="0"/>
-                        </a:schemeClr>
-                      </a:solidFill>
-                      <a:prstDash val="solid"/>
-                      <a:round/>
-                      <a:headEnd type="none" w="sm" len="sm"/>
-                      <a:tailEnd type="none" w="sm" len="sm"/>
-                    </a:lnL>
-                    <a:lnR w="9525" cap="flat" cmpd="sng">
-                      <a:solidFill>
-                        <a:srgbClr val="BFC1F0">
-                          <a:alpha val="0"/>
-                        </a:srgbClr>
-                      </a:solidFill>
-                      <a:prstDash val="solid"/>
-                      <a:round/>
-                      <a:headEnd type="none" w="sm" len="sm"/>
-                      <a:tailEnd type="none" w="sm" len="sm"/>
-                    </a:lnR>
-                    <a:lnT w="9525" cap="flat" cmpd="sng">
-                      <a:solidFill>
-                        <a:srgbClr val="BFC1F0">
-                          <a:alpha val="0"/>
-                        </a:srgbClr>
-                      </a:solidFill>
-                      <a:prstDash val="solid"/>
-                      <a:round/>
-                      <a:headEnd type="none" w="sm" len="sm"/>
-                      <a:tailEnd type="none" w="sm" len="sm"/>
-                    </a:lnT>
-                    <a:lnB w="9525" cap="flat" cmpd="sng">
-                      <a:solidFill>
-                        <a:srgbClr val="BFC1F0"/>
-                      </a:solidFill>
-                      <a:prstDash val="solid"/>
-                      <a:round/>
-                      <a:headEnd type="none" w="sm" len="sm"/>
-                      <a:tailEnd type="none" w="sm" len="sm"/>
-                    </a:lnB>
-                  </a:tcPr>
-                </a:tc>
-                <a:extLst>
-                  <a:ext uri="{0D108BD9-81ED-4DB2-BD59-A6C34878D82A}">
-                    <a16:rowId xmlns:a16="http://schemas.microsoft.com/office/drawing/2014/main" val="10000"/>
-                  </a:ext>
-                </a:extLst>
-              </a:tr>
-              <a:tr h="285750">
-                <a:tc>
-                  <a:txBody>
-                    <a:bodyPr/>
-                    <a:lstStyle/>
-                    <a:p>
-                      <a:pPr marL="0" lvl="0" indent="0" algn="l" rtl="0">
-                        <a:spcBef>
-                          <a:spcPts val="0"/>
-                        </a:spcBef>
-                        <a:spcAft>
-                          <a:spcPts val="0"/>
-                        </a:spcAft>
-                        <a:buNone/>
-                      </a:pPr>
-                      <a:r>
-                        <a:rPr lang="ru" sz="1300" b="1">
-                          <a:solidFill>
-                            <a:srgbClr val="013D85"/>
-                          </a:solidFill>
-                          <a:latin typeface="Roboto"/>
-                          <a:ea typeface="Roboto"/>
-                          <a:cs typeface="Roboto"/>
-                          <a:sym typeface="Roboto"/>
-                        </a:rPr>
-                        <a:t>2.</a:t>
-                      </a:r>
-                      <a:endParaRPr sz="1300" b="1">
-                        <a:solidFill>
-                          <a:srgbClr val="013D85"/>
-                        </a:solidFill>
-                        <a:latin typeface="Roboto"/>
-                        <a:ea typeface="Roboto"/>
-                        <a:cs typeface="Roboto"/>
-                        <a:sym typeface="Roboto"/>
-                      </a:endParaRPr>
-                    </a:p>
-                  </a:txBody>
-                  <a:tcPr marL="198000" marR="91425" marT="68575" marB="68575">
-                    <a:lnL w="9525" cap="flat" cmpd="sng">
-                      <a:solidFill>
-                        <a:srgbClr val="BFC1F0">
-                          <a:alpha val="0"/>
-                        </a:srgbClr>
-                      </a:solidFill>
-                      <a:prstDash val="solid"/>
-                      <a:round/>
-                      <a:headEnd type="none" w="sm" len="sm"/>
-                      <a:tailEnd type="none" w="sm" len="sm"/>
-                    </a:lnL>
-                    <a:lnR w="9525" cap="flat" cmpd="sng">
-                      <a:solidFill>
-                        <a:schemeClr val="lt1">
-                          <a:alpha val="0"/>
-                        </a:schemeClr>
-                      </a:solidFill>
-                      <a:prstDash val="solid"/>
-                      <a:round/>
-                      <a:headEnd type="none" w="sm" len="sm"/>
-                      <a:tailEnd type="none" w="sm" len="sm"/>
-                    </a:lnR>
-                    <a:lnT w="9525" cap="flat" cmpd="sng">
-                      <a:solidFill>
-                        <a:srgbClr val="BFC1F0"/>
-                      </a:solidFill>
-                      <a:prstDash val="solid"/>
-                      <a:round/>
-                      <a:headEnd type="none" w="sm" len="sm"/>
-                      <a:tailEnd type="none" w="sm" len="sm"/>
-                    </a:lnT>
-                    <a:lnB w="9525" cap="flat" cmpd="sng">
-                      <a:solidFill>
-                        <a:srgbClr val="BFC1F0"/>
-                      </a:solidFill>
-                      <a:prstDash val="solid"/>
-                      <a:round/>
-                      <a:headEnd type="none" w="sm" len="sm"/>
-                      <a:tailEnd type="none" w="sm" len="sm"/>
-                    </a:lnB>
-                  </a:tcPr>
-                </a:tc>
-                <a:tc>
-                  <a:txBody>
-                    <a:bodyPr/>
-                    <a:lstStyle/>
-                    <a:p>
-                      <a:pPr marL="0" marR="0" lvl="0" indent="0" algn="l" defTabSz="914400" rtl="0" eaLnBrk="1" fontAlgn="auto" latinLnBrk="0" hangingPunct="1">
-                        <a:lnSpc>
-                          <a:spcPct val="115000"/>
-                        </a:lnSpc>
-                        <a:spcBef>
-                          <a:spcPts val="0"/>
-                        </a:spcBef>
-                        <a:spcAft>
-                          <a:spcPts val="0"/>
-                        </a:spcAft>
-                        <a:buClr>
-                          <a:srgbClr val="000000"/>
-                        </a:buClr>
-                        <a:buSzTx/>
-                        <a:buFont typeface="Arial"/>
-                        <a:buNone/>
-                        <a:tabLst/>
-                        <a:defRPr/>
-                      </a:pPr>
-                      <a:r>
-                        <a:rPr lang="ru-RU" sz="1400" b="0" i="0" u="none" strike="noStrike" cap="none" dirty="0">
-                          <a:solidFill>
-                            <a:srgbClr val="000000"/>
-                          </a:solidFill>
-                          <a:effectLst/>
-                          <a:latin typeface="Arial"/>
-                          <a:ea typeface="Arial"/>
-                          <a:cs typeface="Arial"/>
-                          <a:sym typeface="Arial"/>
-                        </a:rPr>
-                        <a:t>Учитываем отсутствие требований к долговечности</a:t>
-                      </a:r>
-                      <a:endParaRPr sz="1300" dirty="0">
-                        <a:latin typeface="Roboto"/>
-                        <a:ea typeface="Roboto"/>
-                        <a:cs typeface="Roboto"/>
-                        <a:sym typeface="Roboto"/>
-                      </a:endParaRPr>
-                    </a:p>
-                  </a:txBody>
-                  <a:tcPr marL="198000" marR="91425" marT="68575" marB="68575">
-                    <a:lnL w="9525" cap="flat" cmpd="sng">
-                      <a:solidFill>
-                        <a:schemeClr val="lt1">
-                          <a:alpha val="0"/>
-                        </a:schemeClr>
-                      </a:solidFill>
-                      <a:prstDash val="solid"/>
-                      <a:round/>
-                      <a:headEnd type="none" w="sm" len="sm"/>
-                      <a:tailEnd type="none" w="sm" len="sm"/>
-                    </a:lnL>
-                    <a:lnR w="9525" cap="flat" cmpd="sng">
-                      <a:solidFill>
-                        <a:srgbClr val="BFC1F0">
-                          <a:alpha val="0"/>
-                        </a:srgbClr>
-                      </a:solidFill>
-                      <a:prstDash val="solid"/>
-                      <a:round/>
-                      <a:headEnd type="none" w="sm" len="sm"/>
-                      <a:tailEnd type="none" w="sm" len="sm"/>
-                    </a:lnR>
-                    <a:lnT w="9525" cap="flat" cmpd="sng">
-                      <a:solidFill>
-                        <a:srgbClr val="BFC1F0"/>
-                      </a:solidFill>
-                      <a:prstDash val="solid"/>
-                      <a:round/>
-                      <a:headEnd type="none" w="sm" len="sm"/>
-                      <a:tailEnd type="none" w="sm" len="sm"/>
-                    </a:lnT>
-                    <a:lnB w="9525" cap="flat" cmpd="sng">
-                      <a:solidFill>
-                        <a:srgbClr val="BFC1F0"/>
-                      </a:solidFill>
-                      <a:prstDash val="solid"/>
-                      <a:round/>
-                      <a:headEnd type="none" w="sm" len="sm"/>
-                      <a:tailEnd type="none" w="sm" len="sm"/>
-                    </a:lnB>
-                  </a:tcPr>
-                </a:tc>
-                <a:extLst>
-                  <a:ext uri="{0D108BD9-81ED-4DB2-BD59-A6C34878D82A}">
-                    <a16:rowId xmlns:a16="http://schemas.microsoft.com/office/drawing/2014/main" val="10001"/>
-                  </a:ext>
-                </a:extLst>
-              </a:tr>
-              <a:tr h="285750">
-                <a:tc>
-                  <a:txBody>
-                    <a:bodyPr/>
-                    <a:lstStyle/>
-                    <a:p>
-                      <a:pPr marL="0" lvl="0" indent="0" algn="l" rtl="0">
-                        <a:spcBef>
-                          <a:spcPts val="0"/>
-                        </a:spcBef>
-                        <a:spcAft>
-                          <a:spcPts val="0"/>
-                        </a:spcAft>
-                        <a:buNone/>
-                      </a:pPr>
-                      <a:r>
-                        <a:rPr lang="ru" sz="1300" b="1" dirty="0">
-                          <a:solidFill>
-                            <a:srgbClr val="013D85"/>
-                          </a:solidFill>
-                          <a:latin typeface="Roboto"/>
-                          <a:ea typeface="Roboto"/>
-                          <a:cs typeface="Roboto"/>
-                          <a:sym typeface="Roboto"/>
-                        </a:rPr>
-                        <a:t>3.</a:t>
-                      </a:r>
-                      <a:endParaRPr sz="1300" b="1" dirty="0">
-                        <a:solidFill>
-                          <a:srgbClr val="013D85"/>
-                        </a:solidFill>
-                        <a:latin typeface="Roboto"/>
-                        <a:ea typeface="Roboto"/>
-                        <a:cs typeface="Roboto"/>
-                        <a:sym typeface="Roboto"/>
-                      </a:endParaRPr>
-                    </a:p>
-                  </a:txBody>
-                  <a:tcPr marL="198000" marR="91425" marT="68575" marB="68575">
-                    <a:lnL w="9525" cap="flat" cmpd="sng">
-                      <a:solidFill>
-                        <a:srgbClr val="BFC1F0">
-                          <a:alpha val="0"/>
-                        </a:srgbClr>
-                      </a:solidFill>
-                      <a:prstDash val="solid"/>
-                      <a:round/>
-                      <a:headEnd type="none" w="sm" len="sm"/>
-                      <a:tailEnd type="none" w="sm" len="sm"/>
-                    </a:lnL>
-                    <a:lnR w="9525" cap="flat" cmpd="sng">
-                      <a:solidFill>
-                        <a:schemeClr val="lt1">
-                          <a:alpha val="0"/>
-                        </a:schemeClr>
-                      </a:solidFill>
-                      <a:prstDash val="solid"/>
-                      <a:round/>
-                      <a:headEnd type="none" w="sm" len="sm"/>
-                      <a:tailEnd type="none" w="sm" len="sm"/>
-                    </a:lnR>
-                    <a:lnT w="9525" cap="flat" cmpd="sng">
-                      <a:solidFill>
-                        <a:srgbClr val="BFC1F0"/>
-                      </a:solidFill>
-                      <a:prstDash val="solid"/>
-                      <a:round/>
-                      <a:headEnd type="none" w="sm" len="sm"/>
-                      <a:tailEnd type="none" w="sm" len="sm"/>
-                    </a:lnT>
-                    <a:lnB w="9525" cap="flat" cmpd="sng" algn="ctr">
-                      <a:solidFill>
-                        <a:srgbClr val="BFC1F0"/>
-                      </a:solidFill>
-                      <a:prstDash val="solid"/>
-                      <a:round/>
-                      <a:headEnd type="none" w="sm" len="sm"/>
-                      <a:tailEnd type="none" w="sm" len="sm"/>
-                    </a:lnB>
-                  </a:tcPr>
-                </a:tc>
-                <a:tc>
-                  <a:txBody>
-                    <a:bodyPr/>
-                    <a:lstStyle/>
-                    <a:p>
-                      <a:pPr marL="0" lvl="0" indent="0" algn="l" rtl="0">
-                        <a:lnSpc>
-                          <a:spcPct val="115000"/>
-                        </a:lnSpc>
-                        <a:spcBef>
-                          <a:spcPts val="0"/>
-                        </a:spcBef>
-                        <a:spcAft>
-                          <a:spcPts val="0"/>
-                        </a:spcAft>
-                        <a:buNone/>
-                      </a:pPr>
-                      <a:r>
-                        <a:rPr lang="ru-RU" sz="1300" dirty="0">
-                          <a:latin typeface="Roboto"/>
-                          <a:ea typeface="Roboto"/>
-                          <a:cs typeface="Roboto"/>
-                          <a:sym typeface="Roboto"/>
-                        </a:rPr>
-                        <a:t>Формируем конфигурации </a:t>
-                      </a:r>
-                      <a:r>
-                        <a:rPr lang="ru-RU" sz="1300" dirty="0" err="1">
-                          <a:latin typeface="Roboto"/>
-                          <a:ea typeface="Roboto"/>
-                          <a:cs typeface="Roboto"/>
-                          <a:sym typeface="Roboto"/>
-                        </a:rPr>
-                        <a:t>кластероа</a:t>
-                      </a:r>
-                      <a:endParaRPr sz="1300" dirty="0">
-                        <a:latin typeface="Roboto"/>
-                        <a:ea typeface="Roboto"/>
-                        <a:cs typeface="Roboto"/>
-                        <a:sym typeface="Roboto"/>
-                      </a:endParaRPr>
-                    </a:p>
-                  </a:txBody>
-                  <a:tcPr marL="198000" marR="91425" marT="68575" marB="68575">
-                    <a:lnL w="9525" cap="flat" cmpd="sng">
-                      <a:solidFill>
-                        <a:schemeClr val="lt1">
-                          <a:alpha val="0"/>
-                        </a:schemeClr>
-                      </a:solidFill>
-                      <a:prstDash val="solid"/>
-                      <a:round/>
-                      <a:headEnd type="none" w="sm" len="sm"/>
-                      <a:tailEnd type="none" w="sm" len="sm"/>
-                    </a:lnL>
-                    <a:lnR w="9525" cap="flat" cmpd="sng">
-                      <a:solidFill>
-                        <a:srgbClr val="BFC1F0">
-                          <a:alpha val="0"/>
-                        </a:srgbClr>
-                      </a:solidFill>
-                      <a:prstDash val="solid"/>
-                      <a:round/>
-                      <a:headEnd type="none" w="sm" len="sm"/>
-                      <a:tailEnd type="none" w="sm" len="sm"/>
-                    </a:lnR>
-                    <a:lnT w="9525" cap="flat" cmpd="sng">
-                      <a:solidFill>
-                        <a:srgbClr val="BFC1F0"/>
-                      </a:solidFill>
-                      <a:prstDash val="solid"/>
-                      <a:round/>
-                      <a:headEnd type="none" w="sm" len="sm"/>
-                      <a:tailEnd type="none" w="sm" len="sm"/>
-                    </a:lnT>
-                    <a:lnB w="9525" cap="flat" cmpd="sng" algn="ctr">
-                      <a:solidFill>
-                        <a:srgbClr val="BFC1F0"/>
-                      </a:solidFill>
-                      <a:prstDash val="solid"/>
-                      <a:round/>
-                      <a:headEnd type="none" w="sm" len="sm"/>
-                      <a:tailEnd type="none" w="sm" len="sm"/>
-                    </a:lnB>
-                  </a:tcPr>
-                </a:tc>
-                <a:extLst>
-                  <a:ext uri="{0D108BD9-81ED-4DB2-BD59-A6C34878D82A}">
-                    <a16:rowId xmlns:a16="http://schemas.microsoft.com/office/drawing/2014/main" val="10002"/>
-                  </a:ext>
-                </a:extLst>
-              </a:tr>
-              <a:tr h="285750">
-                <a:tc>
-                  <a:txBody>
-                    <a:bodyPr/>
-                    <a:lstStyle/>
-                    <a:p>
-                      <a:pPr marL="0" lvl="0" indent="0" algn="l" rtl="0">
-                        <a:spcBef>
-                          <a:spcPts val="0"/>
-                        </a:spcBef>
-                        <a:spcAft>
-                          <a:spcPts val="0"/>
-                        </a:spcAft>
-                        <a:buNone/>
-                      </a:pPr>
-                      <a:r>
-                        <a:rPr lang="ru-RU" sz="1300" b="1" dirty="0">
-                          <a:solidFill>
-                            <a:srgbClr val="013D85"/>
-                          </a:solidFill>
-                          <a:latin typeface="Roboto"/>
-                          <a:ea typeface="Roboto"/>
-                          <a:cs typeface="Roboto"/>
-                          <a:sym typeface="Roboto"/>
-                        </a:rPr>
-                        <a:t>4.</a:t>
-                      </a:r>
-                      <a:endParaRPr sz="1300" b="1" dirty="0">
-                        <a:solidFill>
-                          <a:srgbClr val="013D85"/>
-                        </a:solidFill>
-                        <a:latin typeface="Roboto"/>
-                        <a:ea typeface="Roboto"/>
-                        <a:cs typeface="Roboto"/>
-                        <a:sym typeface="Roboto"/>
-                      </a:endParaRPr>
-                    </a:p>
-                  </a:txBody>
-                  <a:tcPr marL="198000" marR="91425" marT="68575" marB="68575">
-                    <a:lnL w="9525" cap="flat" cmpd="sng">
-                      <a:solidFill>
-                        <a:srgbClr val="BFC1F0">
-                          <a:alpha val="0"/>
-                        </a:srgbClr>
-                      </a:solidFill>
-                      <a:prstDash val="solid"/>
-                      <a:round/>
-                      <a:headEnd type="none" w="sm" len="sm"/>
-                      <a:tailEnd type="none" w="sm" len="sm"/>
-                    </a:lnL>
-                    <a:lnR w="9525" cap="flat" cmpd="sng" algn="ctr">
-                      <a:solidFill>
-                        <a:schemeClr val="lt1">
-                          <a:alpha val="0"/>
-                        </a:schemeClr>
-                      </a:solidFill>
-                      <a:prstDash val="solid"/>
-                      <a:round/>
-                      <a:headEnd type="none" w="sm" len="sm"/>
-                      <a:tailEnd type="none" w="sm" len="sm"/>
-                    </a:lnR>
-                    <a:lnT w="9525" cap="flat" cmpd="sng">
-                      <a:solidFill>
-                        <a:srgbClr val="BFC1F0"/>
-                      </a:solidFill>
-                      <a:prstDash val="solid"/>
-                      <a:round/>
-                      <a:headEnd type="none" w="sm" len="sm"/>
-                      <a:tailEnd type="none" w="sm" len="sm"/>
-                    </a:lnT>
-                    <a:lnB w="9525" cap="flat" cmpd="sng">
-                      <a:solidFill>
-                        <a:srgbClr val="BFC1F0"/>
-                      </a:solidFill>
-                      <a:prstDash val="solid"/>
-                      <a:round/>
-                      <a:headEnd type="none" w="sm" len="sm"/>
-                      <a:tailEnd type="none" w="sm" len="sm"/>
-                    </a:lnB>
-                  </a:tcPr>
-                </a:tc>
-                <a:tc>
-                  <a:txBody>
-                    <a:bodyPr/>
-                    <a:lstStyle/>
-                    <a:p>
-                      <a:pPr marL="0" lvl="0" indent="0" algn="l" rtl="0">
-                        <a:lnSpc>
-                          <a:spcPct val="115000"/>
-                        </a:lnSpc>
-                        <a:spcBef>
-                          <a:spcPts val="0"/>
-                        </a:spcBef>
-                        <a:spcAft>
-                          <a:spcPts val="0"/>
-                        </a:spcAft>
-                        <a:buNone/>
-                      </a:pPr>
-                      <a:r>
-                        <a:rPr lang="ru-RU" sz="1300" dirty="0">
-                          <a:latin typeface="Roboto"/>
-                          <a:ea typeface="Roboto"/>
-                          <a:cs typeface="Roboto"/>
-                          <a:sym typeface="Roboto"/>
-                        </a:rPr>
-                        <a:t>Выполняем нагрузочные тесты, чтобы убедиться в соответствии контуру </a:t>
-                      </a:r>
-                      <a:r>
-                        <a:rPr lang="en-US" sz="1300" dirty="0">
-                          <a:latin typeface="Roboto"/>
-                          <a:ea typeface="Roboto"/>
-                          <a:cs typeface="Roboto"/>
-                          <a:sym typeface="Roboto"/>
-                        </a:rPr>
-                        <a:t>PROD </a:t>
-                      </a:r>
-                      <a:r>
-                        <a:rPr lang="ru-RU" sz="1300" dirty="0">
-                          <a:latin typeface="Roboto"/>
-                          <a:ea typeface="Roboto"/>
-                          <a:cs typeface="Roboto"/>
-                          <a:sym typeface="Roboto"/>
-                        </a:rPr>
-                        <a:t>по </a:t>
-                      </a:r>
-                      <a:r>
-                        <a:rPr lang="en-US" sz="1300" dirty="0">
-                          <a:latin typeface="Roboto"/>
-                          <a:ea typeface="Roboto"/>
-                          <a:cs typeface="Roboto"/>
-                          <a:sym typeface="Roboto"/>
-                        </a:rPr>
-                        <a:t>TPS</a:t>
-                      </a:r>
-                      <a:endParaRPr sz="1300" dirty="0">
-                        <a:latin typeface="Roboto"/>
-                        <a:ea typeface="Roboto"/>
-                        <a:cs typeface="Roboto"/>
-                        <a:sym typeface="Roboto"/>
-                      </a:endParaRPr>
-                    </a:p>
-                  </a:txBody>
-                  <a:tcPr marL="198000" marR="91425" marT="68575" marB="68575">
-                    <a:lnL w="9525" cap="flat" cmpd="sng" algn="ctr">
-                      <a:solidFill>
-                        <a:schemeClr val="lt1">
-                          <a:alpha val="0"/>
-                        </a:schemeClr>
-                      </a:solidFill>
-                      <a:prstDash val="solid"/>
-                      <a:round/>
-                      <a:headEnd type="none" w="sm" len="sm"/>
-                      <a:tailEnd type="none" w="sm" len="sm"/>
-                    </a:lnL>
-                    <a:lnR w="9525" cap="flat" cmpd="sng">
-                      <a:solidFill>
-                        <a:srgbClr val="BFC1F0">
-                          <a:alpha val="0"/>
-                        </a:srgbClr>
-                      </a:solidFill>
-                      <a:prstDash val="solid"/>
-                      <a:round/>
-                      <a:headEnd type="none" w="sm" len="sm"/>
-                      <a:tailEnd type="none" w="sm" len="sm"/>
-                    </a:lnR>
-                    <a:lnT w="9525" cap="flat" cmpd="sng">
-                      <a:solidFill>
-                        <a:srgbClr val="BFC1F0"/>
-                      </a:solidFill>
-                      <a:prstDash val="solid"/>
-                      <a:round/>
-                      <a:headEnd type="none" w="sm" len="sm"/>
-                      <a:tailEnd type="none" w="sm" len="sm"/>
-                    </a:lnT>
-                    <a:lnB w="9525" cap="flat" cmpd="sng">
-                      <a:solidFill>
-                        <a:srgbClr val="BFC1F0"/>
-                      </a:solidFill>
-                      <a:prstDash val="solid"/>
-                      <a:round/>
-                      <a:headEnd type="none" w="sm" len="sm"/>
-                      <a:tailEnd type="none" w="sm" len="sm"/>
-                    </a:lnB>
-                  </a:tcPr>
-                </a:tc>
-                <a:extLst>
-                  <a:ext uri="{0D108BD9-81ED-4DB2-BD59-A6C34878D82A}">
-                    <a16:rowId xmlns:a16="http://schemas.microsoft.com/office/drawing/2014/main" val="4056497466"/>
-                  </a:ext>
-                </a:extLst>
-              </a:tr>
-            </a:tbl>
-          </a:graphicData>
-        </a:graphic>
-      </p:graphicFrame>
-    </p:spTree>
-    <p:extLst>
-      <p:ext uri="{BB962C8B-B14F-4D97-AF65-F5344CB8AC3E}">
-        <p14:creationId xmlns:p14="http://schemas.microsoft.com/office/powerpoint/2010/main" val="2957981015"/>
-      </p:ext>
-    </p:extLst>
-  </p:cSld>
-  <p:clrMapOvr>
-    <a:masterClrMapping/>
-  </p:clrMapOvr>
-</p:sld>
-</file>
-
-<file path=ppt/slides/slide11.xml><?xml version="1.0" encoding="utf-8"?>
 <p:sld xmlns:a="http://schemas.openxmlformats.org/drawingml/2006/main" xmlns:r="http://schemas.openxmlformats.org/officeDocument/2006/relationships" xmlns:p="http://schemas.openxmlformats.org/presentationml/2006/main">
   <p:cSld>
     <p:spTree>
@@ -20448,8 +19454,8 @@
             <a:chExt cx="1156680" cy="555120"/>
           </a:xfrm>
         </p:grpSpPr>
-        <mc:AlternateContent xmlns:mc="http://schemas.openxmlformats.org/markup-compatibility/2006">
-          <mc:Choice xmlns:p14="http://schemas.microsoft.com/office/powerpoint/2010/main" Requires="p14">
+        <mc:AlternateContent xmlns:mc="http://schemas.openxmlformats.org/markup-compatibility/2006" xmlns:p14="http://schemas.microsoft.com/office/powerpoint/2010/main">
+          <mc:Choice Requires="p14">
             <p:contentPart p14:bwMode="auto" r:id="rId6">
               <p14:nvContentPartPr>
                 <p14:cNvPr id="2" name="Рукописный ввод 1">
@@ -20468,7 +19474,7 @@
               </p14:xfrm>
             </p:contentPart>
           </mc:Choice>
-          <mc:Fallback>
+          <mc:Fallback xmlns="">
             <p:pic>
               <p:nvPicPr>
                 <p:cNvPr id="2" name="Рукописный ввод 1">
@@ -20499,8 +19505,8 @@
             </p:pic>
           </mc:Fallback>
         </mc:AlternateContent>
-        <mc:AlternateContent xmlns:mc="http://schemas.openxmlformats.org/markup-compatibility/2006">
-          <mc:Choice xmlns:p14="http://schemas.microsoft.com/office/powerpoint/2010/main" Requires="p14">
+        <mc:AlternateContent xmlns:mc="http://schemas.openxmlformats.org/markup-compatibility/2006" xmlns:p14="http://schemas.microsoft.com/office/powerpoint/2010/main">
+          <mc:Choice Requires="p14">
             <p:contentPart p14:bwMode="auto" r:id="rId8">
               <p14:nvContentPartPr>
                 <p14:cNvPr id="5" name="Рукописный ввод 4">
@@ -20519,7 +19525,7 @@
               </p14:xfrm>
             </p:contentPart>
           </mc:Choice>
-          <mc:Fallback>
+          <mc:Fallback xmlns="">
             <p:pic>
               <p:nvPicPr>
                 <p:cNvPr id="5" name="Рукописный ввод 4">
@@ -20571,8 +19577,8 @@
             <a:chExt cx="402840" cy="257760"/>
           </a:xfrm>
         </p:grpSpPr>
-        <mc:AlternateContent xmlns:mc="http://schemas.openxmlformats.org/markup-compatibility/2006">
-          <mc:Choice xmlns:p14="http://schemas.microsoft.com/office/powerpoint/2010/main" Requires="p14">
+        <mc:AlternateContent xmlns:mc="http://schemas.openxmlformats.org/markup-compatibility/2006" xmlns:p14="http://schemas.microsoft.com/office/powerpoint/2010/main">
+          <mc:Choice Requires="p14">
             <p:contentPart p14:bwMode="auto" r:id="rId10">
               <p14:nvContentPartPr>
                 <p14:cNvPr id="7" name="Рукописный ввод 6">
@@ -20591,7 +19597,7 @@
               </p14:xfrm>
             </p:contentPart>
           </mc:Choice>
-          <mc:Fallback>
+          <mc:Fallback xmlns="">
             <p:pic>
               <p:nvPicPr>
                 <p:cNvPr id="7" name="Рукописный ввод 6">
@@ -20622,8 +19628,8 @@
             </p:pic>
           </mc:Fallback>
         </mc:AlternateContent>
-        <mc:AlternateContent xmlns:mc="http://schemas.openxmlformats.org/markup-compatibility/2006">
-          <mc:Choice xmlns:p14="http://schemas.microsoft.com/office/powerpoint/2010/main" Requires="p14">
+        <mc:AlternateContent xmlns:mc="http://schemas.openxmlformats.org/markup-compatibility/2006" xmlns:p14="http://schemas.microsoft.com/office/powerpoint/2010/main">
+          <mc:Choice Requires="p14">
             <p:contentPart p14:bwMode="auto" r:id="rId12">
               <p14:nvContentPartPr>
                 <p14:cNvPr id="8" name="Рукописный ввод 7">
@@ -20642,7 +19648,7 @@
               </p14:xfrm>
             </p:contentPart>
           </mc:Choice>
-          <mc:Fallback>
+          <mc:Fallback xmlns="">
             <p:pic>
               <p:nvPicPr>
                 <p:cNvPr id="8" name="Рукописный ввод 7">
@@ -20687,7 +19693,7 @@
 </p:sld>
 </file>
 
-<file path=ppt/slides/slide12.xml><?xml version="1.0" encoding="utf-8"?>
+<file path=ppt/slides/slide11.xml><?xml version="1.0" encoding="utf-8"?>
 <p:sld xmlns:a="http://schemas.openxmlformats.org/drawingml/2006/main" xmlns:r="http://schemas.openxmlformats.org/officeDocument/2006/relationships" xmlns:p="http://schemas.openxmlformats.org/presentationml/2006/main">
   <p:cSld>
     <p:spTree>
@@ -21103,8 +20109,8 @@
             <a:chExt cx="1953720" cy="631440"/>
           </a:xfrm>
         </p:grpSpPr>
-        <mc:AlternateContent xmlns:mc="http://schemas.openxmlformats.org/markup-compatibility/2006">
-          <mc:Choice xmlns:p14="http://schemas.microsoft.com/office/powerpoint/2010/main" Requires="p14">
+        <mc:AlternateContent xmlns:mc="http://schemas.openxmlformats.org/markup-compatibility/2006" xmlns:p14="http://schemas.microsoft.com/office/powerpoint/2010/main">
+          <mc:Choice Requires="p14">
             <p:contentPart p14:bwMode="auto" r:id="rId10">
               <p14:nvContentPartPr>
                 <p14:cNvPr id="2" name="Рукописный ввод 1">
@@ -21123,7 +20129,7 @@
               </p14:xfrm>
             </p:contentPart>
           </mc:Choice>
-          <mc:Fallback>
+          <mc:Fallback xmlns="">
             <p:pic>
               <p:nvPicPr>
                 <p:cNvPr id="2" name="Рукописный ввод 1">
@@ -21154,8 +20160,8 @@
             </p:pic>
           </mc:Fallback>
         </mc:AlternateContent>
-        <mc:AlternateContent xmlns:mc="http://schemas.openxmlformats.org/markup-compatibility/2006">
-          <mc:Choice xmlns:p14="http://schemas.microsoft.com/office/powerpoint/2010/main" Requires="p14">
+        <mc:AlternateContent xmlns:mc="http://schemas.openxmlformats.org/markup-compatibility/2006" xmlns:p14="http://schemas.microsoft.com/office/powerpoint/2010/main">
+          <mc:Choice Requires="p14">
             <p:contentPart p14:bwMode="auto" r:id="rId12">
               <p14:nvContentPartPr>
                 <p14:cNvPr id="4" name="Рукописный ввод 3">
@@ -21174,7 +20180,7 @@
               </p14:xfrm>
             </p:contentPart>
           </mc:Choice>
-          <mc:Fallback>
+          <mc:Fallback xmlns="">
             <p:pic>
               <p:nvPicPr>
                 <p:cNvPr id="4" name="Рукописный ввод 3">
@@ -21205,8 +20211,8 @@
             </p:pic>
           </mc:Fallback>
         </mc:AlternateContent>
-        <mc:AlternateContent xmlns:mc="http://schemas.openxmlformats.org/markup-compatibility/2006">
-          <mc:Choice xmlns:p14="http://schemas.microsoft.com/office/powerpoint/2010/main" Requires="p14">
+        <mc:AlternateContent xmlns:mc="http://schemas.openxmlformats.org/markup-compatibility/2006" xmlns:p14="http://schemas.microsoft.com/office/powerpoint/2010/main">
+          <mc:Choice Requires="p14">
             <p:contentPart p14:bwMode="auto" r:id="rId14">
               <p14:nvContentPartPr>
                 <p14:cNvPr id="7" name="Рукописный ввод 6">
@@ -21225,7 +20231,7 @@
               </p14:xfrm>
             </p:contentPart>
           </mc:Choice>
-          <mc:Fallback>
+          <mc:Fallback xmlns="">
             <p:pic>
               <p:nvPicPr>
                 <p:cNvPr id="7" name="Рукописный ввод 6">
@@ -21256,8 +20262,8 @@
             </p:pic>
           </mc:Fallback>
         </mc:AlternateContent>
-        <mc:AlternateContent xmlns:mc="http://schemas.openxmlformats.org/markup-compatibility/2006">
-          <mc:Choice xmlns:p14="http://schemas.microsoft.com/office/powerpoint/2010/main" Requires="p14">
+        <mc:AlternateContent xmlns:mc="http://schemas.openxmlformats.org/markup-compatibility/2006" xmlns:p14="http://schemas.microsoft.com/office/powerpoint/2010/main">
+          <mc:Choice Requires="p14">
             <p:contentPart p14:bwMode="auto" r:id="rId16">
               <p14:nvContentPartPr>
                 <p14:cNvPr id="9" name="Рукописный ввод 8">
@@ -21276,7 +20282,7 @@
               </p14:xfrm>
             </p:contentPart>
           </mc:Choice>
-          <mc:Fallback>
+          <mc:Fallback xmlns="">
             <p:pic>
               <p:nvPicPr>
                 <p:cNvPr id="9" name="Рукописный ввод 8">
@@ -21321,7 +20327,7 @@
 </p:sld>
 </file>
 
-<file path=ppt/slides/slide13.xml><?xml version="1.0" encoding="utf-8"?>
+<file path=ppt/slides/slide12.xml><?xml version="1.0" encoding="utf-8"?>
 <p:sld xmlns:a="http://schemas.openxmlformats.org/drawingml/2006/main" xmlns:r="http://schemas.openxmlformats.org/officeDocument/2006/relationships" xmlns:p="http://schemas.openxmlformats.org/presentationml/2006/main">
   <p:cSld>
     <p:spTree>
@@ -21645,7 +20651,7 @@
 </p:sld>
 </file>
 
-<file path=ppt/slides/slide14.xml><?xml version="1.0" encoding="utf-8"?>
+<file path=ppt/slides/slide13.xml><?xml version="1.0" encoding="utf-8"?>
 <p:sld xmlns:a="http://schemas.openxmlformats.org/drawingml/2006/main" xmlns:r="http://schemas.openxmlformats.org/officeDocument/2006/relationships" xmlns:p="http://schemas.openxmlformats.org/presentationml/2006/main">
   <p:cSld>
     <p:spTree>
@@ -21914,7 +20920,7 @@
 </p:sld>
 </file>
 
-<file path=ppt/slides/slide15.xml><?xml version="1.0" encoding="utf-8"?>
+<file path=ppt/slides/slide14.xml><?xml version="1.0" encoding="utf-8"?>
 <p:sld xmlns:a="http://schemas.openxmlformats.org/drawingml/2006/main" xmlns:r="http://schemas.openxmlformats.org/officeDocument/2006/relationships" xmlns:p="http://schemas.openxmlformats.org/presentationml/2006/main">
   <p:cSld>
     <p:spTree>
@@ -22014,7 +21020,7 @@
           <p:nvPr>
             <p:extLst>
               <p:ext uri="{D42A27DB-BD31-4B8C-83A1-F6EECF244321}">
-                <p14:modId xmlns:p14="http://schemas.microsoft.com/office/powerpoint/2010/main" val="2107384946"/>
+                <p14:modId xmlns:p14="http://schemas.microsoft.com/office/powerpoint/2010/main" val="4200800041"/>
               </p:ext>
             </p:extLst>
           </p:nvPr>
@@ -22086,47 +21092,41 @@
                   </a:txBody>
                   <a:tcPr marL="198000" marR="91425" marT="68575" marB="68575">
                     <a:lnL w="9525" cap="flat" cmpd="sng">
-                      <a:solidFill>
-                        <a:srgbClr val="BFC1F0">
-                          <a:alpha val="0"/>
-                        </a:srgbClr>
-                      </a:solidFill>
+                      <a:noFill/>
                       <a:prstDash val="solid"/>
                       <a:round/>
                       <a:headEnd type="none" w="sm" len="sm"/>
                       <a:tailEnd type="none" w="sm" len="sm"/>
                     </a:lnL>
                     <a:lnR w="9525" cap="flat" cmpd="sng">
-                      <a:solidFill>
-                        <a:schemeClr val="lt1">
-                          <a:alpha val="0"/>
-                        </a:schemeClr>
-                      </a:solidFill>
+                      <a:noFill/>
                       <a:prstDash val="solid"/>
                       <a:round/>
                       <a:headEnd type="none" w="sm" len="sm"/>
                       <a:tailEnd type="none" w="sm" len="sm"/>
                     </a:lnR>
                     <a:lnT w="9525" cap="flat" cmpd="sng">
-                      <a:solidFill>
-                        <a:srgbClr val="BFC1F0">
-                          <a:alpha val="0"/>
-                        </a:srgbClr>
-                      </a:solidFill>
+                      <a:noFill/>
                       <a:prstDash val="solid"/>
                       <a:round/>
                       <a:headEnd type="none" w="sm" len="sm"/>
                       <a:tailEnd type="none" w="sm" len="sm"/>
                     </a:lnT>
                     <a:lnB w="9525" cap="flat" cmpd="sng">
-                      <a:solidFill>
-                        <a:srgbClr val="BFC1F0"/>
-                      </a:solidFill>
+                      <a:noFill/>
                       <a:prstDash val="solid"/>
                       <a:round/>
                       <a:headEnd type="none" w="sm" len="sm"/>
                       <a:tailEnd type="none" w="sm" len="sm"/>
                     </a:lnB>
+                    <a:lnTlToBr w="12700" cmpd="sng">
+                      <a:noFill/>
+                      <a:prstDash val="solid"/>
+                    </a:lnTlToBr>
+                    <a:lnBlToTr w="12700" cmpd="sng">
+                      <a:noFill/>
+                      <a:prstDash val="solid"/>
+                    </a:lnBlToTr>
                   </a:tcPr>
                 </a:tc>
                 <a:tc>
@@ -22168,47 +21168,41 @@
                   </a:txBody>
                   <a:tcPr marL="198000" marR="91425" marT="68575" marB="68575">
                     <a:lnL w="9525" cap="flat" cmpd="sng">
-                      <a:solidFill>
-                        <a:schemeClr val="lt1">
-                          <a:alpha val="0"/>
-                        </a:schemeClr>
-                      </a:solidFill>
+                      <a:noFill/>
                       <a:prstDash val="solid"/>
                       <a:round/>
                       <a:headEnd type="none" w="sm" len="sm"/>
                       <a:tailEnd type="none" w="sm" len="sm"/>
                     </a:lnL>
                     <a:lnR w="9525" cap="flat" cmpd="sng">
-                      <a:solidFill>
-                        <a:srgbClr val="BFC1F0">
-                          <a:alpha val="0"/>
-                        </a:srgbClr>
-                      </a:solidFill>
+                      <a:noFill/>
                       <a:prstDash val="solid"/>
                       <a:round/>
                       <a:headEnd type="none" w="sm" len="sm"/>
                       <a:tailEnd type="none" w="sm" len="sm"/>
                     </a:lnR>
                     <a:lnT w="9525" cap="flat" cmpd="sng">
-                      <a:solidFill>
-                        <a:srgbClr val="BFC1F0">
-                          <a:alpha val="0"/>
-                        </a:srgbClr>
-                      </a:solidFill>
+                      <a:noFill/>
                       <a:prstDash val="solid"/>
                       <a:round/>
                       <a:headEnd type="none" w="sm" len="sm"/>
                       <a:tailEnd type="none" w="sm" len="sm"/>
                     </a:lnT>
                     <a:lnB w="9525" cap="flat" cmpd="sng">
-                      <a:solidFill>
-                        <a:srgbClr val="BFC1F0"/>
-                      </a:solidFill>
+                      <a:noFill/>
                       <a:prstDash val="solid"/>
                       <a:round/>
                       <a:headEnd type="none" w="sm" len="sm"/>
                       <a:tailEnd type="none" w="sm" len="sm"/>
                     </a:lnB>
+                    <a:lnTlToBr w="12700" cmpd="sng">
+                      <a:noFill/>
+                      <a:prstDash val="solid"/>
+                    </a:lnTlToBr>
+                    <a:lnBlToTr w="12700" cmpd="sng">
+                      <a:noFill/>
+                      <a:prstDash val="solid"/>
+                    </a:lnBlToTr>
                   </a:tcPr>
                 </a:tc>
                 <a:extLst>
@@ -22257,45 +21251,41 @@
                   </a:txBody>
                   <a:tcPr marL="198000" marR="91425" marT="68575" marB="68575">
                     <a:lnL w="9525" cap="flat" cmpd="sng">
-                      <a:solidFill>
-                        <a:srgbClr val="BFC1F0">
-                          <a:alpha val="0"/>
-                        </a:srgbClr>
-                      </a:solidFill>
+                      <a:noFill/>
                       <a:prstDash val="solid"/>
                       <a:round/>
                       <a:headEnd type="none" w="sm" len="sm"/>
                       <a:tailEnd type="none" w="sm" len="sm"/>
                     </a:lnL>
                     <a:lnR w="9525" cap="flat" cmpd="sng">
-                      <a:solidFill>
-                        <a:schemeClr val="lt1">
-                          <a:alpha val="0"/>
-                        </a:schemeClr>
-                      </a:solidFill>
+                      <a:noFill/>
                       <a:prstDash val="solid"/>
                       <a:round/>
                       <a:headEnd type="none" w="sm" len="sm"/>
                       <a:tailEnd type="none" w="sm" len="sm"/>
                     </a:lnR>
                     <a:lnT w="9525" cap="flat" cmpd="sng">
-                      <a:solidFill>
-                        <a:srgbClr val="BFC1F0"/>
-                      </a:solidFill>
+                      <a:noFill/>
                       <a:prstDash val="solid"/>
                       <a:round/>
                       <a:headEnd type="none" w="sm" len="sm"/>
                       <a:tailEnd type="none" w="sm" len="sm"/>
                     </a:lnT>
                     <a:lnB w="9525" cap="flat" cmpd="sng">
-                      <a:solidFill>
-                        <a:srgbClr val="BFC1F0"/>
-                      </a:solidFill>
+                      <a:noFill/>
                       <a:prstDash val="solid"/>
                       <a:round/>
                       <a:headEnd type="none" w="sm" len="sm"/>
                       <a:tailEnd type="none" w="sm" len="sm"/>
                     </a:lnB>
+                    <a:lnTlToBr w="12700" cmpd="sng">
+                      <a:noFill/>
+                      <a:prstDash val="solid"/>
+                    </a:lnTlToBr>
+                    <a:lnBlToTr w="12700" cmpd="sng">
+                      <a:noFill/>
+                      <a:prstDash val="solid"/>
+                    </a:lnBlToTr>
                   </a:tcPr>
                 </a:tc>
                 <a:tc>
@@ -22449,45 +21439,41 @@
                   </a:txBody>
                   <a:tcPr marL="198000" marR="91425" marT="68575" marB="68575">
                     <a:lnL w="9525" cap="flat" cmpd="sng">
-                      <a:solidFill>
-                        <a:schemeClr val="lt1">
-                          <a:alpha val="0"/>
-                        </a:schemeClr>
-                      </a:solidFill>
+                      <a:noFill/>
                       <a:prstDash val="solid"/>
                       <a:round/>
                       <a:headEnd type="none" w="sm" len="sm"/>
                       <a:tailEnd type="none" w="sm" len="sm"/>
                     </a:lnL>
                     <a:lnR w="9525" cap="flat" cmpd="sng">
-                      <a:solidFill>
-                        <a:srgbClr val="BFC1F0">
-                          <a:alpha val="0"/>
-                        </a:srgbClr>
-                      </a:solidFill>
+                      <a:noFill/>
                       <a:prstDash val="solid"/>
                       <a:round/>
                       <a:headEnd type="none" w="sm" len="sm"/>
                       <a:tailEnd type="none" w="sm" len="sm"/>
                     </a:lnR>
                     <a:lnT w="9525" cap="flat" cmpd="sng">
-                      <a:solidFill>
-                        <a:srgbClr val="BFC1F0"/>
-                      </a:solidFill>
+                      <a:noFill/>
                       <a:prstDash val="solid"/>
                       <a:round/>
                       <a:headEnd type="none" w="sm" len="sm"/>
                       <a:tailEnd type="none" w="sm" len="sm"/>
                     </a:lnT>
                     <a:lnB w="9525" cap="flat" cmpd="sng">
-                      <a:solidFill>
-                        <a:srgbClr val="BFC1F0"/>
-                      </a:solidFill>
+                      <a:noFill/>
                       <a:prstDash val="solid"/>
                       <a:round/>
                       <a:headEnd type="none" w="sm" len="sm"/>
                       <a:tailEnd type="none" w="sm" len="sm"/>
                     </a:lnB>
+                    <a:lnTlToBr w="12700" cmpd="sng">
+                      <a:noFill/>
+                      <a:prstDash val="solid"/>
+                    </a:lnTlToBr>
+                    <a:lnBlToTr w="12700" cmpd="sng">
+                      <a:noFill/>
+                      <a:prstDash val="solid"/>
+                    </a:lnBlToTr>
                   </a:tcPr>
                 </a:tc>
                 <a:extLst>
@@ -22513,7 +21499,7 @@
 </p:sld>
 </file>
 
-<file path=ppt/slides/slide16.xml><?xml version="1.0" encoding="utf-8"?>
+<file path=ppt/slides/slide15.xml><?xml version="1.0" encoding="utf-8"?>
 <p:sld xmlns:a="http://schemas.openxmlformats.org/drawingml/2006/main" xmlns:r="http://schemas.openxmlformats.org/officeDocument/2006/relationships" xmlns:p="http://schemas.openxmlformats.org/presentationml/2006/main">
   <p:cSld>
     <p:spTree>
@@ -22609,7 +21595,7 @@
           <p:nvPr>
             <p:extLst>
               <p:ext uri="{D42A27DB-BD31-4B8C-83A1-F6EECF244321}">
-                <p14:modId xmlns:p14="http://schemas.microsoft.com/office/powerpoint/2010/main" val="711481503"/>
+                <p14:modId xmlns:p14="http://schemas.microsoft.com/office/powerpoint/2010/main" val="3778063658"/>
               </p:ext>
             </p:extLst>
           </p:nvPr>
@@ -22681,47 +21667,41 @@
                   </a:txBody>
                   <a:tcPr marL="198000" marR="91425" marT="68575" marB="68575">
                     <a:lnL w="9525" cap="flat" cmpd="sng">
-                      <a:solidFill>
-                        <a:srgbClr val="BFC1F0">
-                          <a:alpha val="0"/>
-                        </a:srgbClr>
-                      </a:solidFill>
+                      <a:noFill/>
                       <a:prstDash val="solid"/>
                       <a:round/>
                       <a:headEnd type="none" w="sm" len="sm"/>
                       <a:tailEnd type="none" w="sm" len="sm"/>
                     </a:lnL>
                     <a:lnR w="9525" cap="flat" cmpd="sng">
-                      <a:solidFill>
-                        <a:schemeClr val="lt1">
-                          <a:alpha val="0"/>
-                        </a:schemeClr>
-                      </a:solidFill>
+                      <a:noFill/>
                       <a:prstDash val="solid"/>
                       <a:round/>
                       <a:headEnd type="none" w="sm" len="sm"/>
                       <a:tailEnd type="none" w="sm" len="sm"/>
                     </a:lnR>
                     <a:lnT w="9525" cap="flat" cmpd="sng">
-                      <a:solidFill>
-                        <a:srgbClr val="BFC1F0">
-                          <a:alpha val="0"/>
-                        </a:srgbClr>
-                      </a:solidFill>
+                      <a:noFill/>
                       <a:prstDash val="solid"/>
                       <a:round/>
                       <a:headEnd type="none" w="sm" len="sm"/>
                       <a:tailEnd type="none" w="sm" len="sm"/>
                     </a:lnT>
                     <a:lnB w="9525" cap="flat" cmpd="sng">
-                      <a:solidFill>
-                        <a:srgbClr val="BFC1F0"/>
-                      </a:solidFill>
+                      <a:noFill/>
                       <a:prstDash val="solid"/>
                       <a:round/>
                       <a:headEnd type="none" w="sm" len="sm"/>
                       <a:tailEnd type="none" w="sm" len="sm"/>
                     </a:lnB>
+                    <a:lnTlToBr w="12700" cmpd="sng">
+                      <a:noFill/>
+                      <a:prstDash val="solid"/>
+                    </a:lnTlToBr>
+                    <a:lnBlToTr w="12700" cmpd="sng">
+                      <a:noFill/>
+                      <a:prstDash val="solid"/>
+                    </a:lnBlToTr>
                   </a:tcPr>
                 </a:tc>
                 <a:tc>
@@ -22805,47 +21785,41 @@
                   </a:txBody>
                   <a:tcPr marL="198000" marR="91425" marT="68575" marB="68575">
                     <a:lnL w="9525" cap="flat" cmpd="sng">
-                      <a:solidFill>
-                        <a:schemeClr val="lt1">
-                          <a:alpha val="0"/>
-                        </a:schemeClr>
-                      </a:solidFill>
+                      <a:noFill/>
                       <a:prstDash val="solid"/>
                       <a:round/>
                       <a:headEnd type="none" w="sm" len="sm"/>
                       <a:tailEnd type="none" w="sm" len="sm"/>
                     </a:lnL>
                     <a:lnR w="9525" cap="flat" cmpd="sng">
-                      <a:solidFill>
-                        <a:srgbClr val="BFC1F0">
-                          <a:alpha val="0"/>
-                        </a:srgbClr>
-                      </a:solidFill>
+                      <a:noFill/>
                       <a:prstDash val="solid"/>
                       <a:round/>
                       <a:headEnd type="none" w="sm" len="sm"/>
                       <a:tailEnd type="none" w="sm" len="sm"/>
                     </a:lnR>
                     <a:lnT w="9525" cap="flat" cmpd="sng">
-                      <a:solidFill>
-                        <a:srgbClr val="BFC1F0">
-                          <a:alpha val="0"/>
-                        </a:srgbClr>
-                      </a:solidFill>
+                      <a:noFill/>
                       <a:prstDash val="solid"/>
                       <a:round/>
                       <a:headEnd type="none" w="sm" len="sm"/>
                       <a:tailEnd type="none" w="sm" len="sm"/>
                     </a:lnT>
                     <a:lnB w="9525" cap="flat" cmpd="sng">
-                      <a:solidFill>
-                        <a:srgbClr val="BFC1F0"/>
-                      </a:solidFill>
+                      <a:noFill/>
                       <a:prstDash val="solid"/>
                       <a:round/>
                       <a:headEnd type="none" w="sm" len="sm"/>
                       <a:tailEnd type="none" w="sm" len="sm"/>
                     </a:lnB>
+                    <a:lnTlToBr w="12700" cmpd="sng">
+                      <a:noFill/>
+                      <a:prstDash val="solid"/>
+                    </a:lnTlToBr>
+                    <a:lnBlToTr w="12700" cmpd="sng">
+                      <a:noFill/>
+                      <a:prstDash val="solid"/>
+                    </a:lnBlToTr>
                   </a:tcPr>
                 </a:tc>
                 <a:extLst>
@@ -22894,45 +21868,41 @@
                   </a:txBody>
                   <a:tcPr marL="198000" marR="91425" marT="68575" marB="68575">
                     <a:lnL w="9525" cap="flat" cmpd="sng">
-                      <a:solidFill>
-                        <a:srgbClr val="BFC1F0">
-                          <a:alpha val="0"/>
-                        </a:srgbClr>
-                      </a:solidFill>
+                      <a:noFill/>
                       <a:prstDash val="solid"/>
                       <a:round/>
                       <a:headEnd type="none" w="sm" len="sm"/>
                       <a:tailEnd type="none" w="sm" len="sm"/>
                     </a:lnL>
                     <a:lnR w="9525" cap="flat" cmpd="sng">
-                      <a:solidFill>
-                        <a:schemeClr val="lt1">
-                          <a:alpha val="0"/>
-                        </a:schemeClr>
-                      </a:solidFill>
+                      <a:noFill/>
                       <a:prstDash val="solid"/>
                       <a:round/>
                       <a:headEnd type="none" w="sm" len="sm"/>
                       <a:tailEnd type="none" w="sm" len="sm"/>
                     </a:lnR>
                     <a:lnT w="9525" cap="flat" cmpd="sng">
-                      <a:solidFill>
-                        <a:srgbClr val="BFC1F0"/>
-                      </a:solidFill>
+                      <a:noFill/>
                       <a:prstDash val="solid"/>
                       <a:round/>
                       <a:headEnd type="none" w="sm" len="sm"/>
                       <a:tailEnd type="none" w="sm" len="sm"/>
                     </a:lnT>
                     <a:lnB w="9525" cap="flat" cmpd="sng">
-                      <a:solidFill>
-                        <a:srgbClr val="BFC1F0"/>
-                      </a:solidFill>
+                      <a:noFill/>
                       <a:prstDash val="solid"/>
                       <a:round/>
                       <a:headEnd type="none" w="sm" len="sm"/>
                       <a:tailEnd type="none" w="sm" len="sm"/>
                     </a:lnB>
+                    <a:lnTlToBr w="12700" cmpd="sng">
+                      <a:noFill/>
+                      <a:prstDash val="solid"/>
+                    </a:lnTlToBr>
+                    <a:lnBlToTr w="12700" cmpd="sng">
+                      <a:noFill/>
+                      <a:prstDash val="solid"/>
+                    </a:lnBlToTr>
                   </a:tcPr>
                 </a:tc>
                 <a:tc>
@@ -23014,45 +21984,41 @@
                   </a:txBody>
                   <a:tcPr marL="198000" marR="91425" marT="68575" marB="68575">
                     <a:lnL w="9525" cap="flat" cmpd="sng">
-                      <a:solidFill>
-                        <a:schemeClr val="lt1">
-                          <a:alpha val="0"/>
-                        </a:schemeClr>
-                      </a:solidFill>
+                      <a:noFill/>
                       <a:prstDash val="solid"/>
                       <a:round/>
                       <a:headEnd type="none" w="sm" len="sm"/>
                       <a:tailEnd type="none" w="sm" len="sm"/>
                     </a:lnL>
                     <a:lnR w="9525" cap="flat" cmpd="sng">
-                      <a:solidFill>
-                        <a:srgbClr val="BFC1F0">
-                          <a:alpha val="0"/>
-                        </a:srgbClr>
-                      </a:solidFill>
+                      <a:noFill/>
                       <a:prstDash val="solid"/>
                       <a:round/>
                       <a:headEnd type="none" w="sm" len="sm"/>
                       <a:tailEnd type="none" w="sm" len="sm"/>
                     </a:lnR>
                     <a:lnT w="9525" cap="flat" cmpd="sng">
-                      <a:solidFill>
-                        <a:srgbClr val="BFC1F0"/>
-                      </a:solidFill>
+                      <a:noFill/>
                       <a:prstDash val="solid"/>
                       <a:round/>
                       <a:headEnd type="none" w="sm" len="sm"/>
                       <a:tailEnd type="none" w="sm" len="sm"/>
                     </a:lnT>
                     <a:lnB w="9525" cap="flat" cmpd="sng">
-                      <a:solidFill>
-                        <a:srgbClr val="BFC1F0"/>
-                      </a:solidFill>
+                      <a:noFill/>
                       <a:prstDash val="solid"/>
                       <a:round/>
                       <a:headEnd type="none" w="sm" len="sm"/>
                       <a:tailEnd type="none" w="sm" len="sm"/>
                     </a:lnB>
+                    <a:lnTlToBr w="12700" cmpd="sng">
+                      <a:noFill/>
+                      <a:prstDash val="solid"/>
+                    </a:lnTlToBr>
+                    <a:lnBlToTr w="12700" cmpd="sng">
+                      <a:noFill/>
+                      <a:prstDash val="solid"/>
+                    </a:lnBlToTr>
                   </a:tcPr>
                 </a:tc>
                 <a:extLst>
@@ -23078,7 +22044,7 @@
 </p:sld>
 </file>
 
-<file path=ppt/slides/slide17.xml><?xml version="1.0" encoding="utf-8"?>
+<file path=ppt/slides/slide16.xml><?xml version="1.0" encoding="utf-8"?>
 <p:sld xmlns:a="http://schemas.openxmlformats.org/drawingml/2006/main" xmlns:r="http://schemas.openxmlformats.org/officeDocument/2006/relationships" xmlns:p="http://schemas.openxmlformats.org/presentationml/2006/main">
   <p:cSld>
     <p:spTree>
@@ -23313,7 +22279,7 @@
         <p:spPr>
           <a:xfrm>
             <a:off x="3036840" y="3060349"/>
-            <a:ext cx="2930119" cy="1167483"/>
+            <a:ext cx="3670985" cy="1267601"/>
           </a:xfrm>
           <a:prstGeom prst="rect">
             <a:avLst/>
@@ -23346,6 +22312,35 @@
                 </a:solidFill>
               </a:rPr>
               <a:t>Девякович Максим</a:t>
+            </a:r>
+            <a:endParaRPr lang="en-US" sz="1400" dirty="0">
+              <a:solidFill>
+                <a:schemeClr val="tx1"/>
+              </a:solidFill>
+            </a:endParaRPr>
+          </a:p>
+          <a:p>
+            <a:pPr marL="0" lvl="0" indent="0" algn="l" rtl="0">
+              <a:spcBef>
+                <a:spcPts val="0"/>
+              </a:spcBef>
+              <a:spcAft>
+                <a:spcPts val="0"/>
+              </a:spcAft>
+              <a:buClr>
+                <a:schemeClr val="dk1"/>
+              </a:buClr>
+              <a:buSzPts val="1100"/>
+              <a:buFont typeface="Arial"/>
+              <a:buNone/>
+            </a:pPr>
+            <a:r>
+              <a:rPr lang="ru-RU" sz="1400" dirty="0">
+                <a:solidFill>
+                  <a:schemeClr val="tx1"/>
+                </a:solidFill>
+              </a:rPr>
+              <a:t>«Цифровые технологии и платформы»</a:t>
             </a:r>
             <a:endParaRPr lang="en-US" sz="1400" dirty="0">
               <a:solidFill>
@@ -23474,618 +22469,6 @@
   <p:cSld>
     <p:spTree>
       <p:nvGrpSpPr>
-        <p:cNvPr id="1" name="Shape 90"/>
-        <p:cNvGrpSpPr/>
-        <p:nvPr/>
-      </p:nvGrpSpPr>
-      <p:grpSpPr>
-        <a:xfrm>
-          <a:off x="0" y="0"/>
-          <a:ext cx="0" cy="0"/>
-          <a:chOff x="0" y="0"/>
-          <a:chExt cx="0" cy="0"/>
-        </a:xfrm>
-      </p:grpSpPr>
-      <p:sp>
-        <p:nvSpPr>
-          <p:cNvPr id="91" name="Google Shape;91;p19"/>
-          <p:cNvSpPr txBox="1"/>
-          <p:nvPr/>
-        </p:nvSpPr>
-        <p:spPr>
-          <a:xfrm>
-            <a:off x="1312950" y="266169"/>
-            <a:ext cx="6518100" cy="574200"/>
-          </a:xfrm>
-          <a:prstGeom prst="rect">
-            <a:avLst/>
-          </a:prstGeom>
-          <a:noFill/>
-          <a:ln>
-            <a:noFill/>
-          </a:ln>
-        </p:spPr>
-        <p:txBody>
-          <a:bodyPr spcFirstLastPara="1" wrap="square" lIns="91425" tIns="91425" rIns="91425" bIns="91425" anchor="t" anchorCtr="0">
-            <a:noAutofit/>
-          </a:bodyPr>
-          <a:lstStyle/>
-          <a:p>
-            <a:pPr marL="0" lvl="0" indent="0" algn="l" rtl="0">
-              <a:spcBef>
-                <a:spcPts val="0"/>
-              </a:spcBef>
-              <a:spcAft>
-                <a:spcPts val="0"/>
-              </a:spcAft>
-              <a:buNone/>
-            </a:pPr>
-            <a:r>
-              <a:rPr lang="ru" sz="3000" b="1" dirty="0">
-                <a:solidFill>
-                  <a:srgbClr val="000000"/>
-                </a:solidFill>
-                <a:latin typeface="Roboto"/>
-                <a:ea typeface="Roboto"/>
-                <a:cs typeface="Roboto"/>
-                <a:sym typeface="Roboto"/>
-              </a:rPr>
-              <a:t>План презентации</a:t>
-            </a:r>
-            <a:endParaRPr sz="3000" b="1" dirty="0">
-              <a:solidFill>
-                <a:srgbClr val="000000"/>
-              </a:solidFill>
-              <a:latin typeface="Roboto"/>
-              <a:ea typeface="Roboto"/>
-              <a:cs typeface="Roboto"/>
-              <a:sym typeface="Roboto"/>
-            </a:endParaRPr>
-          </a:p>
-        </p:txBody>
-      </p:sp>
-      <p:sp>
-        <p:nvSpPr>
-          <p:cNvPr id="92" name="Google Shape;92;p19"/>
-          <p:cNvSpPr/>
-          <p:nvPr/>
-        </p:nvSpPr>
-        <p:spPr>
-          <a:xfrm>
-            <a:off x="1698693" y="1106348"/>
-            <a:ext cx="2873307" cy="383685"/>
-          </a:xfrm>
-          <a:prstGeom prst="roundRect">
-            <a:avLst>
-              <a:gd name="adj" fmla="val 16667"/>
-            </a:avLst>
-          </a:prstGeom>
-          <a:solidFill>
-            <a:schemeClr val="bg2">
-              <a:lumMod val="75000"/>
-            </a:schemeClr>
-          </a:solidFill>
-          <a:ln>
-            <a:noFill/>
-          </a:ln>
-        </p:spPr>
-        <p:txBody>
-          <a:bodyPr spcFirstLastPara="1" wrap="square" lIns="270000" tIns="91425" rIns="270000" bIns="91425" anchor="ctr" anchorCtr="0">
-            <a:noAutofit/>
-          </a:bodyPr>
-          <a:lstStyle/>
-          <a:p>
-            <a:pPr marL="0" lvl="0" indent="0" algn="l" rtl="0">
-              <a:spcBef>
-                <a:spcPts val="0"/>
-              </a:spcBef>
-              <a:spcAft>
-                <a:spcPts val="0"/>
-              </a:spcAft>
-              <a:buNone/>
-            </a:pPr>
-            <a:r>
-              <a:rPr lang="ru" dirty="0">
-                <a:solidFill>
-                  <a:srgbClr val="FFFFFF"/>
-                </a:solidFill>
-                <a:latin typeface="Roboto"/>
-                <a:ea typeface="Roboto"/>
-                <a:cs typeface="Roboto"/>
-                <a:sym typeface="Roboto"/>
-              </a:rPr>
-              <a:t>Цели проекта </a:t>
-            </a:r>
-            <a:endParaRPr dirty="0">
-              <a:solidFill>
-                <a:srgbClr val="FFFFFF"/>
-              </a:solidFill>
-              <a:latin typeface="Roboto"/>
-              <a:ea typeface="Roboto"/>
-              <a:cs typeface="Roboto"/>
-              <a:sym typeface="Roboto"/>
-            </a:endParaRPr>
-          </a:p>
-        </p:txBody>
-      </p:sp>
-      <p:sp>
-        <p:nvSpPr>
-          <p:cNvPr id="93" name="Google Shape;93;p19"/>
-          <p:cNvSpPr/>
-          <p:nvPr/>
-        </p:nvSpPr>
-        <p:spPr>
-          <a:xfrm>
-            <a:off x="1698694" y="1736261"/>
-            <a:ext cx="2873308" cy="383685"/>
-          </a:xfrm>
-          <a:prstGeom prst="roundRect">
-            <a:avLst>
-              <a:gd name="adj" fmla="val 16667"/>
-            </a:avLst>
-          </a:prstGeom>
-          <a:solidFill>
-            <a:schemeClr val="bg2">
-              <a:lumMod val="75000"/>
-            </a:schemeClr>
-          </a:solidFill>
-          <a:ln>
-            <a:noFill/>
-          </a:ln>
-        </p:spPr>
-        <p:txBody>
-          <a:bodyPr spcFirstLastPara="1" wrap="square" lIns="270000" tIns="91425" rIns="270000" bIns="91425" anchor="ctr" anchorCtr="0">
-            <a:noAutofit/>
-          </a:bodyPr>
-          <a:lstStyle/>
-          <a:p>
-            <a:pPr marL="0" lvl="0" indent="0" algn="l" rtl="0">
-              <a:spcBef>
-                <a:spcPts val="0"/>
-              </a:spcBef>
-              <a:spcAft>
-                <a:spcPts val="0"/>
-              </a:spcAft>
-              <a:buClr>
-                <a:srgbClr val="000000"/>
-              </a:buClr>
-              <a:buSzPts val="1100"/>
-              <a:buFont typeface="Arial"/>
-              <a:buNone/>
-            </a:pPr>
-            <a:r>
-              <a:rPr lang="ru" dirty="0">
-                <a:solidFill>
-                  <a:srgbClr val="FFFFFF"/>
-                </a:solidFill>
-                <a:latin typeface="Roboto"/>
-                <a:ea typeface="Roboto"/>
-                <a:cs typeface="Roboto"/>
-                <a:sym typeface="Roboto"/>
-              </a:rPr>
-              <a:t>Что планировалось</a:t>
-            </a:r>
-            <a:endParaRPr dirty="0">
-              <a:solidFill>
-                <a:srgbClr val="FFFFFF"/>
-              </a:solidFill>
-              <a:latin typeface="Roboto"/>
-              <a:ea typeface="Roboto"/>
-              <a:cs typeface="Roboto"/>
-              <a:sym typeface="Roboto"/>
-            </a:endParaRPr>
-          </a:p>
-        </p:txBody>
-      </p:sp>
-      <p:sp>
-        <p:nvSpPr>
-          <p:cNvPr id="95" name="Google Shape;95;p19"/>
-          <p:cNvSpPr/>
-          <p:nvPr/>
-        </p:nvSpPr>
-        <p:spPr>
-          <a:xfrm>
-            <a:off x="1698693" y="3016714"/>
-            <a:ext cx="2873305" cy="383700"/>
-          </a:xfrm>
-          <a:prstGeom prst="roundRect">
-            <a:avLst>
-              <a:gd name="adj" fmla="val 16667"/>
-            </a:avLst>
-          </a:prstGeom>
-          <a:solidFill>
-            <a:schemeClr val="bg2">
-              <a:lumMod val="75000"/>
-            </a:schemeClr>
-          </a:solidFill>
-          <a:ln>
-            <a:noFill/>
-          </a:ln>
-        </p:spPr>
-        <p:txBody>
-          <a:bodyPr spcFirstLastPara="1" wrap="square" lIns="270000" tIns="91425" rIns="270000" bIns="91425" anchor="ctr" anchorCtr="0">
-            <a:noAutofit/>
-          </a:bodyPr>
-          <a:lstStyle/>
-          <a:p>
-            <a:pPr marL="0" lvl="0" indent="0" algn="l" rtl="0">
-              <a:spcBef>
-                <a:spcPts val="0"/>
-              </a:spcBef>
-              <a:spcAft>
-                <a:spcPts val="0"/>
-              </a:spcAft>
-              <a:buNone/>
-            </a:pPr>
-            <a:r>
-              <a:rPr lang="ru" dirty="0">
-                <a:solidFill>
-                  <a:srgbClr val="FFFFFF"/>
-                </a:solidFill>
-                <a:latin typeface="Roboto"/>
-                <a:ea typeface="Roboto"/>
-                <a:cs typeface="Roboto"/>
-                <a:sym typeface="Roboto"/>
-              </a:rPr>
-              <a:t>Что получилось</a:t>
-            </a:r>
-            <a:endParaRPr dirty="0">
-              <a:solidFill>
-                <a:srgbClr val="FFFFFF"/>
-              </a:solidFill>
-              <a:latin typeface="Roboto"/>
-              <a:ea typeface="Roboto"/>
-              <a:cs typeface="Roboto"/>
-              <a:sym typeface="Roboto"/>
-            </a:endParaRPr>
-          </a:p>
-        </p:txBody>
-      </p:sp>
-      <p:sp>
-        <p:nvSpPr>
-          <p:cNvPr id="96" name="Google Shape;96;p19"/>
-          <p:cNvSpPr/>
-          <p:nvPr/>
-        </p:nvSpPr>
-        <p:spPr>
-          <a:xfrm>
-            <a:off x="1698694" y="3614959"/>
-            <a:ext cx="2873304" cy="383700"/>
-          </a:xfrm>
-          <a:prstGeom prst="roundRect">
-            <a:avLst>
-              <a:gd name="adj" fmla="val 16667"/>
-            </a:avLst>
-          </a:prstGeom>
-          <a:solidFill>
-            <a:schemeClr val="bg2">
-              <a:lumMod val="75000"/>
-            </a:schemeClr>
-          </a:solidFill>
-          <a:ln>
-            <a:noFill/>
-          </a:ln>
-        </p:spPr>
-        <p:txBody>
-          <a:bodyPr spcFirstLastPara="1" wrap="square" lIns="270000" tIns="91425" rIns="270000" bIns="91425" anchor="ctr" anchorCtr="0">
-            <a:noAutofit/>
-          </a:bodyPr>
-          <a:lstStyle/>
-          <a:p>
-            <a:r>
-              <a:rPr lang="ru-RU" dirty="0">
-                <a:solidFill>
-                  <a:srgbClr val="FFFFFF"/>
-                </a:solidFill>
-                <a:latin typeface="Roboto"/>
-                <a:ea typeface="Roboto"/>
-                <a:cs typeface="Roboto"/>
-                <a:sym typeface="Roboto"/>
-              </a:rPr>
-              <a:t>Что осталось</a:t>
-            </a:r>
-          </a:p>
-        </p:txBody>
-      </p:sp>
-      <p:sp>
-        <p:nvSpPr>
-          <p:cNvPr id="97" name="Google Shape;97;p19"/>
-          <p:cNvSpPr/>
-          <p:nvPr/>
-        </p:nvSpPr>
-        <p:spPr>
-          <a:xfrm>
-            <a:off x="1698694" y="4213205"/>
-            <a:ext cx="2873304" cy="383700"/>
-          </a:xfrm>
-          <a:prstGeom prst="roundRect">
-            <a:avLst>
-              <a:gd name="adj" fmla="val 16667"/>
-            </a:avLst>
-          </a:prstGeom>
-          <a:solidFill>
-            <a:schemeClr val="bg2">
-              <a:lumMod val="75000"/>
-            </a:schemeClr>
-          </a:solidFill>
-          <a:ln>
-            <a:noFill/>
-          </a:ln>
-        </p:spPr>
-        <p:txBody>
-          <a:bodyPr spcFirstLastPara="1" wrap="square" lIns="270000" tIns="91425" rIns="270000" bIns="91425" anchor="ctr" anchorCtr="0">
-            <a:noAutofit/>
-          </a:bodyPr>
-          <a:lstStyle/>
-          <a:p>
-            <a:pPr marL="0" lvl="0" indent="0" algn="l" rtl="0">
-              <a:spcBef>
-                <a:spcPts val="0"/>
-              </a:spcBef>
-              <a:spcAft>
-                <a:spcPts val="0"/>
-              </a:spcAft>
-              <a:buNone/>
-            </a:pPr>
-            <a:r>
-              <a:rPr lang="ru">
-                <a:solidFill>
-                  <a:srgbClr val="FFFFFF"/>
-                </a:solidFill>
-                <a:latin typeface="Roboto"/>
-                <a:ea typeface="Roboto"/>
-                <a:cs typeface="Roboto"/>
-                <a:sym typeface="Roboto"/>
-              </a:rPr>
-              <a:t>Выводы</a:t>
-            </a:r>
-            <a:endParaRPr>
-              <a:solidFill>
-                <a:srgbClr val="FFFFFF"/>
-              </a:solidFill>
-              <a:latin typeface="Roboto"/>
-              <a:ea typeface="Roboto"/>
-              <a:cs typeface="Roboto"/>
-              <a:sym typeface="Roboto"/>
-            </a:endParaRPr>
-          </a:p>
-        </p:txBody>
-      </p:sp>
-      <p:cxnSp>
-        <p:nvCxnSpPr>
-          <p:cNvPr id="98" name="Google Shape;98;p19"/>
-          <p:cNvCxnSpPr>
-            <a:cxnSpLocks/>
-            <a:stCxn id="92" idx="1"/>
-            <a:endCxn id="93" idx="1"/>
-          </p:cNvCxnSpPr>
-          <p:nvPr/>
-        </p:nvCxnSpPr>
-        <p:spPr>
-          <a:xfrm rot="10800000" flipH="1" flipV="1">
-            <a:off x="1698692" y="1298190"/>
-            <a:ext cx="1" cy="629913"/>
-          </a:xfrm>
-          <a:prstGeom prst="curvedConnector3">
-            <a:avLst>
-              <a:gd name="adj1" fmla="val -22860000000"/>
-            </a:avLst>
-          </a:prstGeom>
-          <a:noFill/>
-          <a:ln w="19050" cap="flat" cmpd="sng">
-            <a:solidFill>
-              <a:srgbClr val="013D85"/>
-            </a:solidFill>
-            <a:prstDash val="dash"/>
-            <a:round/>
-            <a:headEnd type="none" w="med" len="med"/>
-            <a:tailEnd type="none" w="med" len="med"/>
-          </a:ln>
-        </p:spPr>
-      </p:cxnSp>
-      <p:cxnSp>
-        <p:nvCxnSpPr>
-          <p:cNvPr id="99" name="Google Shape;99;p19"/>
-          <p:cNvCxnSpPr>
-            <a:cxnSpLocks/>
-            <a:stCxn id="93" idx="1"/>
-          </p:cNvCxnSpPr>
-          <p:nvPr/>
-        </p:nvCxnSpPr>
-        <p:spPr>
-          <a:xfrm rot="10800000" flipV="1">
-            <a:off x="1698694" y="1928103"/>
-            <a:ext cx="12700" cy="630467"/>
-          </a:xfrm>
-          <a:prstGeom prst="curvedConnector3">
-            <a:avLst>
-              <a:gd name="adj1" fmla="val 1800000"/>
-            </a:avLst>
-          </a:prstGeom>
-          <a:noFill/>
-          <a:ln w="19050" cap="flat" cmpd="sng">
-            <a:solidFill>
-              <a:srgbClr val="013D85"/>
-            </a:solidFill>
-            <a:prstDash val="dash"/>
-            <a:round/>
-            <a:headEnd type="none" w="med" len="med"/>
-            <a:tailEnd type="none" w="med" len="med"/>
-          </a:ln>
-        </p:spPr>
-      </p:cxnSp>
-      <p:cxnSp>
-        <p:nvCxnSpPr>
-          <p:cNvPr id="100" name="Google Shape;100;p19"/>
-          <p:cNvCxnSpPr>
-            <a:cxnSpLocks/>
-            <a:endCxn id="95" idx="1"/>
-          </p:cNvCxnSpPr>
-          <p:nvPr/>
-        </p:nvCxnSpPr>
-        <p:spPr>
-          <a:xfrm rot="10800000" flipV="1">
-            <a:off x="1698694" y="2558570"/>
-            <a:ext cx="1" cy="649993"/>
-          </a:xfrm>
-          <a:prstGeom prst="curvedConnector3">
-            <a:avLst>
-              <a:gd name="adj1" fmla="val 22860100000"/>
-            </a:avLst>
-          </a:prstGeom>
-          <a:noFill/>
-          <a:ln w="19050" cap="flat" cmpd="sng">
-            <a:solidFill>
-              <a:srgbClr val="013D85"/>
-            </a:solidFill>
-            <a:prstDash val="dash"/>
-            <a:round/>
-            <a:headEnd type="none" w="med" len="med"/>
-            <a:tailEnd type="none" w="med" len="med"/>
-          </a:ln>
-        </p:spPr>
-      </p:cxnSp>
-      <p:cxnSp>
-        <p:nvCxnSpPr>
-          <p:cNvPr id="101" name="Google Shape;101;p19"/>
-          <p:cNvCxnSpPr>
-            <a:cxnSpLocks/>
-          </p:cNvCxnSpPr>
-          <p:nvPr/>
-        </p:nvCxnSpPr>
-        <p:spPr>
-          <a:xfrm>
-            <a:off x="1698694" y="3239502"/>
-            <a:ext cx="600" cy="640200"/>
-          </a:xfrm>
-          <a:prstGeom prst="curvedConnector3">
-            <a:avLst>
-              <a:gd name="adj1" fmla="val -39687500"/>
-            </a:avLst>
-          </a:prstGeom>
-          <a:noFill/>
-          <a:ln w="19050" cap="flat" cmpd="sng">
-            <a:solidFill>
-              <a:srgbClr val="013D85"/>
-            </a:solidFill>
-            <a:prstDash val="dash"/>
-            <a:round/>
-            <a:headEnd type="none" w="med" len="med"/>
-            <a:tailEnd type="none" w="med" len="med"/>
-          </a:ln>
-        </p:spPr>
-      </p:cxnSp>
-      <p:cxnSp>
-        <p:nvCxnSpPr>
-          <p:cNvPr id="102" name="Google Shape;102;p19"/>
-          <p:cNvCxnSpPr/>
-          <p:nvPr/>
-        </p:nvCxnSpPr>
-        <p:spPr>
-          <a:xfrm>
-            <a:off x="1698694" y="3910670"/>
-            <a:ext cx="600" cy="640200"/>
-          </a:xfrm>
-          <a:prstGeom prst="curvedConnector3">
-            <a:avLst>
-              <a:gd name="adj1" fmla="val -39687500"/>
-            </a:avLst>
-          </a:prstGeom>
-          <a:noFill/>
-          <a:ln w="19050" cap="flat" cmpd="sng">
-            <a:solidFill>
-              <a:srgbClr val="013D85"/>
-            </a:solidFill>
-            <a:prstDash val="dash"/>
-            <a:round/>
-            <a:headEnd type="none" w="med" len="med"/>
-            <a:tailEnd type="none" w="med" len="med"/>
-          </a:ln>
-        </p:spPr>
-      </p:cxnSp>
-      <p:sp>
-        <p:nvSpPr>
-          <p:cNvPr id="2" name="Google Shape;95;p19">
-            <a:extLst>
-              <a:ext uri="{FF2B5EF4-FFF2-40B4-BE49-F238E27FC236}">
-                <a16:creationId xmlns:a16="http://schemas.microsoft.com/office/drawing/2014/main" id="{124A0E8B-45C1-ED2F-8863-14466F75D2C8}"/>
-              </a:ext>
-            </a:extLst>
-          </p:cNvPr>
-          <p:cNvSpPr/>
-          <p:nvPr/>
-        </p:nvSpPr>
-        <p:spPr>
-          <a:xfrm>
-            <a:off x="1685995" y="2345576"/>
-            <a:ext cx="2873305" cy="383700"/>
-          </a:xfrm>
-          <a:prstGeom prst="roundRect">
-            <a:avLst>
-              <a:gd name="adj" fmla="val 16667"/>
-            </a:avLst>
-          </a:prstGeom>
-          <a:solidFill>
-            <a:schemeClr val="bg2">
-              <a:lumMod val="75000"/>
-            </a:schemeClr>
-          </a:solidFill>
-          <a:ln>
-            <a:noFill/>
-          </a:ln>
-        </p:spPr>
-        <p:txBody>
-          <a:bodyPr spcFirstLastPara="1" wrap="square" lIns="270000" tIns="91425" rIns="270000" bIns="91425" anchor="ctr" anchorCtr="0">
-            <a:noAutofit/>
-          </a:bodyPr>
-          <a:lstStyle/>
-          <a:p>
-            <a:pPr marL="0" lvl="0" indent="0" algn="l" rtl="0">
-              <a:spcBef>
-                <a:spcPts val="0"/>
-              </a:spcBef>
-              <a:spcAft>
-                <a:spcPts val="0"/>
-              </a:spcAft>
-              <a:buNone/>
-            </a:pPr>
-            <a:r>
-              <a:rPr lang="ru" dirty="0">
-                <a:solidFill>
-                  <a:srgbClr val="FFFFFF"/>
-                </a:solidFill>
-                <a:latin typeface="Roboto"/>
-                <a:ea typeface="Roboto"/>
-                <a:cs typeface="Roboto"/>
-                <a:sym typeface="Roboto"/>
-              </a:rPr>
-              <a:t>Архитектура</a:t>
-            </a:r>
-            <a:endParaRPr dirty="0">
-              <a:solidFill>
-                <a:srgbClr val="FFFFFF"/>
-              </a:solidFill>
-              <a:latin typeface="Roboto"/>
-              <a:ea typeface="Roboto"/>
-              <a:cs typeface="Roboto"/>
-              <a:sym typeface="Roboto"/>
-            </a:endParaRPr>
-          </a:p>
-        </p:txBody>
-      </p:sp>
-    </p:spTree>
-  </p:cSld>
-  <p:clrMapOvr>
-    <a:masterClrMapping/>
-  </p:clrMapOvr>
-</p:sld>
-</file>
-
-<file path=ppt/slides/slide4.xml><?xml version="1.0" encoding="utf-8"?>
-<p:sld xmlns:a="http://schemas.openxmlformats.org/drawingml/2006/main" xmlns:r="http://schemas.openxmlformats.org/officeDocument/2006/relationships" xmlns:p="http://schemas.openxmlformats.org/presentationml/2006/main">
-  <p:cSld>
-    <p:spTree>
-      <p:nvGrpSpPr>
         <p:cNvPr id="1" name="Shape 106"/>
         <p:cNvGrpSpPr/>
         <p:nvPr/>
@@ -24163,7 +22546,7 @@
           <p:nvPr>
             <p:extLst>
               <p:ext uri="{D42A27DB-BD31-4B8C-83A1-F6EECF244321}">
-                <p14:modId xmlns:p14="http://schemas.microsoft.com/office/powerpoint/2010/main" val="249783093"/>
+                <p14:modId xmlns:p14="http://schemas.microsoft.com/office/powerpoint/2010/main" val="1669438901"/>
               </p:ext>
             </p:extLst>
           </p:nvPr>
@@ -24211,7 +22594,7 @@
                         <a:buNone/>
                       </a:pPr>
                       <a:r>
-                        <a:rPr lang="ru" b="1">
+                        <a:rPr lang="ru" b="1" dirty="0">
                           <a:solidFill>
                             <a:srgbClr val="013D85"/>
                           </a:solidFill>
@@ -24222,7 +22605,7 @@
                         </a:rPr>
                         <a:t>1.</a:t>
                       </a:r>
-                      <a:endParaRPr b="1">
+                      <a:endParaRPr b="1" dirty="0">
                         <a:solidFill>
                           <a:srgbClr val="013D85"/>
                         </a:solidFill>
@@ -24235,45 +22618,41 @@
                   </a:txBody>
                   <a:tcPr marL="198000" marR="91425" marT="91425" marB="91425">
                     <a:lnL w="9525" cap="flat" cmpd="sng">
-                      <a:solidFill>
-                        <a:srgbClr val="BFC1F0">
-                          <a:alpha val="0"/>
-                        </a:srgbClr>
-                      </a:solidFill>
+                      <a:noFill/>
                       <a:prstDash val="solid"/>
                       <a:round/>
                       <a:headEnd type="none" w="sm" len="sm"/>
                       <a:tailEnd type="none" w="sm" len="sm"/>
                     </a:lnL>
                     <a:lnR w="9525" cap="flat" cmpd="sng">
-                      <a:solidFill>
-                        <a:srgbClr val="FFFFFF"/>
-                      </a:solidFill>
+                      <a:noFill/>
                       <a:prstDash val="solid"/>
                       <a:round/>
                       <a:headEnd type="none" w="sm" len="sm"/>
                       <a:tailEnd type="none" w="sm" len="sm"/>
                     </a:lnR>
                     <a:lnT w="9525" cap="flat" cmpd="sng">
-                      <a:solidFill>
-                        <a:srgbClr val="BFC1F0">
-                          <a:alpha val="0"/>
-                        </a:srgbClr>
-                      </a:solidFill>
+                      <a:noFill/>
                       <a:prstDash val="solid"/>
                       <a:round/>
                       <a:headEnd type="none" w="sm" len="sm"/>
                       <a:tailEnd type="none" w="sm" len="sm"/>
                     </a:lnT>
                     <a:lnB w="9525" cap="flat" cmpd="sng">
-                      <a:solidFill>
-                        <a:srgbClr val="BFC1F0"/>
-                      </a:solidFill>
+                      <a:noFill/>
                       <a:prstDash val="solid"/>
                       <a:round/>
                       <a:headEnd type="none" w="sm" len="sm"/>
                       <a:tailEnd type="none" w="sm" len="sm"/>
                     </a:lnB>
+                    <a:lnTlToBr w="12700" cmpd="sng">
+                      <a:noFill/>
+                      <a:prstDash val="solid"/>
+                    </a:lnTlToBr>
+                    <a:lnBlToTr w="12700" cmpd="sng">
+                      <a:noFill/>
+                      <a:prstDash val="solid"/>
+                    </a:lnBlToTr>
                   </a:tcPr>
                 </a:tc>
                 <a:tc>
@@ -24321,45 +22700,41 @@
                   </a:txBody>
                   <a:tcPr marL="198000" marR="91425" marT="91425" marB="91425">
                     <a:lnL w="9525" cap="flat" cmpd="sng">
-                      <a:solidFill>
-                        <a:srgbClr val="FFFFFF"/>
-                      </a:solidFill>
+                      <a:noFill/>
                       <a:prstDash val="solid"/>
                       <a:round/>
                       <a:headEnd type="none" w="sm" len="sm"/>
                       <a:tailEnd type="none" w="sm" len="sm"/>
                     </a:lnL>
                     <a:lnR w="9525" cap="flat" cmpd="sng">
-                      <a:solidFill>
-                        <a:srgbClr val="BFC1F0">
-                          <a:alpha val="0"/>
-                        </a:srgbClr>
-                      </a:solidFill>
+                      <a:noFill/>
                       <a:prstDash val="solid"/>
                       <a:round/>
                       <a:headEnd type="none" w="sm" len="sm"/>
                       <a:tailEnd type="none" w="sm" len="sm"/>
                     </a:lnR>
                     <a:lnT w="9525" cap="flat" cmpd="sng">
-                      <a:solidFill>
-                        <a:srgbClr val="BFC1F0">
-                          <a:alpha val="0"/>
-                        </a:srgbClr>
-                      </a:solidFill>
+                      <a:noFill/>
                       <a:prstDash val="solid"/>
                       <a:round/>
                       <a:headEnd type="none" w="sm" len="sm"/>
                       <a:tailEnd type="none" w="sm" len="sm"/>
                     </a:lnT>
                     <a:lnB w="9525" cap="flat" cmpd="sng">
-                      <a:solidFill>
-                        <a:srgbClr val="BFC1F0"/>
-                      </a:solidFill>
+                      <a:noFill/>
                       <a:prstDash val="solid"/>
                       <a:round/>
                       <a:headEnd type="none" w="sm" len="sm"/>
                       <a:tailEnd type="none" w="sm" len="sm"/>
                     </a:lnB>
+                    <a:lnTlToBr w="12700" cmpd="sng">
+                      <a:noFill/>
+                      <a:prstDash val="solid"/>
+                    </a:lnTlToBr>
+                    <a:lnBlToTr w="12700" cmpd="sng">
+                      <a:noFill/>
+                      <a:prstDash val="solid"/>
+                    </a:lnBlToTr>
                   </a:tcPr>
                 </a:tc>
                 <a:extLst>
@@ -24408,43 +22783,41 @@
                   </a:txBody>
                   <a:tcPr marL="198000" marR="91425" marT="91425" marB="91425">
                     <a:lnL w="9525" cap="flat" cmpd="sng">
-                      <a:solidFill>
-                        <a:srgbClr val="BFC1F0">
-                          <a:alpha val="0"/>
-                        </a:srgbClr>
-                      </a:solidFill>
+                      <a:noFill/>
                       <a:prstDash val="solid"/>
                       <a:round/>
                       <a:headEnd type="none" w="sm" len="sm"/>
                       <a:tailEnd type="none" w="sm" len="sm"/>
                     </a:lnL>
                     <a:lnR w="9525" cap="flat" cmpd="sng">
-                      <a:solidFill>
-                        <a:srgbClr val="FFFFFF"/>
-                      </a:solidFill>
+                      <a:noFill/>
                       <a:prstDash val="solid"/>
                       <a:round/>
                       <a:headEnd type="none" w="sm" len="sm"/>
                       <a:tailEnd type="none" w="sm" len="sm"/>
                     </a:lnR>
                     <a:lnT w="9525" cap="flat" cmpd="sng">
-                      <a:solidFill>
-                        <a:srgbClr val="BFC1F0"/>
-                      </a:solidFill>
+                      <a:noFill/>
                       <a:prstDash val="solid"/>
                       <a:round/>
                       <a:headEnd type="none" w="sm" len="sm"/>
                       <a:tailEnd type="none" w="sm" len="sm"/>
                     </a:lnT>
                     <a:lnB w="9525" cap="flat" cmpd="sng">
-                      <a:solidFill>
-                        <a:srgbClr val="BFC1F0"/>
-                      </a:solidFill>
+                      <a:noFill/>
                       <a:prstDash val="solid"/>
                       <a:round/>
                       <a:headEnd type="none" w="sm" len="sm"/>
                       <a:tailEnd type="none" w="sm" len="sm"/>
                     </a:lnB>
+                    <a:lnTlToBr w="12700" cmpd="sng">
+                      <a:noFill/>
+                      <a:prstDash val="solid"/>
+                    </a:lnTlToBr>
+                    <a:lnBlToTr w="12700" cmpd="sng">
+                      <a:noFill/>
+                      <a:prstDash val="solid"/>
+                    </a:lnBlToTr>
                   </a:tcPr>
                 </a:tc>
                 <a:tc>
@@ -24492,43 +22865,41 @@
                   </a:txBody>
                   <a:tcPr marL="198000" marR="91425" marT="91425" marB="91425">
                     <a:lnL w="9525" cap="flat" cmpd="sng">
-                      <a:solidFill>
-                        <a:srgbClr val="FFFFFF"/>
-                      </a:solidFill>
+                      <a:noFill/>
                       <a:prstDash val="solid"/>
                       <a:round/>
                       <a:headEnd type="none" w="sm" len="sm"/>
                       <a:tailEnd type="none" w="sm" len="sm"/>
                     </a:lnL>
                     <a:lnR w="9525" cap="flat" cmpd="sng">
-                      <a:solidFill>
-                        <a:srgbClr val="BFC1F0">
-                          <a:alpha val="0"/>
-                        </a:srgbClr>
-                      </a:solidFill>
+                      <a:noFill/>
                       <a:prstDash val="solid"/>
                       <a:round/>
                       <a:headEnd type="none" w="sm" len="sm"/>
                       <a:tailEnd type="none" w="sm" len="sm"/>
                     </a:lnR>
                     <a:lnT w="9525" cap="flat" cmpd="sng">
-                      <a:solidFill>
-                        <a:srgbClr val="BFC1F0"/>
-                      </a:solidFill>
+                      <a:noFill/>
                       <a:prstDash val="solid"/>
                       <a:round/>
                       <a:headEnd type="none" w="sm" len="sm"/>
                       <a:tailEnd type="none" w="sm" len="sm"/>
                     </a:lnT>
                     <a:lnB w="9525" cap="flat" cmpd="sng">
-                      <a:solidFill>
-                        <a:srgbClr val="BFC1F0"/>
-                      </a:solidFill>
+                      <a:noFill/>
                       <a:prstDash val="solid"/>
                       <a:round/>
                       <a:headEnd type="none" w="sm" len="sm"/>
                       <a:tailEnd type="none" w="sm" len="sm"/>
                     </a:lnB>
+                    <a:lnTlToBr w="12700" cmpd="sng">
+                      <a:noFill/>
+                      <a:prstDash val="solid"/>
+                    </a:lnTlToBr>
+                    <a:lnBlToTr w="12700" cmpd="sng">
+                      <a:noFill/>
+                      <a:prstDash val="solid"/>
+                    </a:lnBlToTr>
                   </a:tcPr>
                 </a:tc>
                 <a:extLst>
@@ -24577,43 +22948,41 @@
                   </a:txBody>
                   <a:tcPr marL="198000" marR="91425" marT="91425" marB="91425">
                     <a:lnL w="9525" cap="flat" cmpd="sng">
-                      <a:solidFill>
-                        <a:srgbClr val="BFC1F0">
-                          <a:alpha val="0"/>
-                        </a:srgbClr>
-                      </a:solidFill>
+                      <a:noFill/>
                       <a:prstDash val="solid"/>
                       <a:round/>
                       <a:headEnd type="none" w="sm" len="sm"/>
                       <a:tailEnd type="none" w="sm" len="sm"/>
                     </a:lnL>
                     <a:lnR w="9525" cap="flat" cmpd="sng" algn="ctr">
-                      <a:solidFill>
-                        <a:srgbClr val="FFFFFF"/>
-                      </a:solidFill>
+                      <a:noFill/>
                       <a:prstDash val="solid"/>
                       <a:round/>
                       <a:headEnd type="none" w="sm" len="sm"/>
                       <a:tailEnd type="none" w="sm" len="sm"/>
                     </a:lnR>
                     <a:lnT w="9525" cap="flat" cmpd="sng" algn="ctr">
-                      <a:solidFill>
-                        <a:srgbClr val="BFC1F0"/>
-                      </a:solidFill>
+                      <a:noFill/>
                       <a:prstDash val="solid"/>
                       <a:round/>
                       <a:headEnd type="none" w="sm" len="sm"/>
                       <a:tailEnd type="none" w="sm" len="sm"/>
                     </a:lnT>
                     <a:lnB w="9525" cap="flat" cmpd="sng" algn="ctr">
-                      <a:solidFill>
-                        <a:srgbClr val="BFC1F0"/>
-                      </a:solidFill>
+                      <a:noFill/>
                       <a:prstDash val="solid"/>
                       <a:round/>
                       <a:headEnd type="none" w="sm" len="sm"/>
                       <a:tailEnd type="none" w="sm" len="sm"/>
                     </a:lnB>
+                    <a:lnTlToBr w="12700" cmpd="sng">
+                      <a:noFill/>
+                      <a:prstDash val="solid"/>
+                    </a:lnTlToBr>
+                    <a:lnBlToTr w="12700" cmpd="sng">
+                      <a:noFill/>
+                      <a:prstDash val="solid"/>
+                    </a:lnBlToTr>
                   </a:tcPr>
                 </a:tc>
                 <a:tc>
@@ -24661,43 +23030,41 @@
                   </a:txBody>
                   <a:tcPr marL="198000" marR="91425" marT="91425" marB="91425">
                     <a:lnL w="9525" cap="flat" cmpd="sng" algn="ctr">
-                      <a:solidFill>
-                        <a:srgbClr val="FFFFFF"/>
-                      </a:solidFill>
+                      <a:noFill/>
                       <a:prstDash val="solid"/>
                       <a:round/>
                       <a:headEnd type="none" w="sm" len="sm"/>
                       <a:tailEnd type="none" w="sm" len="sm"/>
                     </a:lnL>
                     <a:lnR w="9525" cap="flat" cmpd="sng">
-                      <a:solidFill>
-                        <a:srgbClr val="BFC1F0">
-                          <a:alpha val="0"/>
-                        </a:srgbClr>
-                      </a:solidFill>
+                      <a:noFill/>
                       <a:prstDash val="solid"/>
                       <a:round/>
                       <a:headEnd type="none" w="sm" len="sm"/>
                       <a:tailEnd type="none" w="sm" len="sm"/>
                     </a:lnR>
                     <a:lnT w="9525" cap="flat" cmpd="sng" algn="ctr">
-                      <a:solidFill>
-                        <a:srgbClr val="BFC1F0"/>
-                      </a:solidFill>
+                      <a:noFill/>
                       <a:prstDash val="solid"/>
                       <a:round/>
                       <a:headEnd type="none" w="sm" len="sm"/>
                       <a:tailEnd type="none" w="sm" len="sm"/>
                     </a:lnT>
                     <a:lnB w="9525" cap="flat" cmpd="sng" algn="ctr">
-                      <a:solidFill>
-                        <a:srgbClr val="BFC1F0"/>
-                      </a:solidFill>
+                      <a:noFill/>
                       <a:prstDash val="solid"/>
                       <a:round/>
                       <a:headEnd type="none" w="sm" len="sm"/>
                       <a:tailEnd type="none" w="sm" len="sm"/>
                     </a:lnB>
+                    <a:lnTlToBr w="12700" cmpd="sng">
+                      <a:noFill/>
+                      <a:prstDash val="solid"/>
+                    </a:lnTlToBr>
+                    <a:lnBlToTr w="12700" cmpd="sng">
+                      <a:noFill/>
+                      <a:prstDash val="solid"/>
+                    </a:lnBlToTr>
                   </a:tcPr>
                 </a:tc>
                 <a:extLst>
@@ -24746,43 +23113,41 @@
                   </a:txBody>
                   <a:tcPr marL="198000" marR="91425" marT="91425" marB="91425">
                     <a:lnL w="9525" cap="flat" cmpd="sng">
-                      <a:solidFill>
-                        <a:srgbClr val="BFC1F0">
-                          <a:alpha val="0"/>
-                        </a:srgbClr>
-                      </a:solidFill>
+                      <a:noFill/>
                       <a:prstDash val="solid"/>
                       <a:round/>
                       <a:headEnd type="none" w="sm" len="sm"/>
                       <a:tailEnd type="none" w="sm" len="sm"/>
                     </a:lnL>
                     <a:lnR w="9525" cap="flat" cmpd="sng" algn="ctr">
-                      <a:solidFill>
-                        <a:srgbClr val="FFFFFF"/>
-                      </a:solidFill>
+                      <a:noFill/>
                       <a:prstDash val="solid"/>
                       <a:round/>
                       <a:headEnd type="none" w="sm" len="sm"/>
                       <a:tailEnd type="none" w="sm" len="sm"/>
                     </a:lnR>
                     <a:lnT w="9525" cap="flat" cmpd="sng">
-                      <a:solidFill>
-                        <a:srgbClr val="BFC1F0"/>
-                      </a:solidFill>
+                      <a:noFill/>
                       <a:prstDash val="solid"/>
                       <a:round/>
                       <a:headEnd type="none" w="sm" len="sm"/>
                       <a:tailEnd type="none" w="sm" len="sm"/>
                     </a:lnT>
                     <a:lnB w="9525" cap="flat" cmpd="sng">
-                      <a:solidFill>
-                        <a:srgbClr val="BFC1F0"/>
-                      </a:solidFill>
+                      <a:noFill/>
                       <a:prstDash val="solid"/>
                       <a:round/>
                       <a:headEnd type="none" w="sm" len="sm"/>
                       <a:tailEnd type="none" w="sm" len="sm"/>
                     </a:lnB>
+                    <a:lnTlToBr w="12700" cmpd="sng">
+                      <a:noFill/>
+                      <a:prstDash val="solid"/>
+                    </a:lnTlToBr>
+                    <a:lnBlToTr w="12700" cmpd="sng">
+                      <a:noFill/>
+                      <a:prstDash val="solid"/>
+                    </a:lnBlToTr>
                   </a:tcPr>
                 </a:tc>
                 <a:tc>
@@ -24839,43 +23204,41 @@
                   </a:txBody>
                   <a:tcPr marL="198000" marR="91425" marT="91425" marB="91425">
                     <a:lnL w="9525" cap="flat" cmpd="sng" algn="ctr">
-                      <a:solidFill>
-                        <a:srgbClr val="FFFFFF"/>
-                      </a:solidFill>
+                      <a:noFill/>
                       <a:prstDash val="solid"/>
                       <a:round/>
                       <a:headEnd type="none" w="sm" len="sm"/>
                       <a:tailEnd type="none" w="sm" len="sm"/>
                     </a:lnL>
                     <a:lnR w="9525" cap="flat" cmpd="sng">
-                      <a:solidFill>
-                        <a:srgbClr val="BFC1F0">
-                          <a:alpha val="0"/>
-                        </a:srgbClr>
-                      </a:solidFill>
+                      <a:noFill/>
                       <a:prstDash val="solid"/>
                       <a:round/>
                       <a:headEnd type="none" w="sm" len="sm"/>
                       <a:tailEnd type="none" w="sm" len="sm"/>
                     </a:lnR>
                     <a:lnT w="9525" cap="flat" cmpd="sng">
-                      <a:solidFill>
-                        <a:srgbClr val="BFC1F0"/>
-                      </a:solidFill>
+                      <a:noFill/>
                       <a:prstDash val="solid"/>
                       <a:round/>
                       <a:headEnd type="none" w="sm" len="sm"/>
                       <a:tailEnd type="none" w="sm" len="sm"/>
                     </a:lnT>
                     <a:lnB w="9525" cap="flat" cmpd="sng">
-                      <a:solidFill>
-                        <a:srgbClr val="BFC1F0"/>
-                      </a:solidFill>
+                      <a:noFill/>
                       <a:prstDash val="solid"/>
                       <a:round/>
                       <a:headEnd type="none" w="sm" len="sm"/>
                       <a:tailEnd type="none" w="sm" len="sm"/>
                     </a:lnB>
+                    <a:lnTlToBr w="12700" cmpd="sng">
+                      <a:noFill/>
+                      <a:prstDash val="solid"/>
+                    </a:lnTlToBr>
+                    <a:lnBlToTr w="12700" cmpd="sng">
+                      <a:noFill/>
+                      <a:prstDash val="solid"/>
+                    </a:lnBlToTr>
                   </a:tcPr>
                 </a:tc>
                 <a:extLst>
@@ -24896,7 +23259,7 @@
 </p:sld>
 </file>
 
-<file path=ppt/slides/slide5.xml><?xml version="1.0" encoding="utf-8"?>
+<file path=ppt/slides/slide4.xml><?xml version="1.0" encoding="utf-8"?>
 <p:sld xmlns:a="http://schemas.openxmlformats.org/drawingml/2006/main" xmlns:r="http://schemas.openxmlformats.org/officeDocument/2006/relationships" xmlns:p="http://schemas.openxmlformats.org/presentationml/2006/main">
   <p:cSld>
     <p:spTree>
@@ -24970,14 +23333,14 @@
           <p:nvPr>
             <p:extLst>
               <p:ext uri="{D42A27DB-BD31-4B8C-83A1-F6EECF244321}">
-                <p14:modId xmlns:p14="http://schemas.microsoft.com/office/powerpoint/2010/main" val="184690843"/>
+                <p14:modId xmlns:p14="http://schemas.microsoft.com/office/powerpoint/2010/main" val="3760700363"/>
               </p:ext>
             </p:extLst>
           </p:nvPr>
         </p:nvGraphicFramePr>
         <p:xfrm>
           <a:off x="952500" y="1544194"/>
-          <a:ext cx="7239000" cy="1784112"/>
+          <a:ext cx="7239000" cy="2122894"/>
         </p:xfrm>
         <a:graphic>
           <a:graphicData uri="http://schemas.openxmlformats.org/drawingml/2006/table">
@@ -25018,7 +23381,7 @@
                         <a:buNone/>
                       </a:pPr>
                       <a:r>
-                        <a:rPr lang="ru" sz="1300" b="1">
+                        <a:rPr lang="ru" sz="1300" b="1" dirty="0">
                           <a:solidFill>
                             <a:srgbClr val="013D85"/>
                           </a:solidFill>
@@ -25029,7 +23392,7 @@
                         </a:rPr>
                         <a:t>1.</a:t>
                       </a:r>
-                      <a:endParaRPr sz="1300" b="1">
+                      <a:endParaRPr sz="1300" b="1" dirty="0">
                         <a:solidFill>
                           <a:srgbClr val="013D85"/>
                         </a:solidFill>
@@ -25042,47 +23405,41 @@
                   </a:txBody>
                   <a:tcPr marL="198000" marR="91425" marT="68575" marB="68575">
                     <a:lnL w="9525" cap="flat" cmpd="sng">
-                      <a:solidFill>
-                        <a:srgbClr val="BFC1F0">
-                          <a:alpha val="0"/>
-                        </a:srgbClr>
-                      </a:solidFill>
+                      <a:noFill/>
                       <a:prstDash val="solid"/>
                       <a:round/>
                       <a:headEnd type="none" w="sm" len="sm"/>
                       <a:tailEnd type="none" w="sm" len="sm"/>
                     </a:lnL>
                     <a:lnR w="9525" cap="flat" cmpd="sng">
-                      <a:solidFill>
-                        <a:schemeClr val="lt1">
-                          <a:alpha val="0"/>
-                        </a:schemeClr>
-                      </a:solidFill>
+                      <a:noFill/>
                       <a:prstDash val="solid"/>
                       <a:round/>
                       <a:headEnd type="none" w="sm" len="sm"/>
                       <a:tailEnd type="none" w="sm" len="sm"/>
                     </a:lnR>
                     <a:lnT w="9525" cap="flat" cmpd="sng">
-                      <a:solidFill>
-                        <a:srgbClr val="BFC1F0">
-                          <a:alpha val="0"/>
-                        </a:srgbClr>
-                      </a:solidFill>
+                      <a:noFill/>
                       <a:prstDash val="solid"/>
                       <a:round/>
                       <a:headEnd type="none" w="sm" len="sm"/>
                       <a:tailEnd type="none" w="sm" len="sm"/>
                     </a:lnT>
                     <a:lnB w="9525" cap="flat" cmpd="sng">
-                      <a:solidFill>
-                        <a:srgbClr val="BFC1F0"/>
-                      </a:solidFill>
+                      <a:noFill/>
                       <a:prstDash val="solid"/>
                       <a:round/>
                       <a:headEnd type="none" w="sm" len="sm"/>
                       <a:tailEnd type="none" w="sm" len="sm"/>
                     </a:lnB>
+                    <a:lnTlToBr w="12700" cmpd="sng">
+                      <a:noFill/>
+                      <a:prstDash val="solid"/>
+                    </a:lnTlToBr>
+                    <a:lnBlToTr w="12700" cmpd="sng">
+                      <a:noFill/>
+                      <a:prstDash val="solid"/>
+                    </a:lnBlToTr>
                   </a:tcPr>
                 </a:tc>
                 <a:tc>
@@ -25157,13 +23514,40 @@
                         <a:t>и </a:t>
                       </a:r>
                       <a:r>
+                        <a:rPr lang="en-US" sz="1300" dirty="0" err="1">
+                          <a:latin typeface="Roboto"/>
+                          <a:ea typeface="Roboto"/>
+                          <a:cs typeface="Roboto"/>
+                          <a:sym typeface="Roboto"/>
+                        </a:rPr>
+                        <a:t>Etcs</a:t>
+                      </a:r>
+                      <a:r>
                         <a:rPr lang="en-US" sz="1300" dirty="0">
                           <a:latin typeface="Roboto"/>
                           <a:ea typeface="Roboto"/>
                           <a:cs typeface="Roboto"/>
                           <a:sym typeface="Roboto"/>
                         </a:rPr>
-                        <a:t>Consul</a:t>
+                        <a:t> </a:t>
+                      </a:r>
+                      <a:r>
+                        <a:rPr lang="ru-RU" sz="1300" dirty="0">
+                          <a:latin typeface="Roboto"/>
+                          <a:ea typeface="Roboto"/>
+                          <a:cs typeface="Roboto"/>
+                          <a:sym typeface="Roboto"/>
+                        </a:rPr>
+                        <a:t>для контура </a:t>
+                      </a:r>
+                      <a:r>
+                        <a:rPr lang="en-US" sz="1300" dirty="0">
+                          <a:latin typeface="Roboto"/>
+                          <a:ea typeface="Roboto"/>
+                          <a:cs typeface="Roboto"/>
+                          <a:sym typeface="Roboto"/>
+                        </a:rPr>
+                        <a:t>PROD</a:t>
                       </a:r>
                       <a:endParaRPr sz="1300" dirty="0">
                         <a:latin typeface="Roboto"/>
@@ -25175,47 +23559,41 @@
                   </a:txBody>
                   <a:tcPr marL="198000" marR="91425" marT="68575" marB="68575">
                     <a:lnL w="9525" cap="flat" cmpd="sng">
-                      <a:solidFill>
-                        <a:schemeClr val="lt1">
-                          <a:alpha val="0"/>
-                        </a:schemeClr>
-                      </a:solidFill>
+                      <a:noFill/>
                       <a:prstDash val="solid"/>
                       <a:round/>
                       <a:headEnd type="none" w="sm" len="sm"/>
                       <a:tailEnd type="none" w="sm" len="sm"/>
                     </a:lnL>
                     <a:lnR w="9525" cap="flat" cmpd="sng">
-                      <a:solidFill>
-                        <a:srgbClr val="BFC1F0">
-                          <a:alpha val="0"/>
-                        </a:srgbClr>
-                      </a:solidFill>
+                      <a:noFill/>
                       <a:prstDash val="solid"/>
                       <a:round/>
                       <a:headEnd type="none" w="sm" len="sm"/>
                       <a:tailEnd type="none" w="sm" len="sm"/>
                     </a:lnR>
                     <a:lnT w="9525" cap="flat" cmpd="sng">
-                      <a:solidFill>
-                        <a:srgbClr val="BFC1F0">
-                          <a:alpha val="0"/>
-                        </a:srgbClr>
-                      </a:solidFill>
+                      <a:noFill/>
                       <a:prstDash val="solid"/>
                       <a:round/>
                       <a:headEnd type="none" w="sm" len="sm"/>
                       <a:tailEnd type="none" w="sm" len="sm"/>
                     </a:lnT>
                     <a:lnB w="9525" cap="flat" cmpd="sng">
-                      <a:solidFill>
-                        <a:srgbClr val="BFC1F0"/>
-                      </a:solidFill>
+                      <a:noFill/>
                       <a:prstDash val="solid"/>
                       <a:round/>
                       <a:headEnd type="none" w="sm" len="sm"/>
                       <a:tailEnd type="none" w="sm" len="sm"/>
                     </a:lnB>
+                    <a:lnTlToBr w="12700" cmpd="sng">
+                      <a:noFill/>
+                      <a:prstDash val="solid"/>
+                    </a:lnTlToBr>
+                    <a:lnBlToTr w="12700" cmpd="sng">
+                      <a:noFill/>
+                      <a:prstDash val="solid"/>
+                    </a:lnBlToTr>
                   </a:tcPr>
                 </a:tc>
                 <a:extLst>
@@ -25264,45 +23642,41 @@
                   </a:txBody>
                   <a:tcPr marL="198000" marR="91425" marT="68575" marB="68575">
                     <a:lnL w="9525" cap="flat" cmpd="sng">
-                      <a:solidFill>
-                        <a:srgbClr val="BFC1F0">
-                          <a:alpha val="0"/>
-                        </a:srgbClr>
-                      </a:solidFill>
+                      <a:noFill/>
                       <a:prstDash val="solid"/>
                       <a:round/>
                       <a:headEnd type="none" w="sm" len="sm"/>
                       <a:tailEnd type="none" w="sm" len="sm"/>
                     </a:lnL>
                     <a:lnR w="9525" cap="flat" cmpd="sng">
-                      <a:solidFill>
-                        <a:schemeClr val="lt1">
-                          <a:alpha val="0"/>
-                        </a:schemeClr>
-                      </a:solidFill>
+                      <a:noFill/>
                       <a:prstDash val="solid"/>
                       <a:round/>
                       <a:headEnd type="none" w="sm" len="sm"/>
                       <a:tailEnd type="none" w="sm" len="sm"/>
                     </a:lnR>
                     <a:lnT w="9525" cap="flat" cmpd="sng">
-                      <a:solidFill>
-                        <a:srgbClr val="BFC1F0"/>
-                      </a:solidFill>
+                      <a:noFill/>
                       <a:prstDash val="solid"/>
                       <a:round/>
                       <a:headEnd type="none" w="sm" len="sm"/>
                       <a:tailEnd type="none" w="sm" len="sm"/>
                     </a:lnT>
                     <a:lnB w="9525" cap="flat" cmpd="sng">
-                      <a:solidFill>
-                        <a:srgbClr val="BFC1F0"/>
-                      </a:solidFill>
+                      <a:noFill/>
                       <a:prstDash val="solid"/>
                       <a:round/>
                       <a:headEnd type="none" w="sm" len="sm"/>
                       <a:tailEnd type="none" w="sm" len="sm"/>
                     </a:lnB>
+                    <a:lnTlToBr w="12700" cmpd="sng">
+                      <a:noFill/>
+                      <a:prstDash val="solid"/>
+                    </a:lnTlToBr>
+                    <a:lnBlToTr w="12700" cmpd="sng">
+                      <a:noFill/>
+                      <a:prstDash val="solid"/>
+                    </a:lnBlToTr>
                   </a:tcPr>
                 </a:tc>
                 <a:tc>
@@ -25358,6 +23732,24 @@
                         </a:rPr>
                         <a:t>Kubernetes</a:t>
                       </a:r>
+                      <a:r>
+                        <a:rPr lang="ru-RU" sz="1300" dirty="0">
+                          <a:latin typeface="Roboto"/>
+                          <a:ea typeface="Roboto"/>
+                          <a:cs typeface="Roboto"/>
+                          <a:sym typeface="Roboto"/>
+                        </a:rPr>
+                        <a:t> в контуре </a:t>
+                      </a:r>
+                      <a:r>
+                        <a:rPr lang="en-US" sz="1300" dirty="0">
+                          <a:latin typeface="Roboto"/>
+                          <a:ea typeface="Roboto"/>
+                          <a:cs typeface="Roboto"/>
+                          <a:sym typeface="Roboto"/>
+                        </a:rPr>
+                        <a:t>PROD</a:t>
+                      </a:r>
                       <a:endParaRPr sz="1300" dirty="0">
                         <a:latin typeface="Roboto"/>
                         <a:ea typeface="Roboto"/>
@@ -25368,45 +23760,41 @@
                   </a:txBody>
                   <a:tcPr marL="198000" marR="91425" marT="68575" marB="68575">
                     <a:lnL w="9525" cap="flat" cmpd="sng">
-                      <a:solidFill>
-                        <a:schemeClr val="lt1">
-                          <a:alpha val="0"/>
-                        </a:schemeClr>
-                      </a:solidFill>
+                      <a:noFill/>
                       <a:prstDash val="solid"/>
                       <a:round/>
                       <a:headEnd type="none" w="sm" len="sm"/>
                       <a:tailEnd type="none" w="sm" len="sm"/>
                     </a:lnL>
                     <a:lnR w="9525" cap="flat" cmpd="sng">
-                      <a:solidFill>
-                        <a:srgbClr val="BFC1F0">
-                          <a:alpha val="0"/>
-                        </a:srgbClr>
-                      </a:solidFill>
+                      <a:noFill/>
                       <a:prstDash val="solid"/>
                       <a:round/>
                       <a:headEnd type="none" w="sm" len="sm"/>
                       <a:tailEnd type="none" w="sm" len="sm"/>
                     </a:lnR>
                     <a:lnT w="9525" cap="flat" cmpd="sng">
-                      <a:solidFill>
-                        <a:srgbClr val="BFC1F0"/>
-                      </a:solidFill>
+                      <a:noFill/>
                       <a:prstDash val="solid"/>
                       <a:round/>
                       <a:headEnd type="none" w="sm" len="sm"/>
                       <a:tailEnd type="none" w="sm" len="sm"/>
                     </a:lnT>
                     <a:lnB w="9525" cap="flat" cmpd="sng">
-                      <a:solidFill>
-                        <a:srgbClr val="BFC1F0"/>
-                      </a:solidFill>
+                      <a:noFill/>
                       <a:prstDash val="solid"/>
                       <a:round/>
                       <a:headEnd type="none" w="sm" len="sm"/>
                       <a:tailEnd type="none" w="sm" len="sm"/>
                     </a:lnB>
+                    <a:lnTlToBr w="12700" cmpd="sng">
+                      <a:noFill/>
+                      <a:prstDash val="solid"/>
+                    </a:lnTlToBr>
+                    <a:lnBlToTr w="12700" cmpd="sng">
+                      <a:noFill/>
+                      <a:prstDash val="solid"/>
+                    </a:lnBlToTr>
                   </a:tcPr>
                 </a:tc>
                 <a:extLst>
@@ -25455,45 +23843,41 @@
                   </a:txBody>
                   <a:tcPr marL="198000" marR="91425" marT="68575" marB="68575">
                     <a:lnL w="9525" cap="flat" cmpd="sng">
-                      <a:solidFill>
-                        <a:srgbClr val="BFC1F0">
-                          <a:alpha val="0"/>
-                        </a:srgbClr>
-                      </a:solidFill>
+                      <a:noFill/>
                       <a:prstDash val="solid"/>
                       <a:round/>
                       <a:headEnd type="none" w="sm" len="sm"/>
                       <a:tailEnd type="none" w="sm" len="sm"/>
                     </a:lnL>
                     <a:lnR w="9525" cap="flat" cmpd="sng">
-                      <a:solidFill>
-                        <a:schemeClr val="lt1">
-                          <a:alpha val="0"/>
-                        </a:schemeClr>
-                      </a:solidFill>
+                      <a:noFill/>
                       <a:prstDash val="solid"/>
                       <a:round/>
                       <a:headEnd type="none" w="sm" len="sm"/>
                       <a:tailEnd type="none" w="sm" len="sm"/>
                     </a:lnR>
                     <a:lnT w="9525" cap="flat" cmpd="sng">
-                      <a:solidFill>
-                        <a:srgbClr val="BFC1F0"/>
-                      </a:solidFill>
+                      <a:noFill/>
                       <a:prstDash val="solid"/>
                       <a:round/>
                       <a:headEnd type="none" w="sm" len="sm"/>
                       <a:tailEnd type="none" w="sm" len="sm"/>
                     </a:lnT>
                     <a:lnB w="9525" cap="flat" cmpd="sng" algn="ctr">
-                      <a:solidFill>
-                        <a:srgbClr val="BFC1F0"/>
-                      </a:solidFill>
+                      <a:noFill/>
                       <a:prstDash val="solid"/>
                       <a:round/>
                       <a:headEnd type="none" w="sm" len="sm"/>
                       <a:tailEnd type="none" w="sm" len="sm"/>
                     </a:lnB>
+                    <a:lnTlToBr w="12700" cmpd="sng">
+                      <a:noFill/>
+                      <a:prstDash val="solid"/>
+                    </a:lnTlToBr>
+                    <a:lnBlToTr w="12700" cmpd="sng">
+                      <a:noFill/>
+                      <a:prstDash val="solid"/>
+                    </a:lnBlToTr>
                   </a:tcPr>
                 </a:tc>
                 <a:tc>
@@ -25501,7 +23885,7 @@
                     <a:bodyPr/>
                     <a:lstStyle/>
                     <a:p>
-                      <a:pPr marL="0" lvl="0" indent="0" algn="l" rtl="0">
+                      <a:pPr marL="0" marR="0" lvl="0" indent="0" algn="l" defTabSz="685800" rtl="0" eaLnBrk="1" fontAlgn="auto" latinLnBrk="0" hangingPunct="1">
                         <a:lnSpc>
                           <a:spcPct val="115000"/>
                         </a:lnSpc>
@@ -25511,37 +23895,15 @@
                         <a:spcAft>
                           <a:spcPts val="0"/>
                         </a:spcAft>
+                        <a:buClrTx/>
+                        <a:buSzTx/>
+                        <a:buFontTx/>
                         <a:buNone/>
+                        <a:tabLst/>
+                        <a:defRPr/>
                       </a:pPr>
                       <a:r>
-                        <a:rPr lang="ru-RU" sz="1300" dirty="0">
-                          <a:latin typeface="Roboto"/>
-                          <a:ea typeface="Roboto"/>
-                          <a:cs typeface="Roboto"/>
-                          <a:sym typeface="Roboto"/>
-                        </a:rPr>
-                        <a:t>Сравнить с аналогичным решением в </a:t>
-                      </a:r>
-                      <a:r>
-                        <a:rPr lang="en-US" sz="1300" dirty="0">
-                          <a:latin typeface="Roboto"/>
-                          <a:ea typeface="Roboto"/>
-                          <a:cs typeface="Roboto"/>
-                          <a:sym typeface="Roboto"/>
-                        </a:rPr>
-                        <a:t>Kubernetes</a:t>
-                      </a:r>
-                      <a:r>
-                        <a:rPr lang="ru-RU" sz="1300" dirty="0">
-                          <a:latin typeface="Roboto"/>
-                          <a:ea typeface="Roboto"/>
-                          <a:cs typeface="Roboto"/>
-                          <a:sym typeface="Roboto"/>
-                        </a:rPr>
-                        <a:t> </a:t>
-                      </a:r>
-                      <a:r>
-                        <a:rPr lang="en" sz="1400" b="0" i="0" u="none" strike="noStrike" cap="none" dirty="0" err="1">
+                        <a:rPr lang="ru-RU" sz="1400" b="0" i="0" u="none" strike="noStrike" cap="none" dirty="0">
                           <a:solidFill>
                             <a:srgbClr val="000000"/>
                           </a:solidFill>
@@ -25551,7 +23913,46 @@
                           <a:cs typeface="Arial"/>
                           <a:sym typeface="Arial"/>
                         </a:rPr>
-                        <a:t>CloudNativePG</a:t>
+                        <a:t>Проанализировать работу кластера в условиях ограниченных ресурсов</a:t>
+                      </a:r>
+                      <a:r>
+                        <a:rPr lang="en-US" sz="1400" b="0" i="0" u="none" strike="noStrike" cap="none" dirty="0">
+                          <a:solidFill>
+                            <a:srgbClr val="000000"/>
+                          </a:solidFill>
+                          <a:effectLst/>
+                          <a:latin typeface="Arial"/>
+                          <a:ea typeface="Arial"/>
+                          <a:cs typeface="Arial"/>
+                          <a:sym typeface="Arial"/>
+                        </a:rPr>
+                        <a:t> </a:t>
+                      </a:r>
+                      <a:r>
+                        <a:rPr lang="ru-RU" sz="1400" b="0" i="0" u="none" strike="noStrike" cap="none" dirty="0">
+                          <a:solidFill>
+                            <a:srgbClr val="000000"/>
+                          </a:solidFill>
+                          <a:effectLst/>
+                          <a:latin typeface="Arial"/>
+                          <a:ea typeface="Arial"/>
+                          <a:cs typeface="Arial"/>
+                          <a:sym typeface="Arial"/>
+                        </a:rPr>
+                        <a:t>для </a:t>
+                      </a:r>
+                      <a:r>
+                        <a:rPr lang="en-US" sz="1400" b="0" i="0" u="none" strike="noStrike" cap="none" dirty="0">
+                          <a:solidFill>
+                            <a:srgbClr val="000000"/>
+                          </a:solidFill>
+                          <a:effectLst/>
+                          <a:latin typeface="Arial"/>
+                          <a:ea typeface="Arial"/>
+                          <a:cs typeface="Arial"/>
+                          <a:sym typeface="Arial"/>
+                        </a:rPr>
+                        <a:t>Stage</a:t>
                       </a:r>
                       <a:endParaRPr lang="en" sz="1400" b="0" i="0" u="none" strike="noStrike" cap="none" dirty="0">
                         <a:solidFill>
@@ -25567,45 +23968,41 @@
                   </a:txBody>
                   <a:tcPr marL="198000" marR="91425" marT="68575" marB="68575">
                     <a:lnL w="9525" cap="flat" cmpd="sng">
-                      <a:solidFill>
-                        <a:schemeClr val="lt1">
-                          <a:alpha val="0"/>
-                        </a:schemeClr>
-                      </a:solidFill>
+                      <a:noFill/>
                       <a:prstDash val="solid"/>
                       <a:round/>
                       <a:headEnd type="none" w="sm" len="sm"/>
                       <a:tailEnd type="none" w="sm" len="sm"/>
                     </a:lnL>
                     <a:lnR w="9525" cap="flat" cmpd="sng">
-                      <a:solidFill>
-                        <a:srgbClr val="BFC1F0">
-                          <a:alpha val="0"/>
-                        </a:srgbClr>
-                      </a:solidFill>
+                      <a:noFill/>
                       <a:prstDash val="solid"/>
                       <a:round/>
                       <a:headEnd type="none" w="sm" len="sm"/>
                       <a:tailEnd type="none" w="sm" len="sm"/>
                     </a:lnR>
                     <a:lnT w="9525" cap="flat" cmpd="sng">
-                      <a:solidFill>
-                        <a:srgbClr val="BFC1F0"/>
-                      </a:solidFill>
+                      <a:noFill/>
                       <a:prstDash val="solid"/>
                       <a:round/>
                       <a:headEnd type="none" w="sm" len="sm"/>
                       <a:tailEnd type="none" w="sm" len="sm"/>
                     </a:lnT>
                     <a:lnB w="9525" cap="flat" cmpd="sng" algn="ctr">
-                      <a:solidFill>
-                        <a:srgbClr val="BFC1F0"/>
-                      </a:solidFill>
+                      <a:noFill/>
                       <a:prstDash val="solid"/>
                       <a:round/>
                       <a:headEnd type="none" w="sm" len="sm"/>
                       <a:tailEnd type="none" w="sm" len="sm"/>
                     </a:lnB>
+                    <a:lnTlToBr w="12700" cmpd="sng">
+                      <a:noFill/>
+                      <a:prstDash val="solid"/>
+                    </a:lnTlToBr>
+                    <a:lnBlToTr w="12700" cmpd="sng">
+                      <a:noFill/>
+                      <a:prstDash val="solid"/>
+                    </a:lnBlToTr>
                   </a:tcPr>
                 </a:tc>
                 <a:extLst>
@@ -25654,45 +24051,41 @@
                   </a:txBody>
                   <a:tcPr marL="198000" marR="91425" marT="68575" marB="68575">
                     <a:lnL w="9525" cap="flat" cmpd="sng">
-                      <a:solidFill>
-                        <a:srgbClr val="BFC1F0">
-                          <a:alpha val="0"/>
-                        </a:srgbClr>
-                      </a:solidFill>
+                      <a:noFill/>
                       <a:prstDash val="solid"/>
                       <a:round/>
                       <a:headEnd type="none" w="sm" len="sm"/>
                       <a:tailEnd type="none" w="sm" len="sm"/>
                     </a:lnL>
                     <a:lnR w="9525" cap="flat" cmpd="sng" algn="ctr">
-                      <a:solidFill>
-                        <a:schemeClr val="lt1">
-                          <a:alpha val="0"/>
-                        </a:schemeClr>
-                      </a:solidFill>
+                      <a:noFill/>
                       <a:prstDash val="solid"/>
                       <a:round/>
                       <a:headEnd type="none" w="sm" len="sm"/>
                       <a:tailEnd type="none" w="sm" len="sm"/>
                     </a:lnR>
                     <a:lnT w="9525" cap="flat" cmpd="sng">
-                      <a:solidFill>
-                        <a:srgbClr val="BFC1F0"/>
-                      </a:solidFill>
+                      <a:noFill/>
                       <a:prstDash val="solid"/>
                       <a:round/>
                       <a:headEnd type="none" w="sm" len="sm"/>
                       <a:tailEnd type="none" w="sm" len="sm"/>
                     </a:lnT>
                     <a:lnB w="9525" cap="flat" cmpd="sng" algn="ctr">
-                      <a:solidFill>
-                        <a:srgbClr val="BFC1F0"/>
-                      </a:solidFill>
+                      <a:noFill/>
                       <a:prstDash val="solid"/>
                       <a:round/>
                       <a:headEnd type="none" w="sm" len="sm"/>
                       <a:tailEnd type="none" w="sm" len="sm"/>
                     </a:lnB>
+                    <a:lnTlToBr w="12700" cmpd="sng">
+                      <a:noFill/>
+                      <a:prstDash val="solid"/>
+                    </a:lnTlToBr>
+                    <a:lnBlToTr w="12700" cmpd="sng">
+                      <a:noFill/>
+                      <a:prstDash val="solid"/>
+                    </a:lnBlToTr>
                   </a:tcPr>
                 </a:tc>
                 <a:tc>
@@ -25700,7 +24093,7 @@
                     <a:bodyPr/>
                     <a:lstStyle/>
                     <a:p>
-                      <a:pPr marL="0" lvl="0" indent="0" algn="l" rtl="0">
+                      <a:pPr marL="0" marR="0" lvl="0" indent="0" algn="l" defTabSz="685800" rtl="0" eaLnBrk="1" fontAlgn="auto" latinLnBrk="0" hangingPunct="1">
                         <a:lnSpc>
                           <a:spcPct val="115000"/>
                         </a:lnSpc>
@@ -25710,179 +24103,12 @@
                         <a:spcAft>
                           <a:spcPts val="0"/>
                         </a:spcAft>
+                        <a:buClrTx/>
+                        <a:buSzTx/>
+                        <a:buFontTx/>
                         <a:buNone/>
-                      </a:pPr>
-                      <a:r>
-                        <a:rPr lang="ru-RU" sz="1400" b="0" i="0" u="none" strike="noStrike" cap="none" dirty="0">
-                          <a:solidFill>
-                            <a:srgbClr val="000000"/>
-                          </a:solidFill>
-                          <a:effectLst/>
-                          <a:latin typeface="Arial"/>
-                          <a:ea typeface="Arial"/>
-                          <a:cs typeface="Arial"/>
-                          <a:sym typeface="Arial"/>
-                        </a:rPr>
-                        <a:t>Проанализировать работу кластера в условиях ограниченных ресурсов</a:t>
-                      </a:r>
-                      <a:endParaRPr lang="en" sz="1400" b="0" i="0" u="none" strike="noStrike" cap="none" dirty="0">
-                        <a:solidFill>
-                          <a:srgbClr val="000000"/>
-                        </a:solidFill>
-                        <a:effectLst/>
-                        <a:latin typeface="Arial"/>
-                        <a:ea typeface="Arial"/>
-                        <a:cs typeface="Arial"/>
-                        <a:sym typeface="Arial"/>
-                      </a:endParaRPr>
-                    </a:p>
-                  </a:txBody>
-                  <a:tcPr marL="198000" marR="91425" marT="68575" marB="68575">
-                    <a:lnL w="9525" cap="flat" cmpd="sng" algn="ctr">
-                      <a:solidFill>
-                        <a:schemeClr val="lt1">
-                          <a:alpha val="0"/>
-                        </a:schemeClr>
-                      </a:solidFill>
-                      <a:prstDash val="solid"/>
-                      <a:round/>
-                      <a:headEnd type="none" w="sm" len="sm"/>
-                      <a:tailEnd type="none" w="sm" len="sm"/>
-                    </a:lnL>
-                    <a:lnR w="9525" cap="flat" cmpd="sng">
-                      <a:solidFill>
-                        <a:srgbClr val="BFC1F0">
-                          <a:alpha val="0"/>
-                        </a:srgbClr>
-                      </a:solidFill>
-                      <a:prstDash val="solid"/>
-                      <a:round/>
-                      <a:headEnd type="none" w="sm" len="sm"/>
-                      <a:tailEnd type="none" w="sm" len="sm"/>
-                    </a:lnR>
-                    <a:lnT w="9525" cap="flat" cmpd="sng">
-                      <a:solidFill>
-                        <a:srgbClr val="BFC1F0"/>
-                      </a:solidFill>
-                      <a:prstDash val="solid"/>
-                      <a:round/>
-                      <a:headEnd type="none" w="sm" len="sm"/>
-                      <a:tailEnd type="none" w="sm" len="sm"/>
-                    </a:lnT>
-                    <a:lnB w="9525" cap="flat" cmpd="sng" algn="ctr">
-                      <a:solidFill>
-                        <a:srgbClr val="BFC1F0"/>
-                      </a:solidFill>
-                      <a:prstDash val="solid"/>
-                      <a:round/>
-                      <a:headEnd type="none" w="sm" len="sm"/>
-                      <a:tailEnd type="none" w="sm" len="sm"/>
-                    </a:lnB>
-                  </a:tcPr>
-                </a:tc>
-                <a:extLst>
-                  <a:ext uri="{0D108BD9-81ED-4DB2-BD59-A6C34878D82A}">
-                    <a16:rowId xmlns:a16="http://schemas.microsoft.com/office/drawing/2014/main" val="3797401371"/>
-                  </a:ext>
-                </a:extLst>
-              </a:tr>
-              <a:tr h="285750">
-                <a:tc>
-                  <a:txBody>
-                    <a:bodyPr/>
-                    <a:lstStyle/>
-                    <a:p>
-                      <a:pPr marL="0" lvl="0" indent="0" algn="l" rtl="0">
-                        <a:spcBef>
-                          <a:spcPts val="0"/>
-                        </a:spcBef>
-                        <a:spcAft>
-                          <a:spcPts val="0"/>
-                        </a:spcAft>
-                        <a:buNone/>
-                      </a:pPr>
-                      <a:r>
-                        <a:rPr lang="ru-RU" sz="1300" b="1" dirty="0">
-                          <a:solidFill>
-                            <a:srgbClr val="013D85"/>
-                          </a:solidFill>
-                          <a:latin typeface="Roboto"/>
-                          <a:ea typeface="Roboto"/>
-                          <a:cs typeface="Roboto"/>
-                          <a:sym typeface="Roboto"/>
-                        </a:rPr>
-                        <a:t>5.</a:t>
-                      </a:r>
-                      <a:endParaRPr sz="1300" b="1" dirty="0">
-                        <a:solidFill>
-                          <a:srgbClr val="013D85"/>
-                        </a:solidFill>
-                        <a:latin typeface="Roboto"/>
-                        <a:ea typeface="Roboto"/>
-                        <a:cs typeface="Roboto"/>
-                        <a:sym typeface="Roboto"/>
-                      </a:endParaRPr>
-                    </a:p>
-                  </a:txBody>
-                  <a:tcPr marL="198000" marR="91425" marT="68575" marB="68575">
-                    <a:lnL w="9525" cap="flat" cmpd="sng">
-                      <a:solidFill>
-                        <a:srgbClr val="BFC1F0">
-                          <a:alpha val="0"/>
-                        </a:srgbClr>
-                      </a:solidFill>
-                      <a:prstDash val="solid"/>
-                      <a:round/>
-                      <a:headEnd type="none" w="sm" len="sm"/>
-                      <a:tailEnd type="none" w="sm" len="sm"/>
-                    </a:lnL>
-                    <a:lnR w="9525" cap="flat" cmpd="sng" algn="ctr">
-                      <a:solidFill>
-                        <a:schemeClr val="lt1">
-                          <a:alpha val="0"/>
-                        </a:schemeClr>
-                      </a:solidFill>
-                      <a:prstDash val="solid"/>
-                      <a:round/>
-                      <a:headEnd type="none" w="sm" len="sm"/>
-                      <a:tailEnd type="none" w="sm" len="sm"/>
-                    </a:lnR>
-                    <a:lnT w="9525" cap="flat" cmpd="sng">
-                      <a:solidFill>
-                        <a:srgbClr val="BFC1F0"/>
-                      </a:solidFill>
-                      <a:prstDash val="solid"/>
-                      <a:round/>
-                      <a:headEnd type="none" w="sm" len="sm"/>
-                      <a:tailEnd type="none" w="sm" len="sm"/>
-                    </a:lnT>
-                    <a:lnB w="9525" cap="flat" cmpd="sng" algn="ctr">
-                      <a:solidFill>
-                        <a:srgbClr val="BFC1F0"/>
-                      </a:solidFill>
-                      <a:prstDash val="solid"/>
-                      <a:round/>
-                      <a:headEnd type="none" w="sm" len="sm"/>
-                      <a:tailEnd type="none" w="sm" len="sm"/>
-                    </a:lnB>
-                  </a:tcPr>
-                </a:tc>
-                <a:tc>
-                  <a:txBody>
-                    <a:bodyPr/>
-                    <a:lstStyle/>
-                    <a:p>
-                      <a:pPr marL="0" lvl="0" indent="0" algn="l" rtl="0">
-                        <a:lnSpc>
-                          <a:spcPct val="115000"/>
-                        </a:lnSpc>
-                        <a:spcBef>
-                          <a:spcPts val="0"/>
-                        </a:spcBef>
-                        <a:spcAft>
-                          <a:spcPts val="0"/>
-                        </a:spcAft>
-                        <a:buNone/>
+                        <a:tabLst/>
+                        <a:defRPr/>
                       </a:pPr>
                       <a:r>
                         <a:rPr lang="ru-RU" sz="1400" b="0" i="0" u="none" strike="noStrike" cap="none" dirty="0">
@@ -25924,50 +24150,46 @@
                   </a:txBody>
                   <a:tcPr marL="198000" marR="91425" marT="68575" marB="68575">
                     <a:lnL w="9525" cap="flat" cmpd="sng" algn="ctr">
-                      <a:solidFill>
-                        <a:schemeClr val="lt1">
-                          <a:alpha val="0"/>
-                        </a:schemeClr>
-                      </a:solidFill>
+                      <a:noFill/>
                       <a:prstDash val="solid"/>
                       <a:round/>
                       <a:headEnd type="none" w="sm" len="sm"/>
                       <a:tailEnd type="none" w="sm" len="sm"/>
                     </a:lnL>
                     <a:lnR w="9525" cap="flat" cmpd="sng">
-                      <a:solidFill>
-                        <a:srgbClr val="BFC1F0">
-                          <a:alpha val="0"/>
-                        </a:srgbClr>
-                      </a:solidFill>
+                      <a:noFill/>
                       <a:prstDash val="solid"/>
                       <a:round/>
                       <a:headEnd type="none" w="sm" len="sm"/>
                       <a:tailEnd type="none" w="sm" len="sm"/>
                     </a:lnR>
                     <a:lnT w="9525" cap="flat" cmpd="sng">
-                      <a:solidFill>
-                        <a:srgbClr val="BFC1F0"/>
-                      </a:solidFill>
+                      <a:noFill/>
                       <a:prstDash val="solid"/>
                       <a:round/>
                       <a:headEnd type="none" w="sm" len="sm"/>
                       <a:tailEnd type="none" w="sm" len="sm"/>
                     </a:lnT>
                     <a:lnB w="9525" cap="flat" cmpd="sng" algn="ctr">
-                      <a:solidFill>
-                        <a:srgbClr val="BFC1F0"/>
-                      </a:solidFill>
+                      <a:noFill/>
                       <a:prstDash val="solid"/>
                       <a:round/>
                       <a:headEnd type="none" w="sm" len="sm"/>
                       <a:tailEnd type="none" w="sm" len="sm"/>
                     </a:lnB>
+                    <a:lnTlToBr w="12700" cmpd="sng">
+                      <a:noFill/>
+                      <a:prstDash val="solid"/>
+                    </a:lnTlToBr>
+                    <a:lnBlToTr w="12700" cmpd="sng">
+                      <a:noFill/>
+                      <a:prstDash val="solid"/>
+                    </a:lnBlToTr>
                   </a:tcPr>
                 </a:tc>
                 <a:extLst>
                   <a:ext uri="{0D108BD9-81ED-4DB2-BD59-A6C34878D82A}">
-                    <a16:rowId xmlns:a16="http://schemas.microsoft.com/office/drawing/2014/main" val="1867797626"/>
+                    <a16:rowId xmlns:a16="http://schemas.microsoft.com/office/drawing/2014/main" val="3797401371"/>
                   </a:ext>
                 </a:extLst>
               </a:tr>
@@ -25983,7 +24205,7 @@
 </p:sld>
 </file>
 
-<file path=ppt/slides/slide6.xml><?xml version="1.0" encoding="utf-8"?>
+<file path=ppt/slides/slide5.xml><?xml version="1.0" encoding="utf-8"?>
 <p:sld xmlns:a="http://schemas.openxmlformats.org/drawingml/2006/main" xmlns:r="http://schemas.openxmlformats.org/officeDocument/2006/relationships" xmlns:p="http://schemas.openxmlformats.org/presentationml/2006/main">
   <p:cSld>
     <p:spTree>
@@ -26256,7 +24478,7 @@
         </p:nvSpPr>
         <p:spPr>
           <a:xfrm>
-            <a:off x="765313" y="3140765"/>
+            <a:off x="352936" y="2914740"/>
             <a:ext cx="3882986" cy="646331"/>
           </a:xfrm>
           <a:prstGeom prst="rect">
@@ -26312,7 +24534,7 @@
 </p:sld>
 </file>
 
-<file path=ppt/slides/slide7.xml><?xml version="1.0" encoding="utf-8"?>
+<file path=ppt/slides/slide6.xml><?xml version="1.0" encoding="utf-8"?>
 <p:sld xmlns:a="http://schemas.openxmlformats.org/drawingml/2006/main" xmlns:r="http://schemas.openxmlformats.org/officeDocument/2006/relationships" xmlns:p="http://schemas.openxmlformats.org/presentationml/2006/main">
   <p:cSld>
     <p:spTree>
@@ -26394,7 +24616,7 @@
         <p:spPr>
           <a:xfrm>
             <a:off x="721063" y="1521210"/>
-            <a:ext cx="2618024" cy="738664"/>
+            <a:ext cx="2705549" cy="923330"/>
           </a:xfrm>
           <a:prstGeom prst="rect">
             <a:avLst/>
@@ -26414,10 +24636,6 @@
             <a:endParaRPr lang="en-US" dirty="0"/>
           </a:p>
           <a:p>
-            <a:pPr marL="342900" indent="-342900">
-              <a:buFont typeface="+mj-lt"/>
-              <a:buAutoNum type="arabicPeriod" startAt="3"/>
-            </a:pPr>
             <a:r>
               <a:rPr lang="en-US" dirty="0" err="1"/>
               <a:t>zolando</a:t>
@@ -26436,10 +24654,6 @@
             </a:r>
           </a:p>
           <a:p>
-            <a:pPr marL="342900" indent="-342900">
-              <a:buFont typeface="+mj-lt"/>
-              <a:buAutoNum type="arabicPeriod" startAt="3"/>
-            </a:pPr>
             <a:r>
               <a:rPr lang="en-US" dirty="0" err="1"/>
               <a:t>Cloudnative-pg</a:t>
@@ -26448,66 +24662,6 @@
           </a:p>
         </p:txBody>
       </p:sp>
-      <p:pic>
-        <p:nvPicPr>
-          <p:cNvPr id="6" name="Рисунок 5">
-            <a:extLst>
-              <a:ext uri="{FF2B5EF4-FFF2-40B4-BE49-F238E27FC236}">
-                <a16:creationId xmlns:a16="http://schemas.microsoft.com/office/drawing/2014/main" id="{EBFE29DE-9B3C-7D4A-86A4-5A895D71F561}"/>
-              </a:ext>
-            </a:extLst>
-          </p:cNvPr>
-          <p:cNvPicPr>
-            <a:picLocks noChangeAspect="1"/>
-          </p:cNvPicPr>
-          <p:nvPr/>
-        </p:nvPicPr>
-        <p:blipFill>
-          <a:blip r:embed="rId5"/>
-          <a:stretch>
-            <a:fillRect/>
-          </a:stretch>
-        </p:blipFill>
-        <p:spPr>
-          <a:xfrm>
-            <a:off x="1972717" y="1055528"/>
-            <a:ext cx="659727" cy="742193"/>
-          </a:xfrm>
-          <a:prstGeom prst="rect">
-            <a:avLst/>
-          </a:prstGeom>
-        </p:spPr>
-      </p:pic>
-      <p:pic>
-        <p:nvPicPr>
-          <p:cNvPr id="10" name="Рисунок 9">
-            <a:extLst>
-              <a:ext uri="{FF2B5EF4-FFF2-40B4-BE49-F238E27FC236}">
-                <a16:creationId xmlns:a16="http://schemas.microsoft.com/office/drawing/2014/main" id="{6E6096EC-4F1B-F8D5-4C82-1E53FAE62386}"/>
-              </a:ext>
-            </a:extLst>
-          </p:cNvPr>
-          <p:cNvPicPr>
-            <a:picLocks noChangeAspect="1"/>
-          </p:cNvPicPr>
-          <p:nvPr/>
-        </p:nvPicPr>
-        <p:blipFill>
-          <a:blip r:embed="rId6"/>
-          <a:stretch>
-            <a:fillRect/>
-          </a:stretch>
-        </p:blipFill>
-        <p:spPr>
-          <a:xfrm>
-            <a:off x="2729981" y="1117201"/>
-            <a:ext cx="679657" cy="618845"/>
-          </a:xfrm>
-          <a:prstGeom prst="rect">
-            <a:avLst/>
-          </a:prstGeom>
-        </p:spPr>
-      </p:pic>
       <p:sp>
         <p:nvSpPr>
           <p:cNvPr id="8" name="TextBox 7">
@@ -26522,7 +24676,7 @@
         </p:nvSpPr>
         <p:spPr>
           <a:xfrm>
-            <a:off x="721063" y="2294949"/>
+            <a:off x="674342" y="2479389"/>
             <a:ext cx="3850937" cy="923330"/>
           </a:xfrm>
           <a:prstGeom prst="rect">
@@ -26576,36 +24730,6 @@
       </p:sp>
       <p:pic>
         <p:nvPicPr>
-          <p:cNvPr id="11" name="Рисунок 10">
-            <a:extLst>
-              <a:ext uri="{FF2B5EF4-FFF2-40B4-BE49-F238E27FC236}">
-                <a16:creationId xmlns:a16="http://schemas.microsoft.com/office/drawing/2014/main" id="{F22D6096-BC81-C02B-0896-9865599885BB}"/>
-              </a:ext>
-            </a:extLst>
-          </p:cNvPr>
-          <p:cNvPicPr>
-            <a:picLocks noChangeAspect="1"/>
-          </p:cNvPicPr>
-          <p:nvPr/>
-        </p:nvPicPr>
-        <p:blipFill>
-          <a:blip r:embed="rId7"/>
-          <a:stretch>
-            <a:fillRect/>
-          </a:stretch>
-        </p:blipFill>
-        <p:spPr>
-          <a:xfrm>
-            <a:off x="721063" y="2956244"/>
-            <a:ext cx="3257561" cy="1296261"/>
-          </a:xfrm>
-          <a:prstGeom prst="rect">
-            <a:avLst/>
-          </a:prstGeom>
-        </p:spPr>
-      </p:pic>
-      <p:pic>
-        <p:nvPicPr>
           <p:cNvPr id="12" name="Рисунок 11">
             <a:extLst>
               <a:ext uri="{FF2B5EF4-FFF2-40B4-BE49-F238E27FC236}">
@@ -26619,14 +24743,14 @@
           <p:nvPr/>
         </p:nvPicPr>
         <p:blipFill>
-          <a:blip r:embed="rId8"/>
+          <a:blip r:embed="rId5"/>
           <a:stretch>
             <a:fillRect/>
           </a:stretch>
         </p:blipFill>
         <p:spPr>
           <a:xfrm>
-            <a:off x="4449150" y="457741"/>
+            <a:off x="4202195" y="486040"/>
             <a:ext cx="4572000" cy="2360428"/>
           </a:xfrm>
           <a:prstGeom prst="rect">
@@ -26649,7 +24773,7 @@
           <p:nvPr/>
         </p:nvPicPr>
         <p:blipFill>
-          <a:blip r:embed="rId9">
+          <a:blip r:embed="rId6">
             <a:extLst>
               <a:ext uri="{28A0092B-C50C-407E-A947-70E740481C1C}">
                 <a14:useLocalDpi xmlns:a14="http://schemas.microsoft.com/office/drawing/2010/main" val="0"/>
@@ -26732,7 +24856,7 @@
 </p:sld>
 </file>
 
-<file path=ppt/slides/slide8.xml><?xml version="1.0" encoding="utf-8"?>
+<file path=ppt/slides/slide7.xml><?xml version="1.0" encoding="utf-8"?>
 <p:sld xmlns:a="http://schemas.openxmlformats.org/drawingml/2006/main" xmlns:r="http://schemas.openxmlformats.org/officeDocument/2006/relationships" xmlns:p="http://schemas.openxmlformats.org/presentationml/2006/main">
   <p:cSld>
     <p:spTree>
@@ -26955,7 +25079,7 @@
 </p:sld>
 </file>
 
-<file path=ppt/slides/slide9.xml><?xml version="1.0" encoding="utf-8"?>
+<file path=ppt/slides/slide8.xml><?xml version="1.0" encoding="utf-8"?>
 <p:sld xmlns:a="http://schemas.openxmlformats.org/drawingml/2006/main" xmlns:r="http://schemas.openxmlformats.org/officeDocument/2006/relationships" xmlns:p="http://schemas.openxmlformats.org/presentationml/2006/main">
   <p:cSld>
     <p:spTree>
@@ -27041,7 +25165,7 @@
           <p:nvPr>
             <p:extLst>
               <p:ext uri="{D42A27DB-BD31-4B8C-83A1-F6EECF244321}">
-                <p14:modId xmlns:p14="http://schemas.microsoft.com/office/powerpoint/2010/main" val="3664495091"/>
+                <p14:modId xmlns:p14="http://schemas.microsoft.com/office/powerpoint/2010/main" val="1172048080"/>
               </p:ext>
             </p:extLst>
           </p:nvPr>
@@ -27113,47 +25237,41 @@
                   </a:txBody>
                   <a:tcPr marL="198000" marR="91425" marT="68575" marB="68575">
                     <a:lnL w="9525" cap="flat" cmpd="sng">
-                      <a:solidFill>
-                        <a:srgbClr val="BFC1F0">
-                          <a:alpha val="0"/>
-                        </a:srgbClr>
-                      </a:solidFill>
+                      <a:noFill/>
                       <a:prstDash val="solid"/>
                       <a:round/>
                       <a:headEnd type="none" w="sm" len="sm"/>
                       <a:tailEnd type="none" w="sm" len="sm"/>
                     </a:lnL>
                     <a:lnR w="9525" cap="flat" cmpd="sng">
-                      <a:solidFill>
-                        <a:schemeClr val="lt1">
-                          <a:alpha val="0"/>
-                        </a:schemeClr>
-                      </a:solidFill>
+                      <a:noFill/>
                       <a:prstDash val="solid"/>
                       <a:round/>
                       <a:headEnd type="none" w="sm" len="sm"/>
                       <a:tailEnd type="none" w="sm" len="sm"/>
                     </a:lnR>
                     <a:lnT w="9525" cap="flat" cmpd="sng">
-                      <a:solidFill>
-                        <a:srgbClr val="BFC1F0">
-                          <a:alpha val="0"/>
-                        </a:srgbClr>
-                      </a:solidFill>
+                      <a:noFill/>
                       <a:prstDash val="solid"/>
                       <a:round/>
                       <a:headEnd type="none" w="sm" len="sm"/>
                       <a:tailEnd type="none" w="sm" len="sm"/>
                     </a:lnT>
                     <a:lnB w="9525" cap="flat" cmpd="sng">
-                      <a:solidFill>
-                        <a:srgbClr val="BFC1F0"/>
-                      </a:solidFill>
+                      <a:noFill/>
                       <a:prstDash val="solid"/>
                       <a:round/>
                       <a:headEnd type="none" w="sm" len="sm"/>
                       <a:tailEnd type="none" w="sm" len="sm"/>
                     </a:lnB>
+                    <a:lnTlToBr w="12700" cmpd="sng">
+                      <a:noFill/>
+                      <a:prstDash val="solid"/>
+                    </a:lnTlToBr>
+                    <a:lnBlToTr w="12700" cmpd="sng">
+                      <a:noFill/>
+                      <a:prstDash val="solid"/>
+                    </a:lnBlToTr>
                   </a:tcPr>
                 </a:tc>
                 <a:tc>
@@ -27204,47 +25322,41 @@
                   </a:txBody>
                   <a:tcPr marL="198000" marR="91425" marT="68575" marB="68575">
                     <a:lnL w="9525" cap="flat" cmpd="sng">
-                      <a:solidFill>
-                        <a:schemeClr val="lt1">
-                          <a:alpha val="0"/>
-                        </a:schemeClr>
-                      </a:solidFill>
+                      <a:noFill/>
                       <a:prstDash val="solid"/>
                       <a:round/>
                       <a:headEnd type="none" w="sm" len="sm"/>
                       <a:tailEnd type="none" w="sm" len="sm"/>
                     </a:lnL>
                     <a:lnR w="9525" cap="flat" cmpd="sng">
-                      <a:solidFill>
-                        <a:srgbClr val="BFC1F0">
-                          <a:alpha val="0"/>
-                        </a:srgbClr>
-                      </a:solidFill>
+                      <a:noFill/>
                       <a:prstDash val="solid"/>
                       <a:round/>
                       <a:headEnd type="none" w="sm" len="sm"/>
                       <a:tailEnd type="none" w="sm" len="sm"/>
                     </a:lnR>
                     <a:lnT w="9525" cap="flat" cmpd="sng">
-                      <a:solidFill>
-                        <a:srgbClr val="BFC1F0">
-                          <a:alpha val="0"/>
-                        </a:srgbClr>
-                      </a:solidFill>
+                      <a:noFill/>
                       <a:prstDash val="solid"/>
                       <a:round/>
                       <a:headEnd type="none" w="sm" len="sm"/>
                       <a:tailEnd type="none" w="sm" len="sm"/>
                     </a:lnT>
                     <a:lnB w="9525" cap="flat" cmpd="sng">
-                      <a:solidFill>
-                        <a:srgbClr val="BFC1F0"/>
-                      </a:solidFill>
+                      <a:noFill/>
                       <a:prstDash val="solid"/>
                       <a:round/>
                       <a:headEnd type="none" w="sm" len="sm"/>
                       <a:tailEnd type="none" w="sm" len="sm"/>
                     </a:lnB>
+                    <a:lnTlToBr w="12700" cmpd="sng">
+                      <a:noFill/>
+                      <a:prstDash val="solid"/>
+                    </a:lnTlToBr>
+                    <a:lnBlToTr w="12700" cmpd="sng">
+                      <a:noFill/>
+                      <a:prstDash val="solid"/>
+                    </a:lnBlToTr>
                   </a:tcPr>
                 </a:tc>
                 <a:extLst>
@@ -27293,45 +25405,41 @@
                   </a:txBody>
                   <a:tcPr marL="198000" marR="91425" marT="68575" marB="68575">
                     <a:lnL w="9525" cap="flat" cmpd="sng">
-                      <a:solidFill>
-                        <a:srgbClr val="BFC1F0">
-                          <a:alpha val="0"/>
-                        </a:srgbClr>
-                      </a:solidFill>
+                      <a:noFill/>
                       <a:prstDash val="solid"/>
                       <a:round/>
                       <a:headEnd type="none" w="sm" len="sm"/>
                       <a:tailEnd type="none" w="sm" len="sm"/>
                     </a:lnL>
                     <a:lnR w="9525" cap="flat" cmpd="sng">
-                      <a:solidFill>
-                        <a:schemeClr val="lt1">
-                          <a:alpha val="0"/>
-                        </a:schemeClr>
-                      </a:solidFill>
+                      <a:noFill/>
                       <a:prstDash val="solid"/>
                       <a:round/>
                       <a:headEnd type="none" w="sm" len="sm"/>
                       <a:tailEnd type="none" w="sm" len="sm"/>
                     </a:lnR>
                     <a:lnT w="9525" cap="flat" cmpd="sng">
-                      <a:solidFill>
-                        <a:srgbClr val="BFC1F0"/>
-                      </a:solidFill>
+                      <a:noFill/>
                       <a:prstDash val="solid"/>
                       <a:round/>
                       <a:headEnd type="none" w="sm" len="sm"/>
                       <a:tailEnd type="none" w="sm" len="sm"/>
                     </a:lnT>
                     <a:lnB w="9525" cap="flat" cmpd="sng">
-                      <a:solidFill>
-                        <a:srgbClr val="BFC1F0"/>
-                      </a:solidFill>
+                      <a:noFill/>
                       <a:prstDash val="solid"/>
                       <a:round/>
                       <a:headEnd type="none" w="sm" len="sm"/>
                       <a:tailEnd type="none" w="sm" len="sm"/>
                     </a:lnB>
+                    <a:lnTlToBr w="12700" cmpd="sng">
+                      <a:noFill/>
+                      <a:prstDash val="solid"/>
+                    </a:lnTlToBr>
+                    <a:lnBlToTr w="12700" cmpd="sng">
+                      <a:noFill/>
+                      <a:prstDash val="solid"/>
+                    </a:lnBlToTr>
                   </a:tcPr>
                 </a:tc>
                 <a:tc>
@@ -27408,45 +25516,41 @@
                   </a:txBody>
                   <a:tcPr marL="198000" marR="91425" marT="68575" marB="68575">
                     <a:lnL w="9525" cap="flat" cmpd="sng">
-                      <a:solidFill>
-                        <a:schemeClr val="lt1">
-                          <a:alpha val="0"/>
-                        </a:schemeClr>
-                      </a:solidFill>
+                      <a:noFill/>
                       <a:prstDash val="solid"/>
                       <a:round/>
                       <a:headEnd type="none" w="sm" len="sm"/>
                       <a:tailEnd type="none" w="sm" len="sm"/>
                     </a:lnL>
                     <a:lnR w="9525" cap="flat" cmpd="sng">
-                      <a:solidFill>
-                        <a:srgbClr val="BFC1F0">
-                          <a:alpha val="0"/>
-                        </a:srgbClr>
-                      </a:solidFill>
+                      <a:noFill/>
                       <a:prstDash val="solid"/>
                       <a:round/>
                       <a:headEnd type="none" w="sm" len="sm"/>
                       <a:tailEnd type="none" w="sm" len="sm"/>
                     </a:lnR>
                     <a:lnT w="9525" cap="flat" cmpd="sng">
-                      <a:solidFill>
-                        <a:srgbClr val="BFC1F0"/>
-                      </a:solidFill>
+                      <a:noFill/>
                       <a:prstDash val="solid"/>
                       <a:round/>
                       <a:headEnd type="none" w="sm" len="sm"/>
                       <a:tailEnd type="none" w="sm" len="sm"/>
                     </a:lnT>
                     <a:lnB w="9525" cap="flat" cmpd="sng">
-                      <a:solidFill>
-                        <a:srgbClr val="BFC1F0"/>
-                      </a:solidFill>
+                      <a:noFill/>
                       <a:prstDash val="solid"/>
                       <a:round/>
                       <a:headEnd type="none" w="sm" len="sm"/>
                       <a:tailEnd type="none" w="sm" len="sm"/>
                     </a:lnB>
+                    <a:lnTlToBr w="12700" cmpd="sng">
+                      <a:noFill/>
+                      <a:prstDash val="solid"/>
+                    </a:lnTlToBr>
+                    <a:lnBlToTr w="12700" cmpd="sng">
+                      <a:noFill/>
+                      <a:prstDash val="solid"/>
+                    </a:lnBlToTr>
                   </a:tcPr>
                 </a:tc>
                 <a:extLst>
@@ -27495,45 +25599,41 @@
                   </a:txBody>
                   <a:tcPr marL="198000" marR="91425" marT="68575" marB="68575">
                     <a:lnL w="9525" cap="flat" cmpd="sng">
-                      <a:solidFill>
-                        <a:srgbClr val="BFC1F0">
-                          <a:alpha val="0"/>
-                        </a:srgbClr>
-                      </a:solidFill>
+                      <a:noFill/>
                       <a:prstDash val="solid"/>
                       <a:round/>
                       <a:headEnd type="none" w="sm" len="sm"/>
                       <a:tailEnd type="none" w="sm" len="sm"/>
                     </a:lnL>
                     <a:lnR w="9525" cap="flat" cmpd="sng">
-                      <a:solidFill>
-                        <a:schemeClr val="lt1">
-                          <a:alpha val="0"/>
-                        </a:schemeClr>
-                      </a:solidFill>
+                      <a:noFill/>
                       <a:prstDash val="solid"/>
                       <a:round/>
                       <a:headEnd type="none" w="sm" len="sm"/>
                       <a:tailEnd type="none" w="sm" len="sm"/>
                     </a:lnR>
                     <a:lnT w="9525" cap="flat" cmpd="sng">
-                      <a:solidFill>
-                        <a:srgbClr val="BFC1F0"/>
-                      </a:solidFill>
+                      <a:noFill/>
                       <a:prstDash val="solid"/>
                       <a:round/>
                       <a:headEnd type="none" w="sm" len="sm"/>
                       <a:tailEnd type="none" w="sm" len="sm"/>
                     </a:lnT>
                     <a:lnB w="9525" cap="flat" cmpd="sng" algn="ctr">
-                      <a:solidFill>
-                        <a:srgbClr val="BFC1F0"/>
-                      </a:solidFill>
+                      <a:noFill/>
                       <a:prstDash val="solid"/>
                       <a:round/>
                       <a:headEnd type="none" w="sm" len="sm"/>
                       <a:tailEnd type="none" w="sm" len="sm"/>
                     </a:lnB>
+                    <a:lnTlToBr w="12700" cmpd="sng">
+                      <a:noFill/>
+                      <a:prstDash val="solid"/>
+                    </a:lnTlToBr>
+                    <a:lnBlToTr w="12700" cmpd="sng">
+                      <a:noFill/>
+                      <a:prstDash val="solid"/>
+                    </a:lnBlToTr>
                   </a:tcPr>
                 </a:tc>
                 <a:tc>
@@ -27608,45 +25708,41 @@
                   </a:txBody>
                   <a:tcPr marL="198000" marR="91425" marT="68575" marB="68575">
                     <a:lnL w="9525" cap="flat" cmpd="sng">
-                      <a:solidFill>
-                        <a:schemeClr val="lt1">
-                          <a:alpha val="0"/>
-                        </a:schemeClr>
-                      </a:solidFill>
+                      <a:noFill/>
                       <a:prstDash val="solid"/>
                       <a:round/>
                       <a:headEnd type="none" w="sm" len="sm"/>
                       <a:tailEnd type="none" w="sm" len="sm"/>
                     </a:lnL>
                     <a:lnR w="9525" cap="flat" cmpd="sng">
-                      <a:solidFill>
-                        <a:srgbClr val="BFC1F0">
-                          <a:alpha val="0"/>
-                        </a:srgbClr>
-                      </a:solidFill>
+                      <a:noFill/>
                       <a:prstDash val="solid"/>
                       <a:round/>
                       <a:headEnd type="none" w="sm" len="sm"/>
                       <a:tailEnd type="none" w="sm" len="sm"/>
                     </a:lnR>
                     <a:lnT w="9525" cap="flat" cmpd="sng">
-                      <a:solidFill>
-                        <a:srgbClr val="BFC1F0"/>
-                      </a:solidFill>
+                      <a:noFill/>
                       <a:prstDash val="solid"/>
                       <a:round/>
                       <a:headEnd type="none" w="sm" len="sm"/>
                       <a:tailEnd type="none" w="sm" len="sm"/>
                     </a:lnT>
                     <a:lnB w="9525" cap="flat" cmpd="sng" algn="ctr">
-                      <a:solidFill>
-                        <a:srgbClr val="BFC1F0"/>
-                      </a:solidFill>
+                      <a:noFill/>
                       <a:prstDash val="solid"/>
                       <a:round/>
                       <a:headEnd type="none" w="sm" len="sm"/>
                       <a:tailEnd type="none" w="sm" len="sm"/>
                     </a:lnB>
+                    <a:lnTlToBr w="12700" cmpd="sng">
+                      <a:noFill/>
+                      <a:prstDash val="solid"/>
+                    </a:lnTlToBr>
+                    <a:lnBlToTr w="12700" cmpd="sng">
+                      <a:noFill/>
+                      <a:prstDash val="solid"/>
+                    </a:lnBlToTr>
                   </a:tcPr>
                 </a:tc>
                 <a:extLst>
@@ -27660,6 +25756,859 @@
         </a:graphic>
       </p:graphicFrame>
     </p:spTree>
+  </p:cSld>
+  <p:clrMapOvr>
+    <a:masterClrMapping/>
+  </p:clrMapOvr>
+</p:sld>
+</file>
+
+<file path=ppt/slides/slide9.xml><?xml version="1.0" encoding="utf-8"?>
+<p:sld xmlns:a="http://schemas.openxmlformats.org/drawingml/2006/main" xmlns:r="http://schemas.openxmlformats.org/officeDocument/2006/relationships" xmlns:p="http://schemas.openxmlformats.org/presentationml/2006/main">
+  <p:cSld>
+    <p:spTree>
+      <p:nvGrpSpPr>
+        <p:cNvPr id="1" name="Shape 140">
+          <a:extLst>
+            <a:ext uri="{FF2B5EF4-FFF2-40B4-BE49-F238E27FC236}">
+              <a16:creationId xmlns:a16="http://schemas.microsoft.com/office/drawing/2014/main" id="{FC11C428-A029-6201-5D6C-76E09FB01C6F}"/>
+            </a:ext>
+          </a:extLst>
+        </p:cNvPr>
+        <p:cNvGrpSpPr/>
+        <p:nvPr/>
+      </p:nvGrpSpPr>
+      <p:grpSpPr>
+        <a:xfrm>
+          <a:off x="0" y="0"/>
+          <a:ext cx="0" cy="0"/>
+          <a:chOff x="0" y="0"/>
+          <a:chExt cx="0" cy="0"/>
+        </a:xfrm>
+      </p:grpSpPr>
+      <p:sp>
+        <p:nvSpPr>
+          <p:cNvPr id="141" name="Google Shape;141;p25">
+            <a:extLst>
+              <a:ext uri="{FF2B5EF4-FFF2-40B4-BE49-F238E27FC236}">
+                <a16:creationId xmlns:a16="http://schemas.microsoft.com/office/drawing/2014/main" id="{D5B68C51-DF7A-58FE-3181-6C7B57EEF8E5}"/>
+              </a:ext>
+            </a:extLst>
+          </p:cNvPr>
+          <p:cNvSpPr txBox="1">
+            <a:spLocks noGrp="1"/>
+          </p:cNvSpPr>
+          <p:nvPr>
+            <p:ph type="title"/>
+          </p:nvPr>
+        </p:nvSpPr>
+        <p:spPr>
+          <a:prstGeom prst="rect">
+            <a:avLst/>
+          </a:prstGeom>
+        </p:spPr>
+        <p:txBody>
+          <a:bodyPr spcFirstLastPara="1" wrap="square" lIns="91425" tIns="91425" rIns="91425" bIns="91425" anchor="t" anchorCtr="0">
+            <a:noAutofit/>
+          </a:bodyPr>
+          <a:lstStyle/>
+          <a:p>
+            <a:pPr marL="0" lvl="0" indent="0" algn="l" rtl="0">
+              <a:spcBef>
+                <a:spcPts val="0"/>
+              </a:spcBef>
+              <a:spcAft>
+                <a:spcPts val="0"/>
+              </a:spcAft>
+              <a:buNone/>
+            </a:pPr>
+            <a:r>
+              <a:rPr lang="ru-RU" sz="3400" dirty="0"/>
+              <a:t>Проработка конфигурации </a:t>
+            </a:r>
+            <a:br>
+              <a:rPr lang="en-US" sz="3400" dirty="0"/>
+            </a:br>
+            <a:r>
+              <a:rPr lang="ru-RU" sz="3400" dirty="0"/>
+              <a:t>для среды </a:t>
+            </a:r>
+            <a:r>
+              <a:rPr lang="en-US" sz="3400" dirty="0"/>
+              <a:t>Stage</a:t>
+            </a:r>
+            <a:endParaRPr sz="3000" dirty="0"/>
+          </a:p>
+          <a:p>
+            <a:pPr marL="0" lvl="0" indent="0" algn="l" rtl="0">
+              <a:spcBef>
+                <a:spcPts val="0"/>
+              </a:spcBef>
+              <a:spcAft>
+                <a:spcPts val="0"/>
+              </a:spcAft>
+              <a:buNone/>
+            </a:pPr>
+            <a:endParaRPr sz="3000" dirty="0"/>
+          </a:p>
+        </p:txBody>
+      </p:sp>
+      <p:graphicFrame>
+        <p:nvGraphicFramePr>
+          <p:cNvPr id="142" name="Google Shape;142;p25">
+            <a:extLst>
+              <a:ext uri="{FF2B5EF4-FFF2-40B4-BE49-F238E27FC236}">
+                <a16:creationId xmlns:a16="http://schemas.microsoft.com/office/drawing/2014/main" id="{4EF9AF74-6840-94AE-4449-C2CF144BA99B}"/>
+              </a:ext>
+            </a:extLst>
+          </p:cNvPr>
+          <p:cNvGraphicFramePr/>
+          <p:nvPr>
+            <p:extLst>
+              <p:ext uri="{D42A27DB-BD31-4B8C-83A1-F6EECF244321}">
+                <p14:modId xmlns:p14="http://schemas.microsoft.com/office/powerpoint/2010/main" val="711212669"/>
+              </p:ext>
+            </p:extLst>
+          </p:nvPr>
+        </p:nvGraphicFramePr>
+        <p:xfrm>
+          <a:off x="952500" y="1544194"/>
+          <a:ext cx="7239000" cy="1640548"/>
+        </p:xfrm>
+        <a:graphic>
+          <a:graphicData uri="http://schemas.openxmlformats.org/drawingml/2006/table">
+            <a:tbl>
+              <a:tblPr>
+                <a:noFill/>
+                <a:tableStyleId>{EC9CA412-B8C5-42E1-A6F7-76260C2D6D12}</a:tableStyleId>
+              </a:tblPr>
+              <a:tblGrid>
+                <a:gridCol w="489425">
+                  <a:extLst>
+                    <a:ext uri="{9D8B030D-6E8A-4147-A177-3AD203B41FA5}">
+                      <a16:colId xmlns:a16="http://schemas.microsoft.com/office/drawing/2014/main" val="20000"/>
+                    </a:ext>
+                  </a:extLst>
+                </a:gridCol>
+                <a:gridCol w="6749575">
+                  <a:extLst>
+                    <a:ext uri="{9D8B030D-6E8A-4147-A177-3AD203B41FA5}">
+                      <a16:colId xmlns:a16="http://schemas.microsoft.com/office/drawing/2014/main" val="20001"/>
+                    </a:ext>
+                  </a:extLst>
+                </a:gridCol>
+              </a:tblGrid>
+              <a:tr h="285750">
+                <a:tc>
+                  <a:txBody>
+                    <a:bodyPr/>
+                    <a:lstStyle/>
+                    <a:p>
+                      <a:pPr marL="0" lvl="0" indent="0" algn="l" rtl="0">
+                        <a:spcBef>
+                          <a:spcPts val="0"/>
+                        </a:spcBef>
+                        <a:spcAft>
+                          <a:spcPts val="0"/>
+                        </a:spcAft>
+                        <a:buNone/>
+                      </a:pPr>
+                      <a:r>
+                        <a:rPr lang="ru" sz="1300" b="1">
+                          <a:solidFill>
+                            <a:srgbClr val="013D85"/>
+                          </a:solidFill>
+                          <a:latin typeface="Roboto"/>
+                          <a:ea typeface="Roboto"/>
+                          <a:cs typeface="Roboto"/>
+                          <a:sym typeface="Roboto"/>
+                        </a:rPr>
+                        <a:t>1.</a:t>
+                      </a:r>
+                      <a:endParaRPr sz="1300" b="1">
+                        <a:solidFill>
+                          <a:srgbClr val="013D85"/>
+                        </a:solidFill>
+                        <a:latin typeface="Roboto"/>
+                        <a:ea typeface="Roboto"/>
+                        <a:cs typeface="Roboto"/>
+                        <a:sym typeface="Roboto"/>
+                      </a:endParaRPr>
+                    </a:p>
+                  </a:txBody>
+                  <a:tcPr marL="198000" marR="91425" marT="68575" marB="68575">
+                    <a:lnL w="9525" cap="flat" cmpd="sng">
+                      <a:noFill/>
+                      <a:prstDash val="solid"/>
+                      <a:round/>
+                      <a:headEnd type="none" w="sm" len="sm"/>
+                      <a:tailEnd type="none" w="sm" len="sm"/>
+                    </a:lnL>
+                    <a:lnR w="9525" cap="flat" cmpd="sng">
+                      <a:noFill/>
+                      <a:prstDash val="solid"/>
+                      <a:round/>
+                      <a:headEnd type="none" w="sm" len="sm"/>
+                      <a:tailEnd type="none" w="sm" len="sm"/>
+                    </a:lnR>
+                    <a:lnT w="9525" cap="flat" cmpd="sng">
+                      <a:noFill/>
+                      <a:prstDash val="solid"/>
+                      <a:round/>
+                      <a:headEnd type="none" w="sm" len="sm"/>
+                      <a:tailEnd type="none" w="sm" len="sm"/>
+                    </a:lnT>
+                    <a:lnB w="9525" cap="flat" cmpd="sng">
+                      <a:noFill/>
+                      <a:prstDash val="solid"/>
+                      <a:round/>
+                      <a:headEnd type="none" w="sm" len="sm"/>
+                      <a:tailEnd type="none" w="sm" len="sm"/>
+                    </a:lnB>
+                    <a:lnTlToBr w="12700" cmpd="sng">
+                      <a:noFill/>
+                      <a:prstDash val="solid"/>
+                    </a:lnTlToBr>
+                    <a:lnBlToTr w="12700" cmpd="sng">
+                      <a:noFill/>
+                      <a:prstDash val="solid"/>
+                    </a:lnBlToTr>
+                  </a:tcPr>
+                </a:tc>
+                <a:tc>
+                  <a:txBody>
+                    <a:bodyPr/>
+                    <a:lstStyle/>
+                    <a:p>
+                      <a:pPr marL="0" lvl="0" indent="0" algn="l" rtl="0">
+                        <a:lnSpc>
+                          <a:spcPct val="115000"/>
+                        </a:lnSpc>
+                        <a:spcBef>
+                          <a:spcPts val="0"/>
+                        </a:spcBef>
+                        <a:spcAft>
+                          <a:spcPts val="0"/>
+                        </a:spcAft>
+                        <a:buNone/>
+                      </a:pPr>
+                      <a:r>
+                        <a:rPr lang="ru-RU" sz="1300" dirty="0">
+                          <a:latin typeface="Roboto"/>
+                          <a:ea typeface="Roboto"/>
+                          <a:cs typeface="Roboto"/>
+                          <a:sym typeface="Roboto"/>
+                        </a:rPr>
+                        <a:t>В условиях ограниченных ресурсов избавляемся от лишних </a:t>
+                      </a:r>
+                      <a:r>
+                        <a:rPr lang="en-US" sz="1300" dirty="0">
+                          <a:latin typeface="Roboto"/>
+                          <a:ea typeface="Roboto"/>
+                          <a:cs typeface="Roboto"/>
+                          <a:sym typeface="Roboto"/>
+                        </a:rPr>
+                        <a:t>LB </a:t>
+                      </a:r>
+                      <a:r>
+                        <a:rPr lang="ru-RU" sz="1300" dirty="0">
+                          <a:latin typeface="Roboto"/>
+                          <a:ea typeface="Roboto"/>
+                          <a:cs typeface="Roboto"/>
+                          <a:sym typeface="Roboto"/>
+                        </a:rPr>
+                        <a:t>и </a:t>
+                      </a:r>
+                      <a:r>
+                        <a:rPr lang="en-US" sz="1300" dirty="0">
+                          <a:latin typeface="Roboto"/>
+                          <a:ea typeface="Roboto"/>
+                          <a:cs typeface="Roboto"/>
+                          <a:sym typeface="Roboto"/>
+                        </a:rPr>
+                        <a:t>VIP-</a:t>
+                      </a:r>
+                      <a:r>
+                        <a:rPr lang="ru-RU" sz="1300" dirty="0">
+                          <a:latin typeface="Roboto"/>
+                          <a:ea typeface="Roboto"/>
+                          <a:cs typeface="Roboto"/>
+                          <a:sym typeface="Roboto"/>
+                        </a:rPr>
+                        <a:t>мастера</a:t>
+                      </a:r>
+                    </a:p>
+                  </a:txBody>
+                  <a:tcPr marL="198000" marR="91425" marT="68575" marB="68575">
+                    <a:lnL w="9525" cap="flat" cmpd="sng">
+                      <a:noFill/>
+                      <a:prstDash val="solid"/>
+                      <a:round/>
+                      <a:headEnd type="none" w="sm" len="sm"/>
+                      <a:tailEnd type="none" w="sm" len="sm"/>
+                    </a:lnL>
+                    <a:lnR w="9525" cap="flat" cmpd="sng">
+                      <a:noFill/>
+                      <a:prstDash val="solid"/>
+                      <a:round/>
+                      <a:headEnd type="none" w="sm" len="sm"/>
+                      <a:tailEnd type="none" w="sm" len="sm"/>
+                    </a:lnR>
+                    <a:lnT w="9525" cap="flat" cmpd="sng">
+                      <a:noFill/>
+                      <a:prstDash val="solid"/>
+                      <a:round/>
+                      <a:headEnd type="none" w="sm" len="sm"/>
+                      <a:tailEnd type="none" w="sm" len="sm"/>
+                    </a:lnT>
+                    <a:lnB w="9525" cap="flat" cmpd="sng">
+                      <a:noFill/>
+                      <a:prstDash val="solid"/>
+                      <a:round/>
+                      <a:headEnd type="none" w="sm" len="sm"/>
+                      <a:tailEnd type="none" w="sm" len="sm"/>
+                    </a:lnB>
+                    <a:lnTlToBr w="12700" cmpd="sng">
+                      <a:noFill/>
+                      <a:prstDash val="solid"/>
+                    </a:lnTlToBr>
+                    <a:lnBlToTr w="12700" cmpd="sng">
+                      <a:noFill/>
+                      <a:prstDash val="solid"/>
+                    </a:lnBlToTr>
+                  </a:tcPr>
+                </a:tc>
+                <a:extLst>
+                  <a:ext uri="{0D108BD9-81ED-4DB2-BD59-A6C34878D82A}">
+                    <a16:rowId xmlns:a16="http://schemas.microsoft.com/office/drawing/2014/main" val="10000"/>
+                  </a:ext>
+                </a:extLst>
+              </a:tr>
+              <a:tr h="285750">
+                <a:tc>
+                  <a:txBody>
+                    <a:bodyPr/>
+                    <a:lstStyle/>
+                    <a:p>
+                      <a:pPr marL="0" lvl="0" indent="0" algn="l" rtl="0">
+                        <a:spcBef>
+                          <a:spcPts val="0"/>
+                        </a:spcBef>
+                        <a:spcAft>
+                          <a:spcPts val="0"/>
+                        </a:spcAft>
+                        <a:buNone/>
+                      </a:pPr>
+                      <a:r>
+                        <a:rPr lang="ru" sz="1300" b="1">
+                          <a:solidFill>
+                            <a:srgbClr val="013D85"/>
+                          </a:solidFill>
+                          <a:latin typeface="Roboto"/>
+                          <a:ea typeface="Roboto"/>
+                          <a:cs typeface="Roboto"/>
+                          <a:sym typeface="Roboto"/>
+                        </a:rPr>
+                        <a:t>2.</a:t>
+                      </a:r>
+                      <a:endParaRPr sz="1300" b="1">
+                        <a:solidFill>
+                          <a:srgbClr val="013D85"/>
+                        </a:solidFill>
+                        <a:latin typeface="Roboto"/>
+                        <a:ea typeface="Roboto"/>
+                        <a:cs typeface="Roboto"/>
+                        <a:sym typeface="Roboto"/>
+                      </a:endParaRPr>
+                    </a:p>
+                  </a:txBody>
+                  <a:tcPr marL="198000" marR="91425" marT="68575" marB="68575">
+                    <a:lnL w="9525" cap="flat" cmpd="sng">
+                      <a:noFill/>
+                      <a:prstDash val="solid"/>
+                      <a:round/>
+                      <a:headEnd type="none" w="sm" len="sm"/>
+                      <a:tailEnd type="none" w="sm" len="sm"/>
+                    </a:lnL>
+                    <a:lnR w="9525" cap="flat" cmpd="sng">
+                      <a:noFill/>
+                      <a:prstDash val="solid"/>
+                      <a:round/>
+                      <a:headEnd type="none" w="sm" len="sm"/>
+                      <a:tailEnd type="none" w="sm" len="sm"/>
+                    </a:lnR>
+                    <a:lnT w="9525" cap="flat" cmpd="sng">
+                      <a:noFill/>
+                      <a:prstDash val="solid"/>
+                      <a:round/>
+                      <a:headEnd type="none" w="sm" len="sm"/>
+                      <a:tailEnd type="none" w="sm" len="sm"/>
+                    </a:lnT>
+                    <a:lnB w="9525" cap="flat" cmpd="sng">
+                      <a:noFill/>
+                      <a:prstDash val="solid"/>
+                      <a:round/>
+                      <a:headEnd type="none" w="sm" len="sm"/>
+                      <a:tailEnd type="none" w="sm" len="sm"/>
+                    </a:lnB>
+                    <a:lnTlToBr w="12700" cmpd="sng">
+                      <a:noFill/>
+                      <a:prstDash val="solid"/>
+                    </a:lnTlToBr>
+                    <a:lnBlToTr w="12700" cmpd="sng">
+                      <a:noFill/>
+                      <a:prstDash val="solid"/>
+                    </a:lnBlToTr>
+                  </a:tcPr>
+                </a:tc>
+                <a:tc>
+                  <a:txBody>
+                    <a:bodyPr/>
+                    <a:lstStyle/>
+                    <a:p>
+                      <a:pPr marL="0" marR="0" lvl="0" indent="0" algn="l" defTabSz="914400" rtl="0" eaLnBrk="1" fontAlgn="auto" latinLnBrk="0" hangingPunct="1">
+                        <a:lnSpc>
+                          <a:spcPct val="115000"/>
+                        </a:lnSpc>
+                        <a:spcBef>
+                          <a:spcPts val="0"/>
+                        </a:spcBef>
+                        <a:spcAft>
+                          <a:spcPts val="0"/>
+                        </a:spcAft>
+                        <a:buClr>
+                          <a:srgbClr val="000000"/>
+                        </a:buClr>
+                        <a:buSzTx/>
+                        <a:buFont typeface="Arial"/>
+                        <a:buNone/>
+                        <a:tabLst/>
+                        <a:defRPr/>
+                      </a:pPr>
+                      <a:r>
+                        <a:rPr lang="ru-RU" sz="1400" b="0" i="0" u="none" strike="noStrike" cap="none" dirty="0">
+                          <a:solidFill>
+                            <a:srgbClr val="000000"/>
+                          </a:solidFill>
+                          <a:effectLst/>
+                          <a:latin typeface="Arial"/>
+                          <a:ea typeface="Arial"/>
+                          <a:cs typeface="Arial"/>
+                          <a:sym typeface="Arial"/>
+                        </a:rPr>
+                        <a:t>Учитываем отсутствие требований к долговечности</a:t>
+                      </a:r>
+                      <a:endParaRPr sz="1300" dirty="0">
+                        <a:latin typeface="Roboto"/>
+                        <a:ea typeface="Roboto"/>
+                        <a:cs typeface="Roboto"/>
+                        <a:sym typeface="Roboto"/>
+                      </a:endParaRPr>
+                    </a:p>
+                  </a:txBody>
+                  <a:tcPr marL="198000" marR="91425" marT="68575" marB="68575">
+                    <a:lnL w="9525" cap="flat" cmpd="sng">
+                      <a:noFill/>
+                      <a:prstDash val="solid"/>
+                      <a:round/>
+                      <a:headEnd type="none" w="sm" len="sm"/>
+                      <a:tailEnd type="none" w="sm" len="sm"/>
+                    </a:lnL>
+                    <a:lnR w="9525" cap="flat" cmpd="sng">
+                      <a:noFill/>
+                      <a:prstDash val="solid"/>
+                      <a:round/>
+                      <a:headEnd type="none" w="sm" len="sm"/>
+                      <a:tailEnd type="none" w="sm" len="sm"/>
+                    </a:lnR>
+                    <a:lnT w="9525" cap="flat" cmpd="sng">
+                      <a:noFill/>
+                      <a:prstDash val="solid"/>
+                      <a:round/>
+                      <a:headEnd type="none" w="sm" len="sm"/>
+                      <a:tailEnd type="none" w="sm" len="sm"/>
+                    </a:lnT>
+                    <a:lnB w="9525" cap="flat" cmpd="sng">
+                      <a:noFill/>
+                      <a:prstDash val="solid"/>
+                      <a:round/>
+                      <a:headEnd type="none" w="sm" len="sm"/>
+                      <a:tailEnd type="none" w="sm" len="sm"/>
+                    </a:lnB>
+                    <a:lnTlToBr w="12700" cmpd="sng">
+                      <a:noFill/>
+                      <a:prstDash val="solid"/>
+                    </a:lnTlToBr>
+                    <a:lnBlToTr w="12700" cmpd="sng">
+                      <a:noFill/>
+                      <a:prstDash val="solid"/>
+                    </a:lnBlToTr>
+                  </a:tcPr>
+                </a:tc>
+                <a:extLst>
+                  <a:ext uri="{0D108BD9-81ED-4DB2-BD59-A6C34878D82A}">
+                    <a16:rowId xmlns:a16="http://schemas.microsoft.com/office/drawing/2014/main" val="10001"/>
+                  </a:ext>
+                </a:extLst>
+              </a:tr>
+              <a:tr h="285750">
+                <a:tc>
+                  <a:txBody>
+                    <a:bodyPr/>
+                    <a:lstStyle/>
+                    <a:p>
+                      <a:pPr marL="0" lvl="0" indent="0" algn="l" rtl="0">
+                        <a:spcBef>
+                          <a:spcPts val="0"/>
+                        </a:spcBef>
+                        <a:spcAft>
+                          <a:spcPts val="0"/>
+                        </a:spcAft>
+                        <a:buNone/>
+                      </a:pPr>
+                      <a:r>
+                        <a:rPr lang="ru" sz="1300" b="1" dirty="0">
+                          <a:solidFill>
+                            <a:srgbClr val="013D85"/>
+                          </a:solidFill>
+                          <a:latin typeface="Roboto"/>
+                          <a:ea typeface="Roboto"/>
+                          <a:cs typeface="Roboto"/>
+                          <a:sym typeface="Roboto"/>
+                        </a:rPr>
+                        <a:t>3.</a:t>
+                      </a:r>
+                      <a:endParaRPr sz="1300" b="1" dirty="0">
+                        <a:solidFill>
+                          <a:srgbClr val="013D85"/>
+                        </a:solidFill>
+                        <a:latin typeface="Roboto"/>
+                        <a:ea typeface="Roboto"/>
+                        <a:cs typeface="Roboto"/>
+                        <a:sym typeface="Roboto"/>
+                      </a:endParaRPr>
+                    </a:p>
+                  </a:txBody>
+                  <a:tcPr marL="198000" marR="91425" marT="68575" marB="68575">
+                    <a:lnL w="9525" cap="flat" cmpd="sng">
+                      <a:noFill/>
+                      <a:prstDash val="solid"/>
+                      <a:round/>
+                      <a:headEnd type="none" w="sm" len="sm"/>
+                      <a:tailEnd type="none" w="sm" len="sm"/>
+                    </a:lnL>
+                    <a:lnR w="9525" cap="flat" cmpd="sng">
+                      <a:noFill/>
+                      <a:prstDash val="solid"/>
+                      <a:round/>
+                      <a:headEnd type="none" w="sm" len="sm"/>
+                      <a:tailEnd type="none" w="sm" len="sm"/>
+                    </a:lnR>
+                    <a:lnT w="9525" cap="flat" cmpd="sng">
+                      <a:noFill/>
+                      <a:prstDash val="solid"/>
+                      <a:round/>
+                      <a:headEnd type="none" w="sm" len="sm"/>
+                      <a:tailEnd type="none" w="sm" len="sm"/>
+                    </a:lnT>
+                    <a:lnB w="9525" cap="flat" cmpd="sng" algn="ctr">
+                      <a:noFill/>
+                      <a:prstDash val="solid"/>
+                      <a:round/>
+                      <a:headEnd type="none" w="sm" len="sm"/>
+                      <a:tailEnd type="none" w="sm" len="sm"/>
+                    </a:lnB>
+                    <a:lnTlToBr w="12700" cmpd="sng">
+                      <a:noFill/>
+                      <a:prstDash val="solid"/>
+                    </a:lnTlToBr>
+                    <a:lnBlToTr w="12700" cmpd="sng">
+                      <a:noFill/>
+                      <a:prstDash val="solid"/>
+                    </a:lnBlToTr>
+                  </a:tcPr>
+                </a:tc>
+                <a:tc>
+                  <a:txBody>
+                    <a:bodyPr/>
+                    <a:lstStyle/>
+                    <a:p>
+                      <a:pPr marL="0" lvl="0" indent="0" algn="l" rtl="0">
+                        <a:lnSpc>
+                          <a:spcPct val="115000"/>
+                        </a:lnSpc>
+                        <a:spcBef>
+                          <a:spcPts val="0"/>
+                        </a:spcBef>
+                        <a:spcAft>
+                          <a:spcPts val="0"/>
+                        </a:spcAft>
+                        <a:buNone/>
+                      </a:pPr>
+                      <a:r>
+                        <a:rPr lang="ru-RU" sz="1300" dirty="0">
+                          <a:latin typeface="Roboto"/>
+                          <a:ea typeface="Roboto"/>
+                          <a:cs typeface="Roboto"/>
+                          <a:sym typeface="Roboto"/>
+                        </a:rPr>
+                        <a:t>Формируем конфигурации </a:t>
+                      </a:r>
+                      <a:r>
+                        <a:rPr lang="ru-RU" sz="1300" dirty="0" err="1">
+                          <a:latin typeface="Roboto"/>
+                          <a:ea typeface="Roboto"/>
+                          <a:cs typeface="Roboto"/>
+                          <a:sym typeface="Roboto"/>
+                        </a:rPr>
+                        <a:t>кластероа</a:t>
+                      </a:r>
+                      <a:endParaRPr sz="1300" dirty="0">
+                        <a:latin typeface="Roboto"/>
+                        <a:ea typeface="Roboto"/>
+                        <a:cs typeface="Roboto"/>
+                        <a:sym typeface="Roboto"/>
+                      </a:endParaRPr>
+                    </a:p>
+                  </a:txBody>
+                  <a:tcPr marL="198000" marR="91425" marT="68575" marB="68575">
+                    <a:lnL w="9525" cap="flat" cmpd="sng">
+                      <a:noFill/>
+                      <a:prstDash val="solid"/>
+                      <a:round/>
+                      <a:headEnd type="none" w="sm" len="sm"/>
+                      <a:tailEnd type="none" w="sm" len="sm"/>
+                    </a:lnL>
+                    <a:lnR w="9525" cap="flat" cmpd="sng">
+                      <a:noFill/>
+                      <a:prstDash val="solid"/>
+                      <a:round/>
+                      <a:headEnd type="none" w="sm" len="sm"/>
+                      <a:tailEnd type="none" w="sm" len="sm"/>
+                    </a:lnR>
+                    <a:lnT w="9525" cap="flat" cmpd="sng">
+                      <a:noFill/>
+                      <a:prstDash val="solid"/>
+                      <a:round/>
+                      <a:headEnd type="none" w="sm" len="sm"/>
+                      <a:tailEnd type="none" w="sm" len="sm"/>
+                    </a:lnT>
+                    <a:lnB w="9525" cap="flat" cmpd="sng" algn="ctr">
+                      <a:noFill/>
+                      <a:prstDash val="solid"/>
+                      <a:round/>
+                      <a:headEnd type="none" w="sm" len="sm"/>
+                      <a:tailEnd type="none" w="sm" len="sm"/>
+                    </a:lnB>
+                    <a:lnTlToBr w="12700" cmpd="sng">
+                      <a:noFill/>
+                      <a:prstDash val="solid"/>
+                    </a:lnTlToBr>
+                    <a:lnBlToTr w="12700" cmpd="sng">
+                      <a:noFill/>
+                      <a:prstDash val="solid"/>
+                    </a:lnBlToTr>
+                  </a:tcPr>
+                </a:tc>
+                <a:extLst>
+                  <a:ext uri="{0D108BD9-81ED-4DB2-BD59-A6C34878D82A}">
+                    <a16:rowId xmlns:a16="http://schemas.microsoft.com/office/drawing/2014/main" val="10002"/>
+                  </a:ext>
+                </a:extLst>
+              </a:tr>
+              <a:tr h="285750">
+                <a:tc>
+                  <a:txBody>
+                    <a:bodyPr/>
+                    <a:lstStyle/>
+                    <a:p>
+                      <a:pPr marL="0" lvl="0" indent="0" algn="l" rtl="0">
+                        <a:spcBef>
+                          <a:spcPts val="0"/>
+                        </a:spcBef>
+                        <a:spcAft>
+                          <a:spcPts val="0"/>
+                        </a:spcAft>
+                        <a:buNone/>
+                      </a:pPr>
+                      <a:r>
+                        <a:rPr lang="ru-RU" sz="1300" b="1" dirty="0">
+                          <a:solidFill>
+                            <a:srgbClr val="013D85"/>
+                          </a:solidFill>
+                          <a:latin typeface="Roboto"/>
+                          <a:ea typeface="Roboto"/>
+                          <a:cs typeface="Roboto"/>
+                          <a:sym typeface="Roboto"/>
+                        </a:rPr>
+                        <a:t>4.</a:t>
+                      </a:r>
+                      <a:endParaRPr sz="1300" b="1" dirty="0">
+                        <a:solidFill>
+                          <a:srgbClr val="013D85"/>
+                        </a:solidFill>
+                        <a:latin typeface="Roboto"/>
+                        <a:ea typeface="Roboto"/>
+                        <a:cs typeface="Roboto"/>
+                        <a:sym typeface="Roboto"/>
+                      </a:endParaRPr>
+                    </a:p>
+                  </a:txBody>
+                  <a:tcPr marL="198000" marR="91425" marT="68575" marB="68575">
+                    <a:lnL w="9525" cap="flat" cmpd="sng">
+                      <a:noFill/>
+                      <a:prstDash val="solid"/>
+                      <a:round/>
+                      <a:headEnd type="none" w="sm" len="sm"/>
+                      <a:tailEnd type="none" w="sm" len="sm"/>
+                    </a:lnL>
+                    <a:lnR w="9525" cap="flat" cmpd="sng" algn="ctr">
+                      <a:noFill/>
+                      <a:prstDash val="solid"/>
+                      <a:round/>
+                      <a:headEnd type="none" w="sm" len="sm"/>
+                      <a:tailEnd type="none" w="sm" len="sm"/>
+                    </a:lnR>
+                    <a:lnT w="9525" cap="flat" cmpd="sng">
+                      <a:noFill/>
+                      <a:prstDash val="solid"/>
+                      <a:round/>
+                      <a:headEnd type="none" w="sm" len="sm"/>
+                      <a:tailEnd type="none" w="sm" len="sm"/>
+                    </a:lnT>
+                    <a:lnB w="9525" cap="flat" cmpd="sng">
+                      <a:noFill/>
+                      <a:prstDash val="solid"/>
+                      <a:round/>
+                      <a:headEnd type="none" w="sm" len="sm"/>
+                      <a:tailEnd type="none" w="sm" len="sm"/>
+                    </a:lnB>
+                    <a:lnTlToBr w="12700" cmpd="sng">
+                      <a:noFill/>
+                      <a:prstDash val="solid"/>
+                    </a:lnTlToBr>
+                    <a:lnBlToTr w="12700" cmpd="sng">
+                      <a:noFill/>
+                      <a:prstDash val="solid"/>
+                    </a:lnBlToTr>
+                  </a:tcPr>
+                </a:tc>
+                <a:tc>
+                  <a:txBody>
+                    <a:bodyPr/>
+                    <a:lstStyle/>
+                    <a:p>
+                      <a:pPr marL="0" lvl="0" indent="0" algn="l" rtl="0">
+                        <a:lnSpc>
+                          <a:spcPct val="115000"/>
+                        </a:lnSpc>
+                        <a:spcBef>
+                          <a:spcPts val="0"/>
+                        </a:spcBef>
+                        <a:spcAft>
+                          <a:spcPts val="0"/>
+                        </a:spcAft>
+                        <a:buNone/>
+                      </a:pPr>
+                      <a:r>
+                        <a:rPr lang="ru-RU" sz="1300" dirty="0">
+                          <a:latin typeface="Roboto"/>
+                          <a:ea typeface="Roboto"/>
+                          <a:cs typeface="Roboto"/>
+                          <a:sym typeface="Roboto"/>
+                        </a:rPr>
+                        <a:t>Выполняем нагрузочные тесты, чтобы убедиться в соответствии контуру </a:t>
+                      </a:r>
+                      <a:r>
+                        <a:rPr lang="en-US" sz="1300" dirty="0">
+                          <a:latin typeface="Roboto"/>
+                          <a:ea typeface="Roboto"/>
+                          <a:cs typeface="Roboto"/>
+                          <a:sym typeface="Roboto"/>
+                        </a:rPr>
+                        <a:t>PROD </a:t>
+                      </a:r>
+                      <a:r>
+                        <a:rPr lang="ru-RU" sz="1300" dirty="0">
+                          <a:latin typeface="Roboto"/>
+                          <a:ea typeface="Roboto"/>
+                          <a:cs typeface="Roboto"/>
+                          <a:sym typeface="Roboto"/>
+                        </a:rPr>
+                        <a:t>по </a:t>
+                      </a:r>
+                      <a:r>
+                        <a:rPr lang="en-US" sz="1300" dirty="0">
+                          <a:latin typeface="Roboto"/>
+                          <a:ea typeface="Roboto"/>
+                          <a:cs typeface="Roboto"/>
+                          <a:sym typeface="Roboto"/>
+                        </a:rPr>
+                        <a:t>TPS</a:t>
+                      </a:r>
+                      <a:endParaRPr sz="1300" dirty="0">
+                        <a:latin typeface="Roboto"/>
+                        <a:ea typeface="Roboto"/>
+                        <a:cs typeface="Roboto"/>
+                        <a:sym typeface="Roboto"/>
+                      </a:endParaRPr>
+                    </a:p>
+                  </a:txBody>
+                  <a:tcPr marL="198000" marR="91425" marT="68575" marB="68575">
+                    <a:lnL w="9525" cap="flat" cmpd="sng" algn="ctr">
+                      <a:noFill/>
+                      <a:prstDash val="solid"/>
+                      <a:round/>
+                      <a:headEnd type="none" w="sm" len="sm"/>
+                      <a:tailEnd type="none" w="sm" len="sm"/>
+                    </a:lnL>
+                    <a:lnR w="9525" cap="flat" cmpd="sng">
+                      <a:noFill/>
+                      <a:prstDash val="solid"/>
+                      <a:round/>
+                      <a:headEnd type="none" w="sm" len="sm"/>
+                      <a:tailEnd type="none" w="sm" len="sm"/>
+                    </a:lnR>
+                    <a:lnT w="9525" cap="flat" cmpd="sng">
+                      <a:noFill/>
+                      <a:prstDash val="solid"/>
+                      <a:round/>
+                      <a:headEnd type="none" w="sm" len="sm"/>
+                      <a:tailEnd type="none" w="sm" len="sm"/>
+                    </a:lnT>
+                    <a:lnB w="9525" cap="flat" cmpd="sng">
+                      <a:noFill/>
+                      <a:prstDash val="solid"/>
+                      <a:round/>
+                      <a:headEnd type="none" w="sm" len="sm"/>
+                      <a:tailEnd type="none" w="sm" len="sm"/>
+                    </a:lnB>
+                    <a:lnTlToBr w="12700" cmpd="sng">
+                      <a:noFill/>
+                      <a:prstDash val="solid"/>
+                    </a:lnTlToBr>
+                    <a:lnBlToTr w="12700" cmpd="sng">
+                      <a:noFill/>
+                      <a:prstDash val="solid"/>
+                    </a:lnBlToTr>
+                  </a:tcPr>
+                </a:tc>
+                <a:extLst>
+                  <a:ext uri="{0D108BD9-81ED-4DB2-BD59-A6C34878D82A}">
+                    <a16:rowId xmlns:a16="http://schemas.microsoft.com/office/drawing/2014/main" val="4056497466"/>
+                  </a:ext>
+                </a:extLst>
+              </a:tr>
+            </a:tbl>
+          </a:graphicData>
+        </a:graphic>
+      </p:graphicFrame>
+    </p:spTree>
+    <p:extLst>
+      <p:ext uri="{BB962C8B-B14F-4D97-AF65-F5344CB8AC3E}">
+        <p14:creationId xmlns:p14="http://schemas.microsoft.com/office/powerpoint/2010/main" val="2957981015"/>
+      </p:ext>
+    </p:extLst>
   </p:cSld>
   <p:clrMapOvr>
     <a:masterClrMapping/>
